--- a/images/moon23neurips.pptx
+++ b/images/moon23neurips.pptx
@@ -6323,7 +6323,7 @@
             <a:avLst/>
           </a:prstGeom>
           <a:noFill/>
-          <a:ln w="28575"/>
+          <a:ln w="19050"/>
         </p:spPr>
         <p:style>
           <a:lnRef idx="2">
@@ -6378,7 +6378,7 @@
           <a:solidFill>
             <a:srgbClr val="4472C4"/>
           </a:solidFill>
-          <a:ln w="28575"/>
+          <a:ln w="19050"/>
         </p:spPr>
         <p:style>
           <a:lnRef idx="2">
@@ -6431,7 +6431,7 @@
             <a:avLst/>
           </a:prstGeom>
           <a:noFill/>
-          <a:ln w="28575"/>
+          <a:ln w="19050"/>
         </p:spPr>
         <p:style>
           <a:lnRef idx="2">
@@ -6484,7 +6484,7 @@
             <a:avLst/>
           </a:prstGeom>
           <a:noFill/>
-          <a:ln w="28575"/>
+          <a:ln w="19050"/>
         </p:spPr>
         <p:style>
           <a:lnRef idx="2">
@@ -6537,7 +6537,7 @@
             <a:avLst/>
           </a:prstGeom>
           <a:noFill/>
-          <a:ln w="28575"/>
+          <a:ln w="19050"/>
         </p:spPr>
         <p:style>
           <a:lnRef idx="2">
@@ -6636,7 +6636,7 @@
             <a:avLst/>
           </a:prstGeom>
           <a:noFill/>
-          <a:ln w="28575">
+          <a:ln w="19050">
             <a:solidFill>
               <a:schemeClr val="tx1"/>
             </a:solidFill>
@@ -6845,7 +6845,7 @@
             <a:avLst/>
           </a:prstGeom>
           <a:noFill/>
-          <a:ln w="28575">
+          <a:ln w="19050">
             <a:solidFill>
               <a:schemeClr val="tx1"/>
             </a:solidFill>
@@ -6962,7 +6962,7 @@
             <a:avLst/>
           </a:prstGeom>
           <a:noFill/>
-          <a:ln w="28575">
+          <a:ln w="19050">
             <a:solidFill>
               <a:schemeClr val="tx1"/>
             </a:solidFill>
@@ -7180,14 +7180,18 @@
         </p:nvSpPr>
         <p:spPr>
           <a:xfrm>
-            <a:off x="240405" y="811454"/>
+            <a:off x="240405" y="818381"/>
             <a:ext cx="854242" cy="864003"/>
           </a:xfrm>
           <a:prstGeom prst="can">
             <a:avLst/>
           </a:prstGeom>
           <a:noFill/>
-          <a:ln w="28575"/>
+          <a:ln w="19050">
+            <a:solidFill>
+              <a:schemeClr val="tx1"/>
+            </a:solidFill>
+          </a:ln>
         </p:spPr>
         <p:style>
           <a:lnRef idx="2">
@@ -7335,7 +7339,7 @@
             <a:avLst/>
           </a:prstGeom>
           <a:noFill/>
-          <a:ln w="28575">
+          <a:ln w="19050">
             <a:solidFill>
               <a:schemeClr val="tx1"/>
             </a:solidFill>
@@ -7494,7 +7498,7 @@
             <a:avLst/>
           </a:prstGeom>
           <a:noFill/>
-          <a:ln w="28575">
+          <a:ln w="19050">
             <a:solidFill>
               <a:schemeClr val="tx1"/>
             </a:solidFill>
@@ -7563,7 +7567,7 @@
             <a:avLst/>
           </a:prstGeom>
           <a:noFill/>
-          <a:ln w="28575">
+          <a:ln w="19050">
             <a:solidFill>
               <a:schemeClr val="tx1"/>
             </a:solidFill>
@@ -7728,7 +7732,7 @@
           <a:solidFill>
             <a:srgbClr val="4472C4"/>
           </a:solidFill>
-          <a:ln w="28575"/>
+          <a:ln w="19050"/>
         </p:spPr>
         <p:style>
           <a:lnRef idx="2">
@@ -7827,7 +7831,7 @@
             <a:avLst/>
           </a:prstGeom>
           <a:noFill/>
-          <a:ln w="28575"/>
+          <a:ln w="19050"/>
         </p:spPr>
         <p:style>
           <a:lnRef idx="2">
@@ -7880,7 +7884,7 @@
             <a:avLst/>
           </a:prstGeom>
           <a:noFill/>
-          <a:ln w="28575"/>
+          <a:ln w="19050"/>
         </p:spPr>
         <p:style>
           <a:lnRef idx="2">
@@ -8016,144 +8020,6 @@
           </a:prstGeom>
         </p:spPr>
       </p:pic>
-      <p:sp>
-        <p:nvSpPr>
-          <p:cNvPr id="65" name="모서리가 둥근 직사각형 64">
-            <a:extLst>
-              <a:ext uri="{FF2B5EF4-FFF2-40B4-BE49-F238E27FC236}">
-                <a16:creationId xmlns:a16="http://schemas.microsoft.com/office/drawing/2014/main" id="{7D353C56-AEC8-4FB3-8D3F-EEB0E00C6DE7}"/>
-              </a:ext>
-            </a:extLst>
-          </p:cNvPr>
-          <p:cNvSpPr/>
-          <p:nvPr/>
-        </p:nvSpPr>
-        <p:spPr>
-          <a:xfrm>
-            <a:off x="80386" y="1979865"/>
-            <a:ext cx="1261334" cy="540000"/>
-          </a:xfrm>
-          <a:prstGeom prst="roundRect">
-            <a:avLst/>
-          </a:prstGeom>
-          <a:noFill/>
-          <a:ln w="28575">
-            <a:solidFill>
-              <a:schemeClr val="tx1"/>
-            </a:solidFill>
-          </a:ln>
-        </p:spPr>
-        <p:style>
-          <a:lnRef idx="2">
-            <a:schemeClr val="accent1">
-              <a:shade val="15000"/>
-            </a:schemeClr>
-          </a:lnRef>
-          <a:fillRef idx="1">
-            <a:schemeClr val="accent1"/>
-          </a:fillRef>
-          <a:effectRef idx="0">
-            <a:schemeClr val="accent1"/>
-          </a:effectRef>
-          <a:fontRef idx="minor">
-            <a:schemeClr val="lt1"/>
-          </a:fontRef>
-        </p:style>
-        <p:txBody>
-          <a:bodyPr rtlCol="0" anchor="ctr"/>
-          <a:lstStyle/>
-          <a:p>
-            <a:pPr algn="ctr"/>
-            <a:r>
-              <a:rPr kumimoji="1" lang="en-US" altLang="ko-Kore-KR" sz="1600" dirty="0">
-                <a:solidFill>
-                  <a:schemeClr val="tx1"/>
-                </a:solidFill>
-                <a:latin typeface="Calibri" panose="020F0502020204030204" pitchFamily="34" charset="0"/>
-                <a:ea typeface="Helvetica Neue" panose="02000503000000020004" pitchFamily="2" charset="0"/>
-                <a:cs typeface="Calibri" panose="020F0502020204030204" pitchFamily="34" charset="0"/>
-              </a:rPr>
-              <a:t>Collect Stone</a:t>
-            </a:r>
-            <a:endParaRPr kumimoji="1" lang="ko-Kore-KR" altLang="en-US" sz="1600" dirty="0">
-              <a:solidFill>
-                <a:schemeClr val="tx1"/>
-              </a:solidFill>
-              <a:latin typeface="Calibri" panose="020F0502020204030204" pitchFamily="34" charset="0"/>
-              <a:cs typeface="Calibri" panose="020F0502020204030204" pitchFamily="34" charset="0"/>
-            </a:endParaRPr>
-          </a:p>
-        </p:txBody>
-      </p:sp>
-      <p:sp>
-        <p:nvSpPr>
-          <p:cNvPr id="66" name="모서리가 둥근 직사각형 65">
-            <a:extLst>
-              <a:ext uri="{FF2B5EF4-FFF2-40B4-BE49-F238E27FC236}">
-                <a16:creationId xmlns:a16="http://schemas.microsoft.com/office/drawing/2014/main" id="{4718F0BE-7076-7CA8-CFB7-59E0131E6D6D}"/>
-              </a:ext>
-            </a:extLst>
-          </p:cNvPr>
-          <p:cNvSpPr/>
-          <p:nvPr/>
-        </p:nvSpPr>
-        <p:spPr>
-          <a:xfrm>
-            <a:off x="80386" y="2733558"/>
-            <a:ext cx="1261334" cy="540000"/>
-          </a:xfrm>
-          <a:prstGeom prst="roundRect">
-            <a:avLst/>
-          </a:prstGeom>
-          <a:noFill/>
-          <a:ln w="28575">
-            <a:solidFill>
-              <a:schemeClr val="tx1"/>
-            </a:solidFill>
-          </a:ln>
-        </p:spPr>
-        <p:style>
-          <a:lnRef idx="2">
-            <a:schemeClr val="accent1">
-              <a:shade val="15000"/>
-            </a:schemeClr>
-          </a:lnRef>
-          <a:fillRef idx="1">
-            <a:schemeClr val="accent1"/>
-          </a:fillRef>
-          <a:effectRef idx="0">
-            <a:schemeClr val="accent1"/>
-          </a:effectRef>
-          <a:fontRef idx="minor">
-            <a:schemeClr val="lt1"/>
-          </a:fontRef>
-        </p:style>
-        <p:txBody>
-          <a:bodyPr rtlCol="0" anchor="ctr"/>
-          <a:lstStyle/>
-          <a:p>
-            <a:pPr algn="ctr"/>
-            <a:r>
-              <a:rPr kumimoji="1" lang="en-US" altLang="ko-Kore-KR" sz="1600" dirty="0">
-                <a:solidFill>
-                  <a:schemeClr val="tx1"/>
-                </a:solidFill>
-                <a:latin typeface="Calibri" panose="020F0502020204030204" pitchFamily="34" charset="0"/>
-                <a:ea typeface="Helvetica Neue" panose="02000503000000020004" pitchFamily="2" charset="0"/>
-                <a:cs typeface="Calibri" panose="020F0502020204030204" pitchFamily="34" charset="0"/>
-              </a:rPr>
-              <a:t>Make Stone Pickaxe</a:t>
-            </a:r>
-            <a:endParaRPr kumimoji="1" lang="ko-Kore-KR" altLang="en-US" sz="1600" dirty="0">
-              <a:solidFill>
-                <a:schemeClr val="tx1"/>
-              </a:solidFill>
-              <a:latin typeface="Calibri" panose="020F0502020204030204" pitchFamily="34" charset="0"/>
-              <a:cs typeface="Calibri" panose="020F0502020204030204" pitchFamily="34" charset="0"/>
-            </a:endParaRPr>
-          </a:p>
-        </p:txBody>
-      </p:sp>
       <p:pic>
         <p:nvPicPr>
           <p:cNvPr id="104" name="그림 103" descr="스크린샷, 만화 영화, 그린, 픽셀이(가) 표시된 사진&#10;&#10;자동 생성된 설명">
@@ -8186,75 +8052,6 @@
       </p:pic>
       <p:sp>
         <p:nvSpPr>
-          <p:cNvPr id="117" name="모서리가 둥근 직사각형 116">
-            <a:extLst>
-              <a:ext uri="{FF2B5EF4-FFF2-40B4-BE49-F238E27FC236}">
-                <a16:creationId xmlns:a16="http://schemas.microsoft.com/office/drawing/2014/main" id="{FC9C7935-D0F1-B6E8-F53E-4C7F2F9CC6F1}"/>
-              </a:ext>
-            </a:extLst>
-          </p:cNvPr>
-          <p:cNvSpPr/>
-          <p:nvPr/>
-        </p:nvSpPr>
-        <p:spPr>
-          <a:xfrm>
-            <a:off x="80386" y="3487251"/>
-            <a:ext cx="1261334" cy="540000"/>
-          </a:xfrm>
-          <a:prstGeom prst="roundRect">
-            <a:avLst/>
-          </a:prstGeom>
-          <a:noFill/>
-          <a:ln w="28575">
-            <a:solidFill>
-              <a:schemeClr val="tx1"/>
-            </a:solidFill>
-          </a:ln>
-        </p:spPr>
-        <p:style>
-          <a:lnRef idx="2">
-            <a:schemeClr val="accent1">
-              <a:shade val="15000"/>
-            </a:schemeClr>
-          </a:lnRef>
-          <a:fillRef idx="1">
-            <a:schemeClr val="accent1"/>
-          </a:fillRef>
-          <a:effectRef idx="0">
-            <a:schemeClr val="accent1"/>
-          </a:effectRef>
-          <a:fontRef idx="minor">
-            <a:schemeClr val="lt1"/>
-          </a:fontRef>
-        </p:style>
-        <p:txBody>
-          <a:bodyPr rtlCol="0" anchor="ctr"/>
-          <a:lstStyle/>
-          <a:p>
-            <a:pPr algn="ctr"/>
-            <a:r>
-              <a:rPr kumimoji="1" lang="en-US" altLang="ko-Kore-KR" sz="1600" dirty="0">
-                <a:solidFill>
-                  <a:schemeClr val="tx1"/>
-                </a:solidFill>
-                <a:latin typeface="Calibri" panose="020F0502020204030204" pitchFamily="34" charset="0"/>
-                <a:ea typeface="Helvetica Neue" panose="02000503000000020004" pitchFamily="2" charset="0"/>
-                <a:cs typeface="Calibri" panose="020F0502020204030204" pitchFamily="34" charset="0"/>
-              </a:rPr>
-              <a:t>Collect Coal</a:t>
-            </a:r>
-            <a:endParaRPr kumimoji="1" lang="ko-Kore-KR" altLang="en-US" sz="1600" dirty="0">
-              <a:solidFill>
-                <a:schemeClr val="tx1"/>
-              </a:solidFill>
-              <a:latin typeface="Calibri" panose="020F0502020204030204" pitchFamily="34" charset="0"/>
-              <a:cs typeface="Calibri" panose="020F0502020204030204" pitchFamily="34" charset="0"/>
-            </a:endParaRPr>
-          </a:p>
-        </p:txBody>
-      </p:sp>
-      <p:sp>
-        <p:nvSpPr>
           <p:cNvPr id="124" name="타원 123">
             <a:extLst>
               <a:ext uri="{FF2B5EF4-FFF2-40B4-BE49-F238E27FC236}">
@@ -8278,7 +8075,7 @@
           <a:solidFill>
             <a:srgbClr val="71AD47"/>
           </a:solidFill>
-          <a:ln w="28575"/>
+          <a:ln w="19050"/>
         </p:spPr>
         <p:style>
           <a:lnRef idx="2">
@@ -8331,7 +8128,7 @@
             <a:avLst/>
           </a:prstGeom>
           <a:noFill/>
-          <a:ln w="28575"/>
+          <a:ln w="19050"/>
         </p:spPr>
         <p:style>
           <a:lnRef idx="2">
@@ -8386,7 +8183,7 @@
           <a:solidFill>
             <a:srgbClr val="ED7D31"/>
           </a:solidFill>
-          <a:ln w="28575"/>
+          <a:ln w="19050"/>
         </p:spPr>
         <p:style>
           <a:lnRef idx="2">
@@ -8529,7 +8326,7 @@
             <a:avLst/>
           </a:prstGeom>
           <a:noFill/>
-          <a:ln w="28575">
+          <a:ln w="19050">
             <a:solidFill>
               <a:schemeClr val="tx1"/>
             </a:solidFill>
@@ -8646,7 +8443,7 @@
             <a:avLst/>
           </a:prstGeom>
           <a:noFill/>
-          <a:ln w="28575"/>
+          <a:ln w="19050"/>
         </p:spPr>
         <p:style>
           <a:lnRef idx="2">
@@ -8772,7 +8569,7 @@
           <a:prstGeom prst="roundRect">
             <a:avLst/>
           </a:prstGeom>
-          <a:ln w="28575"/>
+          <a:ln w="19050"/>
         </p:spPr>
         <p:style>
           <a:lnRef idx="2">
@@ -8825,6 +8622,7 @@
           <a:solidFill>
             <a:srgbClr val="4472C4"/>
           </a:solidFill>
+          <a:ln w="19050"/>
         </p:spPr>
         <p:style>
           <a:lnRef idx="2">
@@ -8879,6 +8677,7 @@
           <a:solidFill>
             <a:srgbClr val="71AD47"/>
           </a:solidFill>
+          <a:ln w="19050"/>
         </p:spPr>
         <p:style>
           <a:lnRef idx="2">
@@ -8933,6 +8732,7 @@
           <a:solidFill>
             <a:srgbClr val="ED7D31"/>
           </a:solidFill>
+          <a:ln w="19050"/>
         </p:spPr>
         <p:style>
           <a:lnRef idx="2">
@@ -9327,10 +9127,417 @@
       </p:sp>
       <p:sp>
         <p:nvSpPr>
-          <p:cNvPr id="46" name="원통[C] 45">
-            <a:extLst>
-              <a:ext uri="{FF2B5EF4-FFF2-40B4-BE49-F238E27FC236}">
-                <a16:creationId xmlns:a16="http://schemas.microsoft.com/office/drawing/2014/main" id="{39FCECAE-AF6A-C472-32F0-C9DEC9494AC1}"/>
+          <p:cNvPr id="47" name="오른쪽 화살표[R] 46">
+            <a:extLst>
+              <a:ext uri="{FF2B5EF4-FFF2-40B4-BE49-F238E27FC236}">
+                <a16:creationId xmlns:a16="http://schemas.microsoft.com/office/drawing/2014/main" id="{38C411DD-5E7C-68D8-959D-2B146CDB718D}"/>
+              </a:ext>
+            </a:extLst>
+          </p:cNvPr>
+          <p:cNvSpPr/>
+          <p:nvPr/>
+        </p:nvSpPr>
+        <p:spPr>
+          <a:xfrm>
+            <a:off x="1518117" y="814258"/>
+            <a:ext cx="301558" cy="312821"/>
+          </a:xfrm>
+          <a:prstGeom prst="rightArrow">
+            <a:avLst/>
+          </a:prstGeom>
+          <a:solidFill>
+            <a:schemeClr val="tx1"/>
+          </a:solidFill>
+          <a:ln>
+            <a:solidFill>
+              <a:schemeClr val="tx1"/>
+            </a:solidFill>
+          </a:ln>
+        </p:spPr>
+        <p:style>
+          <a:lnRef idx="2">
+            <a:schemeClr val="accent1">
+              <a:shade val="15000"/>
+            </a:schemeClr>
+          </a:lnRef>
+          <a:fillRef idx="1">
+            <a:schemeClr val="accent1"/>
+          </a:fillRef>
+          <a:effectRef idx="0">
+            <a:schemeClr val="accent1"/>
+          </a:effectRef>
+          <a:fontRef idx="minor">
+            <a:schemeClr val="lt1"/>
+          </a:fontRef>
+        </p:style>
+        <p:txBody>
+          <a:bodyPr rtlCol="0" anchor="ctr"/>
+          <a:lstStyle/>
+          <a:p>
+            <a:pPr algn="ctr"/>
+            <a:endParaRPr kumimoji="1" lang="ko-Kore-KR" altLang="en-US"/>
+          </a:p>
+        </p:txBody>
+      </p:sp>
+      <p:sp>
+        <p:nvSpPr>
+          <p:cNvPr id="48" name="오른쪽 화살표[R] 47">
+            <a:extLst>
+              <a:ext uri="{FF2B5EF4-FFF2-40B4-BE49-F238E27FC236}">
+                <a16:creationId xmlns:a16="http://schemas.microsoft.com/office/drawing/2014/main" id="{41F98659-78E0-B687-236D-CC4B3A4EC6DC}"/>
+              </a:ext>
+            </a:extLst>
+          </p:cNvPr>
+          <p:cNvSpPr/>
+          <p:nvPr/>
+        </p:nvSpPr>
+        <p:spPr>
+          <a:xfrm rot="5400000">
+            <a:off x="814279" y="1501959"/>
+            <a:ext cx="301558" cy="312821"/>
+          </a:xfrm>
+          <a:prstGeom prst="rightArrow">
+            <a:avLst/>
+          </a:prstGeom>
+          <a:solidFill>
+            <a:schemeClr val="tx1"/>
+          </a:solidFill>
+          <a:ln>
+            <a:solidFill>
+              <a:schemeClr val="tx1"/>
+            </a:solidFill>
+          </a:ln>
+        </p:spPr>
+        <p:style>
+          <a:lnRef idx="2">
+            <a:schemeClr val="accent1">
+              <a:shade val="15000"/>
+            </a:schemeClr>
+          </a:lnRef>
+          <a:fillRef idx="1">
+            <a:schemeClr val="accent1"/>
+          </a:fillRef>
+          <a:effectRef idx="0">
+            <a:schemeClr val="accent1"/>
+          </a:effectRef>
+          <a:fontRef idx="minor">
+            <a:schemeClr val="lt1"/>
+          </a:fontRef>
+        </p:style>
+        <p:txBody>
+          <a:bodyPr rtlCol="0" anchor="ctr"/>
+          <a:lstStyle/>
+          <a:p>
+            <a:pPr algn="ctr"/>
+            <a:endParaRPr kumimoji="1" lang="ko-Kore-KR" altLang="en-US"/>
+          </a:p>
+        </p:txBody>
+      </p:sp>
+      <p:sp>
+        <p:nvSpPr>
+          <p:cNvPr id="2" name="모서리가 둥근 직사각형 1">
+            <a:extLst>
+              <a:ext uri="{FF2B5EF4-FFF2-40B4-BE49-F238E27FC236}">
+                <a16:creationId xmlns:a16="http://schemas.microsoft.com/office/drawing/2014/main" id="{7DBB8E98-75F9-82A3-E666-B66050BE095F}"/>
+              </a:ext>
+            </a:extLst>
+          </p:cNvPr>
+          <p:cNvSpPr/>
+          <p:nvPr/>
+        </p:nvSpPr>
+        <p:spPr>
+          <a:xfrm>
+            <a:off x="80386" y="1979865"/>
+            <a:ext cx="1261334" cy="540000"/>
+          </a:xfrm>
+          <a:prstGeom prst="roundRect">
+            <a:avLst/>
+          </a:prstGeom>
+          <a:noFill/>
+          <a:ln w="19050">
+            <a:solidFill>
+              <a:schemeClr val="tx1"/>
+            </a:solidFill>
+          </a:ln>
+        </p:spPr>
+        <p:style>
+          <a:lnRef idx="2">
+            <a:schemeClr val="accent1">
+              <a:shade val="15000"/>
+            </a:schemeClr>
+          </a:lnRef>
+          <a:fillRef idx="1">
+            <a:schemeClr val="accent1"/>
+          </a:fillRef>
+          <a:effectRef idx="0">
+            <a:schemeClr val="accent1"/>
+          </a:effectRef>
+          <a:fontRef idx="minor">
+            <a:schemeClr val="lt1"/>
+          </a:fontRef>
+        </p:style>
+        <p:txBody>
+          <a:bodyPr rtlCol="0" anchor="ctr"/>
+          <a:lstStyle/>
+          <a:p>
+            <a:pPr algn="ctr"/>
+            <a:r>
+              <a:rPr kumimoji="1" lang="en-US" altLang="ko-Kore-KR" sz="1600" dirty="0">
+                <a:solidFill>
+                  <a:schemeClr val="tx1"/>
+                </a:solidFill>
+                <a:latin typeface="Calibri" panose="020F0502020204030204" pitchFamily="34" charset="0"/>
+                <a:ea typeface="Helvetica Neue" panose="02000503000000020004" pitchFamily="2" charset="0"/>
+                <a:cs typeface="Calibri" panose="020F0502020204030204" pitchFamily="34" charset="0"/>
+              </a:rPr>
+              <a:t>Collect Stone</a:t>
+            </a:r>
+            <a:endParaRPr kumimoji="1" lang="ko-Kore-KR" altLang="en-US" sz="1600" dirty="0">
+              <a:solidFill>
+                <a:schemeClr val="tx1"/>
+              </a:solidFill>
+              <a:latin typeface="Calibri" panose="020F0502020204030204" pitchFamily="34" charset="0"/>
+              <a:cs typeface="Calibri" panose="020F0502020204030204" pitchFamily="34" charset="0"/>
+            </a:endParaRPr>
+          </a:p>
+        </p:txBody>
+      </p:sp>
+      <p:sp>
+        <p:nvSpPr>
+          <p:cNvPr id="3" name="모서리가 둥근 직사각형 2">
+            <a:extLst>
+              <a:ext uri="{FF2B5EF4-FFF2-40B4-BE49-F238E27FC236}">
+                <a16:creationId xmlns:a16="http://schemas.microsoft.com/office/drawing/2014/main" id="{1267E776-EB72-B87F-B996-9786D9161CFA}"/>
+              </a:ext>
+            </a:extLst>
+          </p:cNvPr>
+          <p:cNvSpPr/>
+          <p:nvPr/>
+        </p:nvSpPr>
+        <p:spPr>
+          <a:xfrm>
+            <a:off x="80386" y="2733558"/>
+            <a:ext cx="1261334" cy="540000"/>
+          </a:xfrm>
+          <a:prstGeom prst="roundRect">
+            <a:avLst/>
+          </a:prstGeom>
+          <a:noFill/>
+          <a:ln w="19050">
+            <a:solidFill>
+              <a:schemeClr val="tx1"/>
+            </a:solidFill>
+          </a:ln>
+        </p:spPr>
+        <p:style>
+          <a:lnRef idx="2">
+            <a:schemeClr val="accent1">
+              <a:shade val="15000"/>
+            </a:schemeClr>
+          </a:lnRef>
+          <a:fillRef idx="1">
+            <a:schemeClr val="accent1"/>
+          </a:fillRef>
+          <a:effectRef idx="0">
+            <a:schemeClr val="accent1"/>
+          </a:effectRef>
+          <a:fontRef idx="minor">
+            <a:schemeClr val="lt1"/>
+          </a:fontRef>
+        </p:style>
+        <p:txBody>
+          <a:bodyPr rtlCol="0" anchor="ctr"/>
+          <a:lstStyle/>
+          <a:p>
+            <a:pPr algn="ctr"/>
+            <a:r>
+              <a:rPr kumimoji="1" lang="en-US" altLang="ko-Kore-KR" sz="1600" dirty="0">
+                <a:solidFill>
+                  <a:schemeClr val="tx1"/>
+                </a:solidFill>
+                <a:latin typeface="Calibri" panose="020F0502020204030204" pitchFamily="34" charset="0"/>
+                <a:ea typeface="Helvetica Neue" panose="02000503000000020004" pitchFamily="2" charset="0"/>
+                <a:cs typeface="Calibri" panose="020F0502020204030204" pitchFamily="34" charset="0"/>
+              </a:rPr>
+              <a:t>Make Stone Pickaxe</a:t>
+            </a:r>
+            <a:endParaRPr kumimoji="1" lang="ko-Kore-KR" altLang="en-US" sz="1600" dirty="0">
+              <a:solidFill>
+                <a:schemeClr val="tx1"/>
+              </a:solidFill>
+              <a:latin typeface="Calibri" panose="020F0502020204030204" pitchFamily="34" charset="0"/>
+              <a:cs typeface="Calibri" panose="020F0502020204030204" pitchFamily="34" charset="0"/>
+            </a:endParaRPr>
+          </a:p>
+        </p:txBody>
+      </p:sp>
+      <p:sp>
+        <p:nvSpPr>
+          <p:cNvPr id="4" name="모서리가 둥근 직사각형 3">
+            <a:extLst>
+              <a:ext uri="{FF2B5EF4-FFF2-40B4-BE49-F238E27FC236}">
+                <a16:creationId xmlns:a16="http://schemas.microsoft.com/office/drawing/2014/main" id="{3A7AE61C-14AF-3AAA-E64F-6AE371021540}"/>
+              </a:ext>
+            </a:extLst>
+          </p:cNvPr>
+          <p:cNvSpPr/>
+          <p:nvPr/>
+        </p:nvSpPr>
+        <p:spPr>
+          <a:xfrm>
+            <a:off x="80386" y="3487251"/>
+            <a:ext cx="1261334" cy="540000"/>
+          </a:xfrm>
+          <a:prstGeom prst="roundRect">
+            <a:avLst/>
+          </a:prstGeom>
+          <a:noFill/>
+          <a:ln w="19050">
+            <a:solidFill>
+              <a:schemeClr val="tx1"/>
+            </a:solidFill>
+          </a:ln>
+        </p:spPr>
+        <p:style>
+          <a:lnRef idx="2">
+            <a:schemeClr val="accent1">
+              <a:shade val="15000"/>
+            </a:schemeClr>
+          </a:lnRef>
+          <a:fillRef idx="1">
+            <a:schemeClr val="accent1"/>
+          </a:fillRef>
+          <a:effectRef idx="0">
+            <a:schemeClr val="accent1"/>
+          </a:effectRef>
+          <a:fontRef idx="minor">
+            <a:schemeClr val="lt1"/>
+          </a:fontRef>
+        </p:style>
+        <p:txBody>
+          <a:bodyPr rtlCol="0" anchor="ctr"/>
+          <a:lstStyle/>
+          <a:p>
+            <a:pPr algn="ctr"/>
+            <a:r>
+              <a:rPr kumimoji="1" lang="en-US" altLang="ko-Kore-KR" sz="1600" dirty="0">
+                <a:solidFill>
+                  <a:schemeClr val="tx1"/>
+                </a:solidFill>
+                <a:latin typeface="Calibri" panose="020F0502020204030204" pitchFamily="34" charset="0"/>
+                <a:ea typeface="Helvetica Neue" panose="02000503000000020004" pitchFamily="2" charset="0"/>
+                <a:cs typeface="Calibri" panose="020F0502020204030204" pitchFamily="34" charset="0"/>
+              </a:rPr>
+              <a:t>Collect Coal</a:t>
+            </a:r>
+            <a:endParaRPr kumimoji="1" lang="ko-Kore-KR" altLang="en-US" sz="1600" dirty="0">
+              <a:solidFill>
+                <a:schemeClr val="tx1"/>
+              </a:solidFill>
+              <a:latin typeface="Calibri" panose="020F0502020204030204" pitchFamily="34" charset="0"/>
+              <a:cs typeface="Calibri" panose="020F0502020204030204" pitchFamily="34" charset="0"/>
+            </a:endParaRPr>
+          </a:p>
+        </p:txBody>
+      </p:sp>
+      <p:cxnSp>
+        <p:nvCxnSpPr>
+          <p:cNvPr id="5" name="직선 화살표 연결선 4">
+            <a:extLst>
+              <a:ext uri="{FF2B5EF4-FFF2-40B4-BE49-F238E27FC236}">
+                <a16:creationId xmlns:a16="http://schemas.microsoft.com/office/drawing/2014/main" id="{1178D530-0EE0-B9C7-3210-3F73EAFCB84F}"/>
+              </a:ext>
+            </a:extLst>
+          </p:cNvPr>
+          <p:cNvCxnSpPr>
+            <a:cxnSpLocks/>
+            <a:stCxn id="2" idx="2"/>
+            <a:endCxn id="3" idx="0"/>
+          </p:cNvCxnSpPr>
+          <p:nvPr/>
+        </p:nvCxnSpPr>
+        <p:spPr>
+          <a:xfrm>
+            <a:off x="711053" y="2519865"/>
+            <a:ext cx="0" cy="213693"/>
+          </a:xfrm>
+          <a:prstGeom prst="straightConnector1">
+            <a:avLst/>
+          </a:prstGeom>
+          <a:ln w="28575">
+            <a:solidFill>
+              <a:schemeClr val="tx1"/>
+            </a:solidFill>
+            <a:tailEnd type="triangle"/>
+          </a:ln>
+        </p:spPr>
+        <p:style>
+          <a:lnRef idx="1">
+            <a:schemeClr val="accent1"/>
+          </a:lnRef>
+          <a:fillRef idx="0">
+            <a:schemeClr val="accent1"/>
+          </a:fillRef>
+          <a:effectRef idx="0">
+            <a:schemeClr val="accent1"/>
+          </a:effectRef>
+          <a:fontRef idx="minor">
+            <a:schemeClr val="tx1"/>
+          </a:fontRef>
+        </p:style>
+      </p:cxnSp>
+      <p:cxnSp>
+        <p:nvCxnSpPr>
+          <p:cNvPr id="6" name="직선 화살표 연결선 5">
+            <a:extLst>
+              <a:ext uri="{FF2B5EF4-FFF2-40B4-BE49-F238E27FC236}">
+                <a16:creationId xmlns:a16="http://schemas.microsoft.com/office/drawing/2014/main" id="{D692F359-E8C4-5AC8-EF0A-214A38686326}"/>
+              </a:ext>
+            </a:extLst>
+          </p:cNvPr>
+          <p:cNvCxnSpPr>
+            <a:cxnSpLocks/>
+            <a:stCxn id="3" idx="2"/>
+            <a:endCxn id="4" idx="0"/>
+          </p:cNvCxnSpPr>
+          <p:nvPr/>
+        </p:nvCxnSpPr>
+        <p:spPr>
+          <a:xfrm>
+            <a:off x="711053" y="3273558"/>
+            <a:ext cx="0" cy="213693"/>
+          </a:xfrm>
+          <a:prstGeom prst="straightConnector1">
+            <a:avLst/>
+          </a:prstGeom>
+          <a:ln w="28575">
+            <a:solidFill>
+              <a:schemeClr val="tx1"/>
+            </a:solidFill>
+            <a:tailEnd type="triangle"/>
+          </a:ln>
+        </p:spPr>
+        <p:style>
+          <a:lnRef idx="1">
+            <a:schemeClr val="accent1"/>
+          </a:lnRef>
+          <a:fillRef idx="0">
+            <a:schemeClr val="accent1"/>
+          </a:fillRef>
+          <a:effectRef idx="0">
+            <a:schemeClr val="accent1"/>
+          </a:effectRef>
+          <a:fontRef idx="minor">
+            <a:schemeClr val="tx1"/>
+          </a:fontRef>
+        </p:style>
+      </p:cxnSp>
+      <p:sp>
+        <p:nvSpPr>
+          <p:cNvPr id="7" name="원통[C] 6">
+            <a:extLst>
+              <a:ext uri="{FF2B5EF4-FFF2-40B4-BE49-F238E27FC236}">
+                <a16:creationId xmlns:a16="http://schemas.microsoft.com/office/drawing/2014/main" id="{D1EC5A5D-7DEE-CEDF-F689-88DB60450733}"/>
               </a:ext>
             </a:extLst>
           </p:cNvPr>
@@ -9346,7 +9553,11 @@
             <a:avLst/>
           </a:prstGeom>
           <a:noFill/>
-          <a:ln w="28575"/>
+          <a:ln w="19050">
+            <a:solidFill>
+              <a:schemeClr val="tx1"/>
+            </a:solidFill>
+          </a:ln>
         </p:spPr>
         <p:style>
           <a:lnRef idx="2">
@@ -9386,114 +9597,6 @@
               <a:latin typeface="Calibri" panose="020F0502020204030204" pitchFamily="34" charset="0"/>
               <a:cs typeface="Calibri" panose="020F0502020204030204" pitchFamily="34" charset="0"/>
             </a:endParaRPr>
-          </a:p>
-        </p:txBody>
-      </p:sp>
-      <p:sp>
-        <p:nvSpPr>
-          <p:cNvPr id="47" name="오른쪽 화살표[R] 46">
-            <a:extLst>
-              <a:ext uri="{FF2B5EF4-FFF2-40B4-BE49-F238E27FC236}">
-                <a16:creationId xmlns:a16="http://schemas.microsoft.com/office/drawing/2014/main" id="{38C411DD-5E7C-68D8-959D-2B146CDB718D}"/>
-              </a:ext>
-            </a:extLst>
-          </p:cNvPr>
-          <p:cNvSpPr/>
-          <p:nvPr/>
-        </p:nvSpPr>
-        <p:spPr>
-          <a:xfrm>
-            <a:off x="1518117" y="814258"/>
-            <a:ext cx="301558" cy="312821"/>
-          </a:xfrm>
-          <a:prstGeom prst="rightArrow">
-            <a:avLst/>
-          </a:prstGeom>
-          <a:solidFill>
-            <a:schemeClr val="tx1"/>
-          </a:solidFill>
-          <a:ln>
-            <a:solidFill>
-              <a:schemeClr val="tx1"/>
-            </a:solidFill>
-          </a:ln>
-        </p:spPr>
-        <p:style>
-          <a:lnRef idx="2">
-            <a:schemeClr val="accent1">
-              <a:shade val="15000"/>
-            </a:schemeClr>
-          </a:lnRef>
-          <a:fillRef idx="1">
-            <a:schemeClr val="accent1"/>
-          </a:fillRef>
-          <a:effectRef idx="0">
-            <a:schemeClr val="accent1"/>
-          </a:effectRef>
-          <a:fontRef idx="minor">
-            <a:schemeClr val="lt1"/>
-          </a:fontRef>
-        </p:style>
-        <p:txBody>
-          <a:bodyPr rtlCol="0" anchor="ctr"/>
-          <a:lstStyle/>
-          <a:p>
-            <a:pPr algn="ctr"/>
-            <a:endParaRPr kumimoji="1" lang="ko-Kore-KR" altLang="en-US"/>
-          </a:p>
-        </p:txBody>
-      </p:sp>
-      <p:sp>
-        <p:nvSpPr>
-          <p:cNvPr id="48" name="오른쪽 화살표[R] 47">
-            <a:extLst>
-              <a:ext uri="{FF2B5EF4-FFF2-40B4-BE49-F238E27FC236}">
-                <a16:creationId xmlns:a16="http://schemas.microsoft.com/office/drawing/2014/main" id="{41F98659-78E0-B687-236D-CC4B3A4EC6DC}"/>
-              </a:ext>
-            </a:extLst>
-          </p:cNvPr>
-          <p:cNvSpPr/>
-          <p:nvPr/>
-        </p:nvSpPr>
-        <p:spPr>
-          <a:xfrm rot="5400000">
-            <a:off x="814279" y="1501959"/>
-            <a:ext cx="301558" cy="312821"/>
-          </a:xfrm>
-          <a:prstGeom prst="rightArrow">
-            <a:avLst/>
-          </a:prstGeom>
-          <a:solidFill>
-            <a:schemeClr val="tx1"/>
-          </a:solidFill>
-          <a:ln>
-            <a:solidFill>
-              <a:schemeClr val="tx1"/>
-            </a:solidFill>
-          </a:ln>
-        </p:spPr>
-        <p:style>
-          <a:lnRef idx="2">
-            <a:schemeClr val="accent1">
-              <a:shade val="15000"/>
-            </a:schemeClr>
-          </a:lnRef>
-          <a:fillRef idx="1">
-            <a:schemeClr val="accent1"/>
-          </a:fillRef>
-          <a:effectRef idx="0">
-            <a:schemeClr val="accent1"/>
-          </a:effectRef>
-          <a:fontRef idx="minor">
-            <a:schemeClr val="lt1"/>
-          </a:fontRef>
-        </p:style>
-        <p:txBody>
-          <a:bodyPr rtlCol="0" anchor="ctr"/>
-          <a:lstStyle/>
-          <a:p>
-            <a:pPr algn="ctr"/>
-            <a:endParaRPr kumimoji="1" lang="ko-Kore-KR" altLang="en-US"/>
           </a:p>
         </p:txBody>
       </p:sp>
@@ -9548,7 +9651,7 @@
             <a:avLst/>
           </a:prstGeom>
           <a:noFill/>
-          <a:ln w="28575">
+          <a:ln w="19050">
             <a:solidFill>
               <a:schemeClr val="tx1"/>
             </a:solidFill>
@@ -9707,7 +9810,7 @@
             <a:avLst/>
           </a:prstGeom>
           <a:noFill/>
-          <a:ln w="28575">
+          <a:ln w="19050">
             <a:solidFill>
               <a:schemeClr val="tx1"/>
             </a:solidFill>
@@ -9776,7 +9879,7 @@
             <a:avLst/>
           </a:prstGeom>
           <a:noFill/>
-          <a:ln w="28575">
+          <a:ln w="19050">
             <a:solidFill>
               <a:schemeClr val="tx1"/>
             </a:solidFill>
@@ -9941,7 +10044,7 @@
           <a:solidFill>
             <a:srgbClr val="4472C4"/>
           </a:solidFill>
-          <a:ln w="28575"/>
+          <a:ln w="19050"/>
         </p:spPr>
         <p:style>
           <a:lnRef idx="2">
@@ -10040,7 +10143,7 @@
             <a:avLst/>
           </a:prstGeom>
           <a:noFill/>
-          <a:ln w="28575"/>
+          <a:ln w="19050"/>
         </p:spPr>
         <p:style>
           <a:lnRef idx="2">
@@ -10093,7 +10196,7 @@
             <a:avLst/>
           </a:prstGeom>
           <a:noFill/>
-          <a:ln w="28575"/>
+          <a:ln w="19050"/>
         </p:spPr>
         <p:style>
           <a:lnRef idx="2">
@@ -10229,144 +10332,6 @@
           </a:prstGeom>
         </p:spPr>
       </p:pic>
-      <p:sp>
-        <p:nvSpPr>
-          <p:cNvPr id="65" name="모서리가 둥근 직사각형 64">
-            <a:extLst>
-              <a:ext uri="{FF2B5EF4-FFF2-40B4-BE49-F238E27FC236}">
-                <a16:creationId xmlns:a16="http://schemas.microsoft.com/office/drawing/2014/main" id="{7D353C56-AEC8-4FB3-8D3F-EEB0E00C6DE7}"/>
-              </a:ext>
-            </a:extLst>
-          </p:cNvPr>
-          <p:cNvSpPr/>
-          <p:nvPr/>
-        </p:nvSpPr>
-        <p:spPr>
-          <a:xfrm>
-            <a:off x="80386" y="1979865"/>
-            <a:ext cx="1261334" cy="540000"/>
-          </a:xfrm>
-          <a:prstGeom prst="roundRect">
-            <a:avLst/>
-          </a:prstGeom>
-          <a:noFill/>
-          <a:ln w="28575">
-            <a:solidFill>
-              <a:schemeClr val="tx1"/>
-            </a:solidFill>
-          </a:ln>
-        </p:spPr>
-        <p:style>
-          <a:lnRef idx="2">
-            <a:schemeClr val="accent1">
-              <a:shade val="15000"/>
-            </a:schemeClr>
-          </a:lnRef>
-          <a:fillRef idx="1">
-            <a:schemeClr val="accent1"/>
-          </a:fillRef>
-          <a:effectRef idx="0">
-            <a:schemeClr val="accent1"/>
-          </a:effectRef>
-          <a:fontRef idx="minor">
-            <a:schemeClr val="lt1"/>
-          </a:fontRef>
-        </p:style>
-        <p:txBody>
-          <a:bodyPr rtlCol="0" anchor="ctr"/>
-          <a:lstStyle/>
-          <a:p>
-            <a:pPr algn="ctr"/>
-            <a:r>
-              <a:rPr kumimoji="1" lang="en-US" altLang="ko-Kore-KR" sz="1600" dirty="0">
-                <a:solidFill>
-                  <a:schemeClr val="tx1"/>
-                </a:solidFill>
-                <a:latin typeface="Calibri" panose="020F0502020204030204" pitchFamily="34" charset="0"/>
-                <a:ea typeface="Helvetica Neue" panose="02000503000000020004" pitchFamily="2" charset="0"/>
-                <a:cs typeface="Calibri" panose="020F0502020204030204" pitchFamily="34" charset="0"/>
-              </a:rPr>
-              <a:t>Collect Stone</a:t>
-            </a:r>
-            <a:endParaRPr kumimoji="1" lang="ko-Kore-KR" altLang="en-US" sz="1600" dirty="0">
-              <a:solidFill>
-                <a:schemeClr val="tx1"/>
-              </a:solidFill>
-              <a:latin typeface="Calibri" panose="020F0502020204030204" pitchFamily="34" charset="0"/>
-              <a:cs typeface="Calibri" panose="020F0502020204030204" pitchFamily="34" charset="0"/>
-            </a:endParaRPr>
-          </a:p>
-        </p:txBody>
-      </p:sp>
-      <p:sp>
-        <p:nvSpPr>
-          <p:cNvPr id="66" name="모서리가 둥근 직사각형 65">
-            <a:extLst>
-              <a:ext uri="{FF2B5EF4-FFF2-40B4-BE49-F238E27FC236}">
-                <a16:creationId xmlns:a16="http://schemas.microsoft.com/office/drawing/2014/main" id="{4718F0BE-7076-7CA8-CFB7-59E0131E6D6D}"/>
-              </a:ext>
-            </a:extLst>
-          </p:cNvPr>
-          <p:cNvSpPr/>
-          <p:nvPr/>
-        </p:nvSpPr>
-        <p:spPr>
-          <a:xfrm>
-            <a:off x="80386" y="2733558"/>
-            <a:ext cx="1261334" cy="540000"/>
-          </a:xfrm>
-          <a:prstGeom prst="roundRect">
-            <a:avLst/>
-          </a:prstGeom>
-          <a:noFill/>
-          <a:ln w="28575">
-            <a:solidFill>
-              <a:schemeClr val="tx1"/>
-            </a:solidFill>
-          </a:ln>
-        </p:spPr>
-        <p:style>
-          <a:lnRef idx="2">
-            <a:schemeClr val="accent1">
-              <a:shade val="15000"/>
-            </a:schemeClr>
-          </a:lnRef>
-          <a:fillRef idx="1">
-            <a:schemeClr val="accent1"/>
-          </a:fillRef>
-          <a:effectRef idx="0">
-            <a:schemeClr val="accent1"/>
-          </a:effectRef>
-          <a:fontRef idx="minor">
-            <a:schemeClr val="lt1"/>
-          </a:fontRef>
-        </p:style>
-        <p:txBody>
-          <a:bodyPr rtlCol="0" anchor="ctr"/>
-          <a:lstStyle/>
-          <a:p>
-            <a:pPr algn="ctr"/>
-            <a:r>
-              <a:rPr kumimoji="1" lang="en-US" altLang="ko-Kore-KR" sz="1600" dirty="0">
-                <a:solidFill>
-                  <a:schemeClr val="tx1"/>
-                </a:solidFill>
-                <a:latin typeface="Calibri" panose="020F0502020204030204" pitchFamily="34" charset="0"/>
-                <a:ea typeface="Helvetica Neue" panose="02000503000000020004" pitchFamily="2" charset="0"/>
-                <a:cs typeface="Calibri" panose="020F0502020204030204" pitchFamily="34" charset="0"/>
-              </a:rPr>
-              <a:t>Make Stone Pickaxe</a:t>
-            </a:r>
-            <a:endParaRPr kumimoji="1" lang="ko-Kore-KR" altLang="en-US" sz="1600" dirty="0">
-              <a:solidFill>
-                <a:schemeClr val="tx1"/>
-              </a:solidFill>
-              <a:latin typeface="Calibri" panose="020F0502020204030204" pitchFamily="34" charset="0"/>
-              <a:cs typeface="Calibri" panose="020F0502020204030204" pitchFamily="34" charset="0"/>
-            </a:endParaRPr>
-          </a:p>
-        </p:txBody>
-      </p:sp>
       <p:pic>
         <p:nvPicPr>
           <p:cNvPr id="104" name="그림 103" descr="스크린샷, 만화 영화, 그린, 픽셀이(가) 표시된 사진&#10;&#10;자동 생성된 설명">
@@ -10399,75 +10364,6 @@
       </p:pic>
       <p:sp>
         <p:nvSpPr>
-          <p:cNvPr id="117" name="모서리가 둥근 직사각형 116">
-            <a:extLst>
-              <a:ext uri="{FF2B5EF4-FFF2-40B4-BE49-F238E27FC236}">
-                <a16:creationId xmlns:a16="http://schemas.microsoft.com/office/drawing/2014/main" id="{FC9C7935-D0F1-B6E8-F53E-4C7F2F9CC6F1}"/>
-              </a:ext>
-            </a:extLst>
-          </p:cNvPr>
-          <p:cNvSpPr/>
-          <p:nvPr/>
-        </p:nvSpPr>
-        <p:spPr>
-          <a:xfrm>
-            <a:off x="80386" y="3487251"/>
-            <a:ext cx="1261334" cy="540000"/>
-          </a:xfrm>
-          <a:prstGeom prst="roundRect">
-            <a:avLst/>
-          </a:prstGeom>
-          <a:noFill/>
-          <a:ln w="28575">
-            <a:solidFill>
-              <a:schemeClr val="tx1"/>
-            </a:solidFill>
-          </a:ln>
-        </p:spPr>
-        <p:style>
-          <a:lnRef idx="2">
-            <a:schemeClr val="accent1">
-              <a:shade val="15000"/>
-            </a:schemeClr>
-          </a:lnRef>
-          <a:fillRef idx="1">
-            <a:schemeClr val="accent1"/>
-          </a:fillRef>
-          <a:effectRef idx="0">
-            <a:schemeClr val="accent1"/>
-          </a:effectRef>
-          <a:fontRef idx="minor">
-            <a:schemeClr val="lt1"/>
-          </a:fontRef>
-        </p:style>
-        <p:txBody>
-          <a:bodyPr rtlCol="0" anchor="ctr"/>
-          <a:lstStyle/>
-          <a:p>
-            <a:pPr algn="ctr"/>
-            <a:r>
-              <a:rPr kumimoji="1" lang="en-US" altLang="ko-Kore-KR" sz="1600" dirty="0">
-                <a:solidFill>
-                  <a:schemeClr val="tx1"/>
-                </a:solidFill>
-                <a:latin typeface="Calibri" panose="020F0502020204030204" pitchFamily="34" charset="0"/>
-                <a:ea typeface="Helvetica Neue" panose="02000503000000020004" pitchFamily="2" charset="0"/>
-                <a:cs typeface="Calibri" panose="020F0502020204030204" pitchFamily="34" charset="0"/>
-              </a:rPr>
-              <a:t>Collect Coal</a:t>
-            </a:r>
-            <a:endParaRPr kumimoji="1" lang="ko-Kore-KR" altLang="en-US" sz="1600" dirty="0">
-              <a:solidFill>
-                <a:schemeClr val="tx1"/>
-              </a:solidFill>
-              <a:latin typeface="Calibri" panose="020F0502020204030204" pitchFamily="34" charset="0"/>
-              <a:cs typeface="Calibri" panose="020F0502020204030204" pitchFamily="34" charset="0"/>
-            </a:endParaRPr>
-          </a:p>
-        </p:txBody>
-      </p:sp>
-      <p:sp>
-        <p:nvSpPr>
           <p:cNvPr id="124" name="타원 123">
             <a:extLst>
               <a:ext uri="{FF2B5EF4-FFF2-40B4-BE49-F238E27FC236}">
@@ -10491,7 +10387,7 @@
           <a:solidFill>
             <a:srgbClr val="71AD47"/>
           </a:solidFill>
-          <a:ln w="28575"/>
+          <a:ln w="19050"/>
         </p:spPr>
         <p:style>
           <a:lnRef idx="2">
@@ -10544,7 +10440,7 @@
             <a:avLst/>
           </a:prstGeom>
           <a:noFill/>
-          <a:ln w="28575"/>
+          <a:ln w="19050"/>
         </p:spPr>
         <p:style>
           <a:lnRef idx="2">
@@ -10599,7 +10495,7 @@
           <a:solidFill>
             <a:srgbClr val="ED7D31"/>
           </a:solidFill>
-          <a:ln w="28575"/>
+          <a:ln w="19050"/>
         </p:spPr>
         <p:style>
           <a:lnRef idx="2">
@@ -10742,7 +10638,7 @@
             <a:avLst/>
           </a:prstGeom>
           <a:noFill/>
-          <a:ln w="28575">
+          <a:ln w="19050">
             <a:solidFill>
               <a:schemeClr val="tx1"/>
             </a:solidFill>
@@ -10859,7 +10755,7 @@
             <a:avLst/>
           </a:prstGeom>
           <a:noFill/>
-          <a:ln w="28575"/>
+          <a:ln w="19050"/>
         </p:spPr>
         <p:style>
           <a:lnRef idx="2">
@@ -10985,7 +10881,7 @@
           <a:prstGeom prst="roundRect">
             <a:avLst/>
           </a:prstGeom>
-          <a:ln w="28575"/>
+          <a:ln w="19050"/>
         </p:spPr>
         <p:style>
           <a:lnRef idx="2">
@@ -11038,6 +10934,7 @@
           <a:solidFill>
             <a:srgbClr val="4472C4"/>
           </a:solidFill>
+          <a:ln w="19050"/>
         </p:spPr>
         <p:style>
           <a:lnRef idx="2">
@@ -11092,6 +10989,7 @@
           <a:solidFill>
             <a:srgbClr val="71AD47"/>
           </a:solidFill>
+          <a:ln w="19050"/>
         </p:spPr>
         <p:style>
           <a:lnRef idx="2">
@@ -11146,6 +11044,7 @@
           <a:solidFill>
             <a:srgbClr val="ED7D31"/>
           </a:solidFill>
+          <a:ln w="19050"/>
         </p:spPr>
         <p:style>
           <a:lnRef idx="2">
@@ -11559,7 +11458,11 @@
             <a:avLst/>
           </a:prstGeom>
           <a:noFill/>
-          <a:ln w="28575"/>
+          <a:ln w="19050">
+            <a:solidFill>
+              <a:schemeClr val="tx1"/>
+            </a:solidFill>
+          </a:ln>
         </p:spPr>
         <p:style>
           <a:lnRef idx="2">
@@ -11710,6 +11613,305 @@
           </a:p>
         </p:txBody>
       </p:sp>
+      <p:sp>
+        <p:nvSpPr>
+          <p:cNvPr id="2" name="모서리가 둥근 직사각형 1">
+            <a:extLst>
+              <a:ext uri="{FF2B5EF4-FFF2-40B4-BE49-F238E27FC236}">
+                <a16:creationId xmlns:a16="http://schemas.microsoft.com/office/drawing/2014/main" id="{B4B15F2F-082C-FD66-63CC-B14FDCBBFBAD}"/>
+              </a:ext>
+            </a:extLst>
+          </p:cNvPr>
+          <p:cNvSpPr/>
+          <p:nvPr/>
+        </p:nvSpPr>
+        <p:spPr>
+          <a:xfrm>
+            <a:off x="80386" y="1979865"/>
+            <a:ext cx="1261334" cy="540000"/>
+          </a:xfrm>
+          <a:prstGeom prst="roundRect">
+            <a:avLst/>
+          </a:prstGeom>
+          <a:noFill/>
+          <a:ln w="19050">
+            <a:solidFill>
+              <a:schemeClr val="tx1"/>
+            </a:solidFill>
+          </a:ln>
+        </p:spPr>
+        <p:style>
+          <a:lnRef idx="2">
+            <a:schemeClr val="accent1">
+              <a:shade val="15000"/>
+            </a:schemeClr>
+          </a:lnRef>
+          <a:fillRef idx="1">
+            <a:schemeClr val="accent1"/>
+          </a:fillRef>
+          <a:effectRef idx="0">
+            <a:schemeClr val="accent1"/>
+          </a:effectRef>
+          <a:fontRef idx="minor">
+            <a:schemeClr val="lt1"/>
+          </a:fontRef>
+        </p:style>
+        <p:txBody>
+          <a:bodyPr rtlCol="0" anchor="ctr"/>
+          <a:lstStyle/>
+          <a:p>
+            <a:pPr algn="ctr"/>
+            <a:r>
+              <a:rPr kumimoji="1" lang="en-US" altLang="ko-Kore-KR" sz="1600" dirty="0">
+                <a:solidFill>
+                  <a:schemeClr val="tx1"/>
+                </a:solidFill>
+                <a:latin typeface="Calibri" panose="020F0502020204030204" pitchFamily="34" charset="0"/>
+                <a:ea typeface="Helvetica Neue" panose="02000503000000020004" pitchFamily="2" charset="0"/>
+                <a:cs typeface="Calibri" panose="020F0502020204030204" pitchFamily="34" charset="0"/>
+              </a:rPr>
+              <a:t>Collect Stone</a:t>
+            </a:r>
+            <a:endParaRPr kumimoji="1" lang="ko-Kore-KR" altLang="en-US" sz="1600" dirty="0">
+              <a:solidFill>
+                <a:schemeClr val="tx1"/>
+              </a:solidFill>
+              <a:latin typeface="Calibri" panose="020F0502020204030204" pitchFamily="34" charset="0"/>
+              <a:cs typeface="Calibri" panose="020F0502020204030204" pitchFamily="34" charset="0"/>
+            </a:endParaRPr>
+          </a:p>
+        </p:txBody>
+      </p:sp>
+      <p:sp>
+        <p:nvSpPr>
+          <p:cNvPr id="3" name="모서리가 둥근 직사각형 2">
+            <a:extLst>
+              <a:ext uri="{FF2B5EF4-FFF2-40B4-BE49-F238E27FC236}">
+                <a16:creationId xmlns:a16="http://schemas.microsoft.com/office/drawing/2014/main" id="{18BE8117-C9CA-14D0-15CF-5B8C779214E0}"/>
+              </a:ext>
+            </a:extLst>
+          </p:cNvPr>
+          <p:cNvSpPr/>
+          <p:nvPr/>
+        </p:nvSpPr>
+        <p:spPr>
+          <a:xfrm>
+            <a:off x="80386" y="2733558"/>
+            <a:ext cx="1261334" cy="540000"/>
+          </a:xfrm>
+          <a:prstGeom prst="roundRect">
+            <a:avLst/>
+          </a:prstGeom>
+          <a:noFill/>
+          <a:ln w="19050">
+            <a:solidFill>
+              <a:schemeClr val="tx1"/>
+            </a:solidFill>
+          </a:ln>
+        </p:spPr>
+        <p:style>
+          <a:lnRef idx="2">
+            <a:schemeClr val="accent1">
+              <a:shade val="15000"/>
+            </a:schemeClr>
+          </a:lnRef>
+          <a:fillRef idx="1">
+            <a:schemeClr val="accent1"/>
+          </a:fillRef>
+          <a:effectRef idx="0">
+            <a:schemeClr val="accent1"/>
+          </a:effectRef>
+          <a:fontRef idx="minor">
+            <a:schemeClr val="lt1"/>
+          </a:fontRef>
+        </p:style>
+        <p:txBody>
+          <a:bodyPr rtlCol="0" anchor="ctr"/>
+          <a:lstStyle/>
+          <a:p>
+            <a:pPr algn="ctr"/>
+            <a:r>
+              <a:rPr kumimoji="1" lang="en-US" altLang="ko-Kore-KR" sz="1600" dirty="0">
+                <a:solidFill>
+                  <a:schemeClr val="tx1"/>
+                </a:solidFill>
+                <a:latin typeface="Calibri" panose="020F0502020204030204" pitchFamily="34" charset="0"/>
+                <a:ea typeface="Helvetica Neue" panose="02000503000000020004" pitchFamily="2" charset="0"/>
+                <a:cs typeface="Calibri" panose="020F0502020204030204" pitchFamily="34" charset="0"/>
+              </a:rPr>
+              <a:t>Make Stone Pickaxe</a:t>
+            </a:r>
+            <a:endParaRPr kumimoji="1" lang="ko-Kore-KR" altLang="en-US" sz="1600" dirty="0">
+              <a:solidFill>
+                <a:schemeClr val="tx1"/>
+              </a:solidFill>
+              <a:latin typeface="Calibri" panose="020F0502020204030204" pitchFamily="34" charset="0"/>
+              <a:cs typeface="Calibri" panose="020F0502020204030204" pitchFamily="34" charset="0"/>
+            </a:endParaRPr>
+          </a:p>
+        </p:txBody>
+      </p:sp>
+      <p:sp>
+        <p:nvSpPr>
+          <p:cNvPr id="4" name="모서리가 둥근 직사각형 3">
+            <a:extLst>
+              <a:ext uri="{FF2B5EF4-FFF2-40B4-BE49-F238E27FC236}">
+                <a16:creationId xmlns:a16="http://schemas.microsoft.com/office/drawing/2014/main" id="{C8C2E55B-FC01-4458-4F8A-691E1D204E24}"/>
+              </a:ext>
+            </a:extLst>
+          </p:cNvPr>
+          <p:cNvSpPr/>
+          <p:nvPr/>
+        </p:nvSpPr>
+        <p:spPr>
+          <a:xfrm>
+            <a:off x="80386" y="3487251"/>
+            <a:ext cx="1261334" cy="540000"/>
+          </a:xfrm>
+          <a:prstGeom prst="roundRect">
+            <a:avLst/>
+          </a:prstGeom>
+          <a:noFill/>
+          <a:ln w="19050">
+            <a:solidFill>
+              <a:schemeClr val="tx1"/>
+            </a:solidFill>
+          </a:ln>
+        </p:spPr>
+        <p:style>
+          <a:lnRef idx="2">
+            <a:schemeClr val="accent1">
+              <a:shade val="15000"/>
+            </a:schemeClr>
+          </a:lnRef>
+          <a:fillRef idx="1">
+            <a:schemeClr val="accent1"/>
+          </a:fillRef>
+          <a:effectRef idx="0">
+            <a:schemeClr val="accent1"/>
+          </a:effectRef>
+          <a:fontRef idx="minor">
+            <a:schemeClr val="lt1"/>
+          </a:fontRef>
+        </p:style>
+        <p:txBody>
+          <a:bodyPr rtlCol="0" anchor="ctr"/>
+          <a:lstStyle/>
+          <a:p>
+            <a:pPr algn="ctr"/>
+            <a:r>
+              <a:rPr kumimoji="1" lang="en-US" altLang="ko-Kore-KR" sz="1600" dirty="0">
+                <a:solidFill>
+                  <a:schemeClr val="tx1"/>
+                </a:solidFill>
+                <a:latin typeface="Calibri" panose="020F0502020204030204" pitchFamily="34" charset="0"/>
+                <a:ea typeface="Helvetica Neue" panose="02000503000000020004" pitchFamily="2" charset="0"/>
+                <a:cs typeface="Calibri" panose="020F0502020204030204" pitchFamily="34" charset="0"/>
+              </a:rPr>
+              <a:t>Collect Coal</a:t>
+            </a:r>
+            <a:endParaRPr kumimoji="1" lang="ko-Kore-KR" altLang="en-US" sz="1600" dirty="0">
+              <a:solidFill>
+                <a:schemeClr val="tx1"/>
+              </a:solidFill>
+              <a:latin typeface="Calibri" panose="020F0502020204030204" pitchFamily="34" charset="0"/>
+              <a:cs typeface="Calibri" panose="020F0502020204030204" pitchFamily="34" charset="0"/>
+            </a:endParaRPr>
+          </a:p>
+        </p:txBody>
+      </p:sp>
+      <p:cxnSp>
+        <p:nvCxnSpPr>
+          <p:cNvPr id="5" name="직선 화살표 연결선 4">
+            <a:extLst>
+              <a:ext uri="{FF2B5EF4-FFF2-40B4-BE49-F238E27FC236}">
+                <a16:creationId xmlns:a16="http://schemas.microsoft.com/office/drawing/2014/main" id="{948C2D80-4AA5-45DD-8F55-74E822558E1C}"/>
+              </a:ext>
+            </a:extLst>
+          </p:cNvPr>
+          <p:cNvCxnSpPr>
+            <a:cxnSpLocks/>
+            <a:stCxn id="2" idx="2"/>
+            <a:endCxn id="3" idx="0"/>
+          </p:cNvCxnSpPr>
+          <p:nvPr/>
+        </p:nvCxnSpPr>
+        <p:spPr>
+          <a:xfrm>
+            <a:off x="711053" y="2519865"/>
+            <a:ext cx="0" cy="213693"/>
+          </a:xfrm>
+          <a:prstGeom prst="straightConnector1">
+            <a:avLst/>
+          </a:prstGeom>
+          <a:ln w="28575">
+            <a:solidFill>
+              <a:schemeClr val="tx1"/>
+            </a:solidFill>
+            <a:tailEnd type="triangle"/>
+          </a:ln>
+        </p:spPr>
+        <p:style>
+          <a:lnRef idx="1">
+            <a:schemeClr val="accent1"/>
+          </a:lnRef>
+          <a:fillRef idx="0">
+            <a:schemeClr val="accent1"/>
+          </a:fillRef>
+          <a:effectRef idx="0">
+            <a:schemeClr val="accent1"/>
+          </a:effectRef>
+          <a:fontRef idx="minor">
+            <a:schemeClr val="tx1"/>
+          </a:fontRef>
+        </p:style>
+      </p:cxnSp>
+      <p:cxnSp>
+        <p:nvCxnSpPr>
+          <p:cNvPr id="6" name="직선 화살표 연결선 5">
+            <a:extLst>
+              <a:ext uri="{FF2B5EF4-FFF2-40B4-BE49-F238E27FC236}">
+                <a16:creationId xmlns:a16="http://schemas.microsoft.com/office/drawing/2014/main" id="{C20FAF56-5A0F-4E01-D210-A06A14C8BE87}"/>
+              </a:ext>
+            </a:extLst>
+          </p:cNvPr>
+          <p:cNvCxnSpPr>
+            <a:cxnSpLocks/>
+            <a:stCxn id="3" idx="2"/>
+            <a:endCxn id="4" idx="0"/>
+          </p:cNvCxnSpPr>
+          <p:nvPr/>
+        </p:nvCxnSpPr>
+        <p:spPr>
+          <a:xfrm>
+            <a:off x="711053" y="3273558"/>
+            <a:ext cx="0" cy="213693"/>
+          </a:xfrm>
+          <a:prstGeom prst="straightConnector1">
+            <a:avLst/>
+          </a:prstGeom>
+          <a:ln w="28575">
+            <a:solidFill>
+              <a:schemeClr val="tx1"/>
+            </a:solidFill>
+            <a:tailEnd type="triangle"/>
+          </a:ln>
+        </p:spPr>
+        <p:style>
+          <a:lnRef idx="1">
+            <a:schemeClr val="accent1"/>
+          </a:lnRef>
+          <a:fillRef idx="0">
+            <a:schemeClr val="accent1"/>
+          </a:fillRef>
+          <a:effectRef idx="0">
+            <a:schemeClr val="accent1"/>
+          </a:effectRef>
+          <a:fontRef idx="minor">
+            <a:schemeClr val="tx1"/>
+          </a:fontRef>
+        </p:style>
+      </p:cxnSp>
     </p:spTree>
     <p:extLst>
       <p:ext uri="{BB962C8B-B14F-4D97-AF65-F5344CB8AC3E}">
@@ -11853,7 +12055,7 @@
             <a:avLst/>
           </a:prstGeom>
           <a:noFill/>
-          <a:ln w="28575"/>
+          <a:ln w="19050"/>
         </p:spPr>
         <p:style>
           <a:lnRef idx="2">
@@ -11908,7 +12110,7 @@
           <a:solidFill>
             <a:srgbClr val="4472C4"/>
           </a:solidFill>
-          <a:ln w="28575"/>
+          <a:ln w="19050"/>
         </p:spPr>
         <p:style>
           <a:lnRef idx="2">
@@ -11963,7 +12165,7 @@
           <a:solidFill>
             <a:srgbClr val="71AD47"/>
           </a:solidFill>
-          <a:ln w="28575"/>
+          <a:ln w="19050"/>
         </p:spPr>
         <p:style>
           <a:lnRef idx="2">
@@ -12016,7 +12218,7 @@
             <a:avLst/>
           </a:prstGeom>
           <a:noFill/>
-          <a:ln w="28575"/>
+          <a:ln w="19050"/>
         </p:spPr>
         <p:style>
           <a:lnRef idx="2">
@@ -12071,7 +12273,7 @@
           <a:solidFill>
             <a:srgbClr val="ED7D31"/>
           </a:solidFill>
-          <a:ln w="28575"/>
+          <a:ln w="19050"/>
         </p:spPr>
         <p:style>
           <a:lnRef idx="2">
@@ -12170,7 +12372,7 @@
             <a:avLst/>
           </a:prstGeom>
           <a:noFill/>
-          <a:ln w="28575">
+          <a:ln w="19050">
             <a:solidFill>
               <a:schemeClr val="tx1"/>
             </a:solidFill>
@@ -12379,7 +12581,7 @@
             <a:avLst/>
           </a:prstGeom>
           <a:noFill/>
-          <a:ln w="28575">
+          <a:ln w="19050">
             <a:solidFill>
               <a:schemeClr val="tx1"/>
             </a:solidFill>
@@ -12496,7 +12698,7 @@
             <a:avLst/>
           </a:prstGeom>
           <a:noFill/>
-          <a:ln w="28575">
+          <a:ln w="19050">
             <a:solidFill>
               <a:schemeClr val="tx1"/>
             </a:solidFill>
@@ -12721,7 +12923,11 @@
             <a:avLst/>
           </a:prstGeom>
           <a:noFill/>
-          <a:ln w="28575"/>
+          <a:ln w="19050">
+            <a:solidFill>
+              <a:schemeClr val="tx1"/>
+            </a:solidFill>
+          </a:ln>
         </p:spPr>
         <p:style>
           <a:lnRef idx="2">
@@ -12961,7 +13167,7 @@
             <a:avLst/>
           </a:prstGeom>
           <a:noFill/>
-          <a:ln w="28575"/>
+          <a:ln w="19050"/>
         </p:spPr>
         <p:style>
           <a:lnRef idx="2">
@@ -13016,7 +13222,7 @@
           <a:solidFill>
             <a:srgbClr val="4472C4"/>
           </a:solidFill>
-          <a:ln w="28575"/>
+          <a:ln w="19050"/>
         </p:spPr>
         <p:style>
           <a:lnRef idx="2">
@@ -13071,7 +13277,7 @@
           <a:solidFill>
             <a:srgbClr val="71AD47"/>
           </a:solidFill>
-          <a:ln w="28575"/>
+          <a:ln w="19050"/>
         </p:spPr>
         <p:style>
           <a:lnRef idx="2">
@@ -13124,7 +13330,7 @@
             <a:avLst/>
           </a:prstGeom>
           <a:noFill/>
-          <a:ln w="28575"/>
+          <a:ln w="19050"/>
         </p:spPr>
         <p:style>
           <a:lnRef idx="2">
@@ -13179,7 +13385,7 @@
           <a:solidFill>
             <a:srgbClr val="ED7D31"/>
           </a:solidFill>
-          <a:ln w="28575"/>
+          <a:ln w="19050"/>
         </p:spPr>
         <p:style>
           <a:lnRef idx="2">
@@ -13278,7 +13484,7 @@
             <a:avLst/>
           </a:prstGeom>
           <a:noFill/>
-          <a:ln w="28575">
+          <a:ln w="19050">
             <a:solidFill>
               <a:schemeClr val="tx1"/>
             </a:solidFill>
@@ -13487,7 +13693,7 @@
             <a:avLst/>
           </a:prstGeom>
           <a:noFill/>
-          <a:ln w="28575">
+          <a:ln w="19050">
             <a:solidFill>
               <a:schemeClr val="tx1"/>
             </a:solidFill>
@@ -13604,7 +13810,7 @@
             <a:avLst/>
           </a:prstGeom>
           <a:noFill/>
-          <a:ln w="28575">
+          <a:ln w="19050">
             <a:solidFill>
               <a:schemeClr val="tx1"/>
             </a:solidFill>
@@ -13828,7 +14034,7 @@
           <a:prstGeom prst="roundRect">
             <a:avLst/>
           </a:prstGeom>
-          <a:ln w="28575"/>
+          <a:ln w="19050"/>
         </p:spPr>
         <p:style>
           <a:lnRef idx="2">
@@ -13881,6 +14087,7 @@
           <a:solidFill>
             <a:srgbClr val="4472C4"/>
           </a:solidFill>
+          <a:ln w="19050"/>
         </p:spPr>
         <p:style>
           <a:lnRef idx="2">
@@ -13935,6 +14142,7 @@
           <a:solidFill>
             <a:srgbClr val="71AD47"/>
           </a:solidFill>
+          <a:ln w="19050"/>
         </p:spPr>
         <p:style>
           <a:lnRef idx="2">
@@ -13989,6 +14197,7 @@
           <a:solidFill>
             <a:srgbClr val="ED7D31"/>
           </a:solidFill>
+          <a:ln w="19050"/>
         </p:spPr>
         <p:style>
           <a:lnRef idx="2">
@@ -14352,7 +14561,11 @@
             <a:avLst/>
           </a:prstGeom>
           <a:noFill/>
-          <a:ln w="28575"/>
+          <a:ln w="19050">
+            <a:solidFill>
+              <a:schemeClr val="tx1"/>
+            </a:solidFill>
+          </a:ln>
         </p:spPr>
         <p:style>
           <a:lnRef idx="2">
@@ -14592,7 +14805,7 @@
             <a:avLst/>
           </a:prstGeom>
           <a:noFill/>
-          <a:ln w="28575"/>
+          <a:ln w="19050"/>
         </p:spPr>
         <p:style>
           <a:lnRef idx="2">
@@ -14647,7 +14860,7 @@
           <a:solidFill>
             <a:srgbClr val="4472C4"/>
           </a:solidFill>
-          <a:ln w="28575"/>
+          <a:ln w="19050"/>
         </p:spPr>
         <p:style>
           <a:lnRef idx="2">
@@ -14702,7 +14915,7 @@
           <a:solidFill>
             <a:srgbClr val="71AD47"/>
           </a:solidFill>
-          <a:ln w="28575"/>
+          <a:ln w="19050"/>
         </p:spPr>
         <p:style>
           <a:lnRef idx="2">
@@ -14755,7 +14968,7 @@
             <a:avLst/>
           </a:prstGeom>
           <a:noFill/>
-          <a:ln w="28575"/>
+          <a:ln w="19050"/>
         </p:spPr>
         <p:style>
           <a:lnRef idx="2">
@@ -14810,7 +15023,7 @@
           <a:solidFill>
             <a:srgbClr val="ED7D31"/>
           </a:solidFill>
-          <a:ln w="28575"/>
+          <a:ln w="19050"/>
         </p:spPr>
         <p:style>
           <a:lnRef idx="2">
@@ -14909,7 +15122,7 @@
             <a:avLst/>
           </a:prstGeom>
           <a:noFill/>
-          <a:ln w="28575">
+          <a:ln w="19050">
             <a:solidFill>
               <a:schemeClr val="tx1"/>
             </a:solidFill>
@@ -15118,7 +15331,7 @@
             <a:avLst/>
           </a:prstGeom>
           <a:noFill/>
-          <a:ln w="28575">
+          <a:ln w="19050">
             <a:solidFill>
               <a:schemeClr val="tx1"/>
             </a:solidFill>
@@ -15235,7 +15448,7 @@
             <a:avLst/>
           </a:prstGeom>
           <a:noFill/>
-          <a:ln w="28575">
+          <a:ln w="19050">
             <a:solidFill>
               <a:schemeClr val="tx1"/>
             </a:solidFill>
@@ -15459,7 +15672,7 @@
           <a:prstGeom prst="roundRect">
             <a:avLst/>
           </a:prstGeom>
-          <a:ln w="28575"/>
+          <a:ln w="19050"/>
         </p:spPr>
         <p:style>
           <a:lnRef idx="2">
@@ -15512,6 +15725,7 @@
           <a:solidFill>
             <a:srgbClr val="4472C4"/>
           </a:solidFill>
+          <a:ln w="19050"/>
         </p:spPr>
         <p:style>
           <a:lnRef idx="2">
@@ -15566,6 +15780,7 @@
           <a:solidFill>
             <a:srgbClr val="71AD47"/>
           </a:solidFill>
+          <a:ln w="19050"/>
         </p:spPr>
         <p:style>
           <a:lnRef idx="2">
@@ -15620,6 +15835,7 @@
           <a:solidFill>
             <a:srgbClr val="ED7D31"/>
           </a:solidFill>
+          <a:ln w="19050"/>
         </p:spPr>
         <p:style>
           <a:lnRef idx="2">
@@ -15983,7 +16199,7 @@
             <a:avLst/>
           </a:prstGeom>
           <a:noFill/>
-          <a:ln w="28575"/>
+          <a:ln w="19050"/>
         </p:spPr>
         <p:style>
           <a:lnRef idx="2">
@@ -16131,7 +16347,7 @@
             <a:avLst/>
           </a:prstGeom>
           <a:noFill/>
-          <a:ln w="28575">
+          <a:ln w="19050">
             <a:solidFill>
               <a:schemeClr val="tx1"/>
             </a:solidFill>
@@ -16340,7 +16556,7 @@
             <a:avLst/>
           </a:prstGeom>
           <a:noFill/>
-          <a:ln w="28575">
+          <a:ln w="19050">
             <a:solidFill>
               <a:schemeClr val="tx1"/>
             </a:solidFill>
@@ -16409,7 +16625,7 @@
             <a:avLst/>
           </a:prstGeom>
           <a:noFill/>
-          <a:ln w="28575">
+          <a:ln w="19050">
             <a:solidFill>
               <a:schemeClr val="tx1"/>
             </a:solidFill>
@@ -16574,7 +16790,7 @@
           <a:solidFill>
             <a:srgbClr val="4472C4"/>
           </a:solidFill>
-          <a:ln w="28575"/>
+          <a:ln w="19050"/>
         </p:spPr>
         <p:style>
           <a:lnRef idx="2">
@@ -16673,7 +16889,7 @@
             <a:avLst/>
           </a:prstGeom>
           <a:noFill/>
-          <a:ln w="28575"/>
+          <a:ln w="19050"/>
         </p:spPr>
         <p:style>
           <a:lnRef idx="2">
@@ -16726,7 +16942,7 @@
             <a:avLst/>
           </a:prstGeom>
           <a:noFill/>
-          <a:ln w="28575"/>
+          <a:ln w="19050"/>
         </p:spPr>
         <p:style>
           <a:lnRef idx="2">
@@ -16883,7 +17099,7 @@
             <a:avLst/>
           </a:prstGeom>
           <a:noFill/>
-          <a:ln w="28575">
+          <a:ln w="19050">
             <a:solidFill>
               <a:schemeClr val="tx1"/>
             </a:solidFill>
@@ -16952,7 +17168,7 @@
             <a:avLst/>
           </a:prstGeom>
           <a:noFill/>
-          <a:ln w="28575">
+          <a:ln w="19050">
             <a:solidFill>
               <a:schemeClr val="tx1"/>
             </a:solidFill>
@@ -17051,7 +17267,7 @@
             <a:avLst/>
           </a:prstGeom>
           <a:noFill/>
-          <a:ln w="28575">
+          <a:ln w="19050">
             <a:solidFill>
               <a:schemeClr val="tx1"/>
             </a:solidFill>
@@ -17122,7 +17338,7 @@
             <a:avLst/>
           </a:prstGeom>
           <a:noFill/>
-          <a:ln w="28575"/>
+          <a:ln w="19050"/>
         </p:spPr>
         <p:style>
           <a:lnRef idx="2">
@@ -17175,7 +17391,7 @@
             <a:avLst/>
           </a:prstGeom>
           <a:noFill/>
-          <a:ln w="28575"/>
+          <a:ln w="19050"/>
         </p:spPr>
         <p:style>
           <a:lnRef idx="2">
@@ -17228,7 +17444,7 @@
             <a:avLst/>
           </a:prstGeom>
           <a:noFill/>
-          <a:ln w="28575"/>
+          <a:ln w="19050"/>
         </p:spPr>
         <p:style>
           <a:lnRef idx="2">
@@ -17371,7 +17587,7 @@
             <a:avLst/>
           </a:prstGeom>
           <a:noFill/>
-          <a:ln w="28575">
+          <a:ln w="19050">
             <a:solidFill>
               <a:schemeClr val="tx1"/>
             </a:solidFill>
@@ -17488,7 +17704,7 @@
             <a:avLst/>
           </a:prstGeom>
           <a:noFill/>
-          <a:ln w="28575"/>
+          <a:ln w="19050"/>
         </p:spPr>
         <p:style>
           <a:lnRef idx="2">
@@ -17596,10 +17812,210 @@
       </p:pic>
       <p:sp>
         <p:nvSpPr>
-          <p:cNvPr id="10" name="원통[C] 9">
-            <a:extLst>
-              <a:ext uri="{FF2B5EF4-FFF2-40B4-BE49-F238E27FC236}">
-                <a16:creationId xmlns:a16="http://schemas.microsoft.com/office/drawing/2014/main" id="{DF105455-44DC-F326-AA42-5B5D0AD87F5E}"/>
+          <p:cNvPr id="11" name="오른쪽 화살표[R] 10">
+            <a:extLst>
+              <a:ext uri="{FF2B5EF4-FFF2-40B4-BE49-F238E27FC236}">
+                <a16:creationId xmlns:a16="http://schemas.microsoft.com/office/drawing/2014/main" id="{7465B7BE-FE54-F25D-94F8-4BF10359EA9C}"/>
+              </a:ext>
+            </a:extLst>
+          </p:cNvPr>
+          <p:cNvSpPr/>
+          <p:nvPr/>
+        </p:nvSpPr>
+        <p:spPr>
+          <a:xfrm>
+            <a:off x="1518117" y="814258"/>
+            <a:ext cx="301558" cy="312821"/>
+          </a:xfrm>
+          <a:prstGeom prst="rightArrow">
+            <a:avLst/>
+          </a:prstGeom>
+          <a:solidFill>
+            <a:schemeClr val="tx1"/>
+          </a:solidFill>
+          <a:ln>
+            <a:solidFill>
+              <a:schemeClr val="tx1"/>
+            </a:solidFill>
+          </a:ln>
+        </p:spPr>
+        <p:style>
+          <a:lnRef idx="2">
+            <a:schemeClr val="accent1">
+              <a:shade val="15000"/>
+            </a:schemeClr>
+          </a:lnRef>
+          <a:fillRef idx="1">
+            <a:schemeClr val="accent1"/>
+          </a:fillRef>
+          <a:effectRef idx="0">
+            <a:schemeClr val="accent1"/>
+          </a:effectRef>
+          <a:fontRef idx="minor">
+            <a:schemeClr val="lt1"/>
+          </a:fontRef>
+        </p:style>
+        <p:txBody>
+          <a:bodyPr rtlCol="0" anchor="ctr"/>
+          <a:lstStyle/>
+          <a:p>
+            <a:pPr algn="ctr"/>
+            <a:endParaRPr kumimoji="1" lang="ko-Kore-KR" altLang="en-US"/>
+          </a:p>
+        </p:txBody>
+      </p:sp>
+      <p:sp>
+        <p:nvSpPr>
+          <p:cNvPr id="13" name="오른쪽 화살표[R] 12">
+            <a:extLst>
+              <a:ext uri="{FF2B5EF4-FFF2-40B4-BE49-F238E27FC236}">
+                <a16:creationId xmlns:a16="http://schemas.microsoft.com/office/drawing/2014/main" id="{4BE33C3D-A103-F2B4-78D1-FCEE6BBB5F73}"/>
+              </a:ext>
+            </a:extLst>
+          </p:cNvPr>
+          <p:cNvSpPr/>
+          <p:nvPr/>
+        </p:nvSpPr>
+        <p:spPr>
+          <a:xfrm rot="5400000">
+            <a:off x="814279" y="1501959"/>
+            <a:ext cx="301558" cy="312821"/>
+          </a:xfrm>
+          <a:prstGeom prst="rightArrow">
+            <a:avLst/>
+          </a:prstGeom>
+          <a:solidFill>
+            <a:schemeClr val="tx1"/>
+          </a:solidFill>
+          <a:ln>
+            <a:solidFill>
+              <a:schemeClr val="tx1"/>
+            </a:solidFill>
+          </a:ln>
+        </p:spPr>
+        <p:style>
+          <a:lnRef idx="2">
+            <a:schemeClr val="accent1">
+              <a:shade val="15000"/>
+            </a:schemeClr>
+          </a:lnRef>
+          <a:fillRef idx="1">
+            <a:schemeClr val="accent1"/>
+          </a:fillRef>
+          <a:effectRef idx="0">
+            <a:schemeClr val="accent1"/>
+          </a:effectRef>
+          <a:fontRef idx="minor">
+            <a:schemeClr val="lt1"/>
+          </a:fontRef>
+        </p:style>
+        <p:txBody>
+          <a:bodyPr rtlCol="0" anchor="ctr"/>
+          <a:lstStyle/>
+          <a:p>
+            <a:pPr algn="ctr"/>
+            <a:endParaRPr kumimoji="1" lang="ko-Kore-KR" altLang="en-US"/>
+          </a:p>
+        </p:txBody>
+      </p:sp>
+      <p:cxnSp>
+        <p:nvCxnSpPr>
+          <p:cNvPr id="2" name="직선 화살표 연결선 1">
+            <a:extLst>
+              <a:ext uri="{FF2B5EF4-FFF2-40B4-BE49-F238E27FC236}">
+                <a16:creationId xmlns:a16="http://schemas.microsoft.com/office/drawing/2014/main" id="{8C4EC53A-93B7-7F22-9706-027CA183D233}"/>
+              </a:ext>
+            </a:extLst>
+          </p:cNvPr>
+          <p:cNvCxnSpPr>
+            <a:cxnSpLocks/>
+            <a:stCxn id="65" idx="2"/>
+            <a:endCxn id="66" idx="0"/>
+          </p:cNvCxnSpPr>
+          <p:nvPr/>
+        </p:nvCxnSpPr>
+        <p:spPr>
+          <a:xfrm>
+            <a:off x="711053" y="2519865"/>
+            <a:ext cx="0" cy="213693"/>
+          </a:xfrm>
+          <a:prstGeom prst="straightConnector1">
+            <a:avLst/>
+          </a:prstGeom>
+          <a:ln w="28575">
+            <a:solidFill>
+              <a:schemeClr val="tx1"/>
+            </a:solidFill>
+            <a:tailEnd type="triangle"/>
+          </a:ln>
+        </p:spPr>
+        <p:style>
+          <a:lnRef idx="1">
+            <a:schemeClr val="accent1"/>
+          </a:lnRef>
+          <a:fillRef idx="0">
+            <a:schemeClr val="accent1"/>
+          </a:fillRef>
+          <a:effectRef idx="0">
+            <a:schemeClr val="accent1"/>
+          </a:effectRef>
+          <a:fontRef idx="minor">
+            <a:schemeClr val="tx1"/>
+          </a:fontRef>
+        </p:style>
+      </p:cxnSp>
+      <p:cxnSp>
+        <p:nvCxnSpPr>
+          <p:cNvPr id="5" name="직선 화살표 연결선 4">
+            <a:extLst>
+              <a:ext uri="{FF2B5EF4-FFF2-40B4-BE49-F238E27FC236}">
+                <a16:creationId xmlns:a16="http://schemas.microsoft.com/office/drawing/2014/main" id="{C167EE04-3477-EA3C-2767-FE8992B20857}"/>
+              </a:ext>
+            </a:extLst>
+          </p:cNvPr>
+          <p:cNvCxnSpPr>
+            <a:cxnSpLocks/>
+            <a:stCxn id="66" idx="2"/>
+            <a:endCxn id="117" idx="0"/>
+          </p:cNvCxnSpPr>
+          <p:nvPr/>
+        </p:nvCxnSpPr>
+        <p:spPr>
+          <a:xfrm>
+            <a:off x="711053" y="3273558"/>
+            <a:ext cx="0" cy="213693"/>
+          </a:xfrm>
+          <a:prstGeom prst="straightConnector1">
+            <a:avLst/>
+          </a:prstGeom>
+          <a:ln w="28575">
+            <a:solidFill>
+              <a:schemeClr val="tx1"/>
+            </a:solidFill>
+            <a:tailEnd type="triangle"/>
+          </a:ln>
+        </p:spPr>
+        <p:style>
+          <a:lnRef idx="1">
+            <a:schemeClr val="accent1"/>
+          </a:lnRef>
+          <a:fillRef idx="0">
+            <a:schemeClr val="accent1"/>
+          </a:fillRef>
+          <a:effectRef idx="0">
+            <a:schemeClr val="accent1"/>
+          </a:effectRef>
+          <a:fontRef idx="minor">
+            <a:schemeClr val="tx1"/>
+          </a:fontRef>
+        </p:style>
+      </p:cxnSp>
+      <p:sp>
+        <p:nvSpPr>
+          <p:cNvPr id="8" name="원통[C] 7">
+            <a:extLst>
+              <a:ext uri="{FF2B5EF4-FFF2-40B4-BE49-F238E27FC236}">
+                <a16:creationId xmlns:a16="http://schemas.microsoft.com/office/drawing/2014/main" id="{E1238D8B-15D3-0308-711F-7EF348E06798}"/>
               </a:ext>
             </a:extLst>
           </p:cNvPr>
@@ -17615,7 +18031,11 @@
             <a:avLst/>
           </a:prstGeom>
           <a:noFill/>
-          <a:ln w="28575"/>
+          <a:ln w="19050">
+            <a:solidFill>
+              <a:schemeClr val="tx1"/>
+            </a:solidFill>
+          </a:ln>
         </p:spPr>
         <p:style>
           <a:lnRef idx="2">
@@ -17655,114 +18075,6 @@
               <a:latin typeface="Calibri" panose="020F0502020204030204" pitchFamily="34" charset="0"/>
               <a:cs typeface="Calibri" panose="020F0502020204030204" pitchFamily="34" charset="0"/>
             </a:endParaRPr>
-          </a:p>
-        </p:txBody>
-      </p:sp>
-      <p:sp>
-        <p:nvSpPr>
-          <p:cNvPr id="11" name="오른쪽 화살표[R] 10">
-            <a:extLst>
-              <a:ext uri="{FF2B5EF4-FFF2-40B4-BE49-F238E27FC236}">
-                <a16:creationId xmlns:a16="http://schemas.microsoft.com/office/drawing/2014/main" id="{7465B7BE-FE54-F25D-94F8-4BF10359EA9C}"/>
-              </a:ext>
-            </a:extLst>
-          </p:cNvPr>
-          <p:cNvSpPr/>
-          <p:nvPr/>
-        </p:nvSpPr>
-        <p:spPr>
-          <a:xfrm>
-            <a:off x="1518117" y="814258"/>
-            <a:ext cx="301558" cy="312821"/>
-          </a:xfrm>
-          <a:prstGeom prst="rightArrow">
-            <a:avLst/>
-          </a:prstGeom>
-          <a:solidFill>
-            <a:schemeClr val="tx1"/>
-          </a:solidFill>
-          <a:ln>
-            <a:solidFill>
-              <a:schemeClr val="tx1"/>
-            </a:solidFill>
-          </a:ln>
-        </p:spPr>
-        <p:style>
-          <a:lnRef idx="2">
-            <a:schemeClr val="accent1">
-              <a:shade val="15000"/>
-            </a:schemeClr>
-          </a:lnRef>
-          <a:fillRef idx="1">
-            <a:schemeClr val="accent1"/>
-          </a:fillRef>
-          <a:effectRef idx="0">
-            <a:schemeClr val="accent1"/>
-          </a:effectRef>
-          <a:fontRef idx="minor">
-            <a:schemeClr val="lt1"/>
-          </a:fontRef>
-        </p:style>
-        <p:txBody>
-          <a:bodyPr rtlCol="0" anchor="ctr"/>
-          <a:lstStyle/>
-          <a:p>
-            <a:pPr algn="ctr"/>
-            <a:endParaRPr kumimoji="1" lang="ko-Kore-KR" altLang="en-US"/>
-          </a:p>
-        </p:txBody>
-      </p:sp>
-      <p:sp>
-        <p:nvSpPr>
-          <p:cNvPr id="13" name="오른쪽 화살표[R] 12">
-            <a:extLst>
-              <a:ext uri="{FF2B5EF4-FFF2-40B4-BE49-F238E27FC236}">
-                <a16:creationId xmlns:a16="http://schemas.microsoft.com/office/drawing/2014/main" id="{4BE33C3D-A103-F2B4-78D1-FCEE6BBB5F73}"/>
-              </a:ext>
-            </a:extLst>
-          </p:cNvPr>
-          <p:cNvSpPr/>
-          <p:nvPr/>
-        </p:nvSpPr>
-        <p:spPr>
-          <a:xfrm rot="5400000">
-            <a:off x="814279" y="1501959"/>
-            <a:ext cx="301558" cy="312821"/>
-          </a:xfrm>
-          <a:prstGeom prst="rightArrow">
-            <a:avLst/>
-          </a:prstGeom>
-          <a:solidFill>
-            <a:schemeClr val="tx1"/>
-          </a:solidFill>
-          <a:ln>
-            <a:solidFill>
-              <a:schemeClr val="tx1"/>
-            </a:solidFill>
-          </a:ln>
-        </p:spPr>
-        <p:style>
-          <a:lnRef idx="2">
-            <a:schemeClr val="accent1">
-              <a:shade val="15000"/>
-            </a:schemeClr>
-          </a:lnRef>
-          <a:fillRef idx="1">
-            <a:schemeClr val="accent1"/>
-          </a:fillRef>
-          <a:effectRef idx="0">
-            <a:schemeClr val="accent1"/>
-          </a:effectRef>
-          <a:fontRef idx="minor">
-            <a:schemeClr val="lt1"/>
-          </a:fontRef>
-        </p:style>
-        <p:txBody>
-          <a:bodyPr rtlCol="0" anchor="ctr"/>
-          <a:lstStyle/>
-          <a:p>
-            <a:pPr algn="ctr"/>
-            <a:endParaRPr kumimoji="1" lang="ko-Kore-KR" altLang="en-US"/>
           </a:p>
         </p:txBody>
       </p:sp>
@@ -17817,7 +18129,7 @@
             <a:avLst/>
           </a:prstGeom>
           <a:noFill/>
-          <a:ln w="28575">
+          <a:ln w="19050">
             <a:solidFill>
               <a:schemeClr val="tx1"/>
             </a:solidFill>
@@ -18026,7 +18338,7 @@
             <a:avLst/>
           </a:prstGeom>
           <a:noFill/>
-          <a:ln w="28575">
+          <a:ln w="19050">
             <a:solidFill>
               <a:schemeClr val="tx1"/>
             </a:solidFill>
@@ -18095,7 +18407,7 @@
             <a:avLst/>
           </a:prstGeom>
           <a:noFill/>
-          <a:ln w="28575">
+          <a:ln w="19050">
             <a:solidFill>
               <a:schemeClr val="tx1"/>
             </a:solidFill>
@@ -18260,7 +18572,7 @@
           <a:solidFill>
             <a:srgbClr val="4472C4"/>
           </a:solidFill>
-          <a:ln w="28575"/>
+          <a:ln w="19050"/>
         </p:spPr>
         <p:style>
           <a:lnRef idx="2">
@@ -18359,7 +18671,7 @@
             <a:avLst/>
           </a:prstGeom>
           <a:noFill/>
-          <a:ln w="28575"/>
+          <a:ln w="19050"/>
         </p:spPr>
         <p:style>
           <a:lnRef idx="2">
@@ -18412,7 +18724,7 @@
             <a:avLst/>
           </a:prstGeom>
           <a:noFill/>
-          <a:ln w="28575"/>
+          <a:ln w="19050"/>
         </p:spPr>
         <p:style>
           <a:lnRef idx="2">
@@ -18548,144 +18860,6 @@
           </a:prstGeom>
         </p:spPr>
       </p:pic>
-      <p:sp>
-        <p:nvSpPr>
-          <p:cNvPr id="65" name="모서리가 둥근 직사각형 64">
-            <a:extLst>
-              <a:ext uri="{FF2B5EF4-FFF2-40B4-BE49-F238E27FC236}">
-                <a16:creationId xmlns:a16="http://schemas.microsoft.com/office/drawing/2014/main" id="{7D353C56-AEC8-4FB3-8D3F-EEB0E00C6DE7}"/>
-              </a:ext>
-            </a:extLst>
-          </p:cNvPr>
-          <p:cNvSpPr/>
-          <p:nvPr/>
-        </p:nvSpPr>
-        <p:spPr>
-          <a:xfrm>
-            <a:off x="80386" y="1979865"/>
-            <a:ext cx="1261334" cy="540000"/>
-          </a:xfrm>
-          <a:prstGeom prst="roundRect">
-            <a:avLst/>
-          </a:prstGeom>
-          <a:noFill/>
-          <a:ln w="28575">
-            <a:solidFill>
-              <a:schemeClr val="tx1"/>
-            </a:solidFill>
-          </a:ln>
-        </p:spPr>
-        <p:style>
-          <a:lnRef idx="2">
-            <a:schemeClr val="accent1">
-              <a:shade val="15000"/>
-            </a:schemeClr>
-          </a:lnRef>
-          <a:fillRef idx="1">
-            <a:schemeClr val="accent1"/>
-          </a:fillRef>
-          <a:effectRef idx="0">
-            <a:schemeClr val="accent1"/>
-          </a:effectRef>
-          <a:fontRef idx="minor">
-            <a:schemeClr val="lt1"/>
-          </a:fontRef>
-        </p:style>
-        <p:txBody>
-          <a:bodyPr rtlCol="0" anchor="ctr"/>
-          <a:lstStyle/>
-          <a:p>
-            <a:pPr algn="ctr"/>
-            <a:r>
-              <a:rPr kumimoji="1" lang="en-US" altLang="ko-Kore-KR" sz="1600" dirty="0">
-                <a:solidFill>
-                  <a:schemeClr val="tx1"/>
-                </a:solidFill>
-                <a:latin typeface="Calibri" panose="020F0502020204030204" pitchFamily="34" charset="0"/>
-                <a:ea typeface="Helvetica Neue" panose="02000503000000020004" pitchFamily="2" charset="0"/>
-                <a:cs typeface="Calibri" panose="020F0502020204030204" pitchFamily="34" charset="0"/>
-              </a:rPr>
-              <a:t>Collect Stone</a:t>
-            </a:r>
-            <a:endParaRPr kumimoji="1" lang="ko-Kore-KR" altLang="en-US" sz="1600" dirty="0">
-              <a:solidFill>
-                <a:schemeClr val="tx1"/>
-              </a:solidFill>
-              <a:latin typeface="Calibri" panose="020F0502020204030204" pitchFamily="34" charset="0"/>
-              <a:cs typeface="Calibri" panose="020F0502020204030204" pitchFamily="34" charset="0"/>
-            </a:endParaRPr>
-          </a:p>
-        </p:txBody>
-      </p:sp>
-      <p:sp>
-        <p:nvSpPr>
-          <p:cNvPr id="66" name="모서리가 둥근 직사각형 65">
-            <a:extLst>
-              <a:ext uri="{FF2B5EF4-FFF2-40B4-BE49-F238E27FC236}">
-                <a16:creationId xmlns:a16="http://schemas.microsoft.com/office/drawing/2014/main" id="{4718F0BE-7076-7CA8-CFB7-59E0131E6D6D}"/>
-              </a:ext>
-            </a:extLst>
-          </p:cNvPr>
-          <p:cNvSpPr/>
-          <p:nvPr/>
-        </p:nvSpPr>
-        <p:spPr>
-          <a:xfrm>
-            <a:off x="80386" y="2733558"/>
-            <a:ext cx="1261334" cy="540000"/>
-          </a:xfrm>
-          <a:prstGeom prst="roundRect">
-            <a:avLst/>
-          </a:prstGeom>
-          <a:noFill/>
-          <a:ln w="28575">
-            <a:solidFill>
-              <a:schemeClr val="tx1"/>
-            </a:solidFill>
-          </a:ln>
-        </p:spPr>
-        <p:style>
-          <a:lnRef idx="2">
-            <a:schemeClr val="accent1">
-              <a:shade val="15000"/>
-            </a:schemeClr>
-          </a:lnRef>
-          <a:fillRef idx="1">
-            <a:schemeClr val="accent1"/>
-          </a:fillRef>
-          <a:effectRef idx="0">
-            <a:schemeClr val="accent1"/>
-          </a:effectRef>
-          <a:fontRef idx="minor">
-            <a:schemeClr val="lt1"/>
-          </a:fontRef>
-        </p:style>
-        <p:txBody>
-          <a:bodyPr rtlCol="0" anchor="ctr"/>
-          <a:lstStyle/>
-          <a:p>
-            <a:pPr algn="ctr"/>
-            <a:r>
-              <a:rPr kumimoji="1" lang="en-US" altLang="ko-Kore-KR" sz="1600" dirty="0">
-                <a:solidFill>
-                  <a:schemeClr val="tx1"/>
-                </a:solidFill>
-                <a:latin typeface="Calibri" panose="020F0502020204030204" pitchFamily="34" charset="0"/>
-                <a:ea typeface="Helvetica Neue" panose="02000503000000020004" pitchFamily="2" charset="0"/>
-                <a:cs typeface="Calibri" panose="020F0502020204030204" pitchFamily="34" charset="0"/>
-              </a:rPr>
-              <a:t>Make Stone Pickaxe</a:t>
-            </a:r>
-            <a:endParaRPr kumimoji="1" lang="ko-Kore-KR" altLang="en-US" sz="1600" dirty="0">
-              <a:solidFill>
-                <a:schemeClr val="tx1"/>
-              </a:solidFill>
-              <a:latin typeface="Calibri" panose="020F0502020204030204" pitchFamily="34" charset="0"/>
-              <a:cs typeface="Calibri" panose="020F0502020204030204" pitchFamily="34" charset="0"/>
-            </a:endParaRPr>
-          </a:p>
-        </p:txBody>
-      </p:sp>
       <p:pic>
         <p:nvPicPr>
           <p:cNvPr id="104" name="그림 103" descr="스크린샷, 만화 영화, 그린, 픽셀이(가) 표시된 사진&#10;&#10;자동 생성된 설명">
@@ -18718,75 +18892,6 @@
       </p:pic>
       <p:sp>
         <p:nvSpPr>
-          <p:cNvPr id="117" name="모서리가 둥근 직사각형 116">
-            <a:extLst>
-              <a:ext uri="{FF2B5EF4-FFF2-40B4-BE49-F238E27FC236}">
-                <a16:creationId xmlns:a16="http://schemas.microsoft.com/office/drawing/2014/main" id="{FC9C7935-D0F1-B6E8-F53E-4C7F2F9CC6F1}"/>
-              </a:ext>
-            </a:extLst>
-          </p:cNvPr>
-          <p:cNvSpPr/>
-          <p:nvPr/>
-        </p:nvSpPr>
-        <p:spPr>
-          <a:xfrm>
-            <a:off x="80386" y="3487251"/>
-            <a:ext cx="1261334" cy="540000"/>
-          </a:xfrm>
-          <a:prstGeom prst="roundRect">
-            <a:avLst/>
-          </a:prstGeom>
-          <a:noFill/>
-          <a:ln w="28575">
-            <a:solidFill>
-              <a:schemeClr val="tx1"/>
-            </a:solidFill>
-          </a:ln>
-        </p:spPr>
-        <p:style>
-          <a:lnRef idx="2">
-            <a:schemeClr val="accent1">
-              <a:shade val="15000"/>
-            </a:schemeClr>
-          </a:lnRef>
-          <a:fillRef idx="1">
-            <a:schemeClr val="accent1"/>
-          </a:fillRef>
-          <a:effectRef idx="0">
-            <a:schemeClr val="accent1"/>
-          </a:effectRef>
-          <a:fontRef idx="minor">
-            <a:schemeClr val="lt1"/>
-          </a:fontRef>
-        </p:style>
-        <p:txBody>
-          <a:bodyPr rtlCol="0" anchor="ctr"/>
-          <a:lstStyle/>
-          <a:p>
-            <a:pPr algn="ctr"/>
-            <a:r>
-              <a:rPr kumimoji="1" lang="en-US" altLang="ko-Kore-KR" sz="1600" dirty="0">
-                <a:solidFill>
-                  <a:schemeClr val="tx1"/>
-                </a:solidFill>
-                <a:latin typeface="Calibri" panose="020F0502020204030204" pitchFamily="34" charset="0"/>
-                <a:ea typeface="Helvetica Neue" panose="02000503000000020004" pitchFamily="2" charset="0"/>
-                <a:cs typeface="Calibri" panose="020F0502020204030204" pitchFamily="34" charset="0"/>
-              </a:rPr>
-              <a:t>Collect Coal</a:t>
-            </a:r>
-            <a:endParaRPr kumimoji="1" lang="ko-Kore-KR" altLang="en-US" sz="1600" dirty="0">
-              <a:solidFill>
-                <a:schemeClr val="tx1"/>
-              </a:solidFill>
-              <a:latin typeface="Calibri" panose="020F0502020204030204" pitchFamily="34" charset="0"/>
-              <a:cs typeface="Calibri" panose="020F0502020204030204" pitchFamily="34" charset="0"/>
-            </a:endParaRPr>
-          </a:p>
-        </p:txBody>
-      </p:sp>
-      <p:sp>
-        <p:nvSpPr>
           <p:cNvPr id="124" name="타원 123">
             <a:extLst>
               <a:ext uri="{FF2B5EF4-FFF2-40B4-BE49-F238E27FC236}">
@@ -18808,7 +18913,7 @@
             <a:avLst/>
           </a:prstGeom>
           <a:noFill/>
-          <a:ln w="28575"/>
+          <a:ln w="19050"/>
         </p:spPr>
         <p:style>
           <a:lnRef idx="2">
@@ -18861,7 +18966,7 @@
             <a:avLst/>
           </a:prstGeom>
           <a:noFill/>
-          <a:ln w="28575"/>
+          <a:ln w="19050"/>
         </p:spPr>
         <p:style>
           <a:lnRef idx="2">
@@ -18914,7 +19019,7 @@
             <a:avLst/>
           </a:prstGeom>
           <a:noFill/>
-          <a:ln w="28575"/>
+          <a:ln w="19050"/>
         </p:spPr>
         <p:style>
           <a:lnRef idx="2">
@@ -19057,7 +19162,7 @@
             <a:avLst/>
           </a:prstGeom>
           <a:noFill/>
-          <a:ln w="28575">
+          <a:ln w="19050">
             <a:solidFill>
               <a:schemeClr val="tx1"/>
             </a:solidFill>
@@ -19163,7 +19268,13 @@
           <p:cNvGraphicFramePr>
             <a:graphicFrameLocks noGrp="1"/>
           </p:cNvGraphicFramePr>
-          <p:nvPr/>
+          <p:nvPr>
+            <p:extLst>
+              <p:ext uri="{D42A27DB-BD31-4B8C-83A1-F6EECF244321}">
+                <p14:modId xmlns:p14="http://schemas.microsoft.com/office/powerpoint/2010/main" val="548740752"/>
+              </p:ext>
+            </p:extLst>
+          </p:nvPr>
         </p:nvGraphicFramePr>
         <p:xfrm>
           <a:off x="2461340" y="2132357"/>
@@ -19268,6 +19379,14 @@
                       <a:headEnd type="none" w="med" len="med"/>
                       <a:tailEnd type="none" w="med" len="med"/>
                     </a:lnB>
+                    <a:lnTlToBr w="12700" cmpd="sng">
+                      <a:noFill/>
+                      <a:prstDash val="solid"/>
+                    </a:lnTlToBr>
+                    <a:lnBlToTr w="12700" cmpd="sng">
+                      <a:noFill/>
+                      <a:prstDash val="solid"/>
+                    </a:lnBlToTr>
                     <a:noFill/>
                   </a:tcPr>
                 </a:tc>
@@ -19333,6 +19452,14 @@
                       <a:headEnd type="none" w="med" len="med"/>
                       <a:tailEnd type="none" w="med" len="med"/>
                     </a:lnB>
+                    <a:lnTlToBr w="12700" cmpd="sng">
+                      <a:noFill/>
+                      <a:prstDash val="solid"/>
+                    </a:lnTlToBr>
+                    <a:lnBlToTr w="12700" cmpd="sng">
+                      <a:noFill/>
+                      <a:prstDash val="solid"/>
+                    </a:lnBlToTr>
                     <a:noFill/>
                   </a:tcPr>
                 </a:tc>
@@ -19398,6 +19525,14 @@
                       <a:headEnd type="none" w="med" len="med"/>
                       <a:tailEnd type="none" w="med" len="med"/>
                     </a:lnB>
+                    <a:lnTlToBr w="12700" cmpd="sng">
+                      <a:noFill/>
+                      <a:prstDash val="solid"/>
+                    </a:lnTlToBr>
+                    <a:lnBlToTr w="12700" cmpd="sng">
+                      <a:noFill/>
+                      <a:prstDash val="solid"/>
+                    </a:lnBlToTr>
                     <a:noFill/>
                   </a:tcPr>
                 </a:tc>
@@ -19463,6 +19598,14 @@
                       <a:headEnd type="none" w="med" len="med"/>
                       <a:tailEnd type="none" w="med" len="med"/>
                     </a:lnB>
+                    <a:lnTlToBr w="12700" cmpd="sng">
+                      <a:noFill/>
+                      <a:prstDash val="solid"/>
+                    </a:lnTlToBr>
+                    <a:lnBlToTr w="12700" cmpd="sng">
+                      <a:noFill/>
+                      <a:prstDash val="solid"/>
+                    </a:lnBlToTr>
                     <a:noFill/>
                   </a:tcPr>
                 </a:tc>
@@ -19535,6 +19678,14 @@
                       <a:headEnd type="none" w="med" len="med"/>
                       <a:tailEnd type="none" w="med" len="med"/>
                     </a:lnB>
+                    <a:lnTlToBr w="12700" cmpd="sng">
+                      <a:noFill/>
+                      <a:prstDash val="solid"/>
+                    </a:lnTlToBr>
+                    <a:lnBlToTr w="12700" cmpd="sng">
+                      <a:noFill/>
+                      <a:prstDash val="solid"/>
+                    </a:lnBlToTr>
                     <a:noFill/>
                   </a:tcPr>
                 </a:tc>
@@ -19600,6 +19751,14 @@
                       <a:headEnd type="none" w="med" len="med"/>
                       <a:tailEnd type="none" w="med" len="med"/>
                     </a:lnB>
+                    <a:lnTlToBr w="12700" cmpd="sng">
+                      <a:noFill/>
+                      <a:prstDash val="solid"/>
+                    </a:lnTlToBr>
+                    <a:lnBlToTr w="12700" cmpd="sng">
+                      <a:noFill/>
+                      <a:prstDash val="solid"/>
+                    </a:lnBlToTr>
                     <a:noFill/>
                   </a:tcPr>
                 </a:tc>
@@ -19665,6 +19824,14 @@
                       <a:headEnd type="none" w="med" len="med"/>
                       <a:tailEnd type="none" w="med" len="med"/>
                     </a:lnB>
+                    <a:lnTlToBr w="12700" cmpd="sng">
+                      <a:noFill/>
+                      <a:prstDash val="solid"/>
+                    </a:lnTlToBr>
+                    <a:lnBlToTr w="12700" cmpd="sng">
+                      <a:noFill/>
+                      <a:prstDash val="solid"/>
+                    </a:lnBlToTr>
                     <a:noFill/>
                   </a:tcPr>
                 </a:tc>
@@ -19730,6 +19897,14 @@
                       <a:headEnd type="none" w="med" len="med"/>
                       <a:tailEnd type="none" w="med" len="med"/>
                     </a:lnB>
+                    <a:lnTlToBr w="12700" cmpd="sng">
+                      <a:noFill/>
+                      <a:prstDash val="solid"/>
+                    </a:lnTlToBr>
+                    <a:lnBlToTr w="12700" cmpd="sng">
+                      <a:noFill/>
+                      <a:prstDash val="solid"/>
+                    </a:lnBlToTr>
                     <a:noFill/>
                   </a:tcPr>
                 </a:tc>
@@ -19802,6 +19977,14 @@
                       <a:headEnd type="none" w="med" len="med"/>
                       <a:tailEnd type="none" w="med" len="med"/>
                     </a:lnB>
+                    <a:lnTlToBr w="12700" cmpd="sng">
+                      <a:noFill/>
+                      <a:prstDash val="solid"/>
+                    </a:lnTlToBr>
+                    <a:lnBlToTr w="12700" cmpd="sng">
+                      <a:noFill/>
+                      <a:prstDash val="solid"/>
+                    </a:lnBlToTr>
                     <a:noFill/>
                   </a:tcPr>
                 </a:tc>
@@ -19867,6 +20050,14 @@
                       <a:headEnd type="none" w="med" len="med"/>
                       <a:tailEnd type="none" w="med" len="med"/>
                     </a:lnB>
+                    <a:lnTlToBr w="12700" cmpd="sng">
+                      <a:noFill/>
+                      <a:prstDash val="solid"/>
+                    </a:lnTlToBr>
+                    <a:lnBlToTr w="12700" cmpd="sng">
+                      <a:noFill/>
+                      <a:prstDash val="solid"/>
+                    </a:lnBlToTr>
                     <a:noFill/>
                   </a:tcPr>
                 </a:tc>
@@ -19932,6 +20123,14 @@
                       <a:headEnd type="none" w="med" len="med"/>
                       <a:tailEnd type="none" w="med" len="med"/>
                     </a:lnB>
+                    <a:lnTlToBr w="12700" cmpd="sng">
+                      <a:noFill/>
+                      <a:prstDash val="solid"/>
+                    </a:lnTlToBr>
+                    <a:lnBlToTr w="12700" cmpd="sng">
+                      <a:noFill/>
+                      <a:prstDash val="solid"/>
+                    </a:lnBlToTr>
                     <a:noFill/>
                   </a:tcPr>
                 </a:tc>
@@ -19997,6 +20196,14 @@
                       <a:headEnd type="none" w="med" len="med"/>
                       <a:tailEnd type="none" w="med" len="med"/>
                     </a:lnB>
+                    <a:lnTlToBr w="12700" cmpd="sng">
+                      <a:noFill/>
+                      <a:prstDash val="solid"/>
+                    </a:lnTlToBr>
+                    <a:lnBlToTr w="12700" cmpd="sng">
+                      <a:noFill/>
+                      <a:prstDash val="solid"/>
+                    </a:lnBlToTr>
                     <a:noFill/>
                   </a:tcPr>
                 </a:tc>
@@ -20033,7 +20240,7 @@
             <a:avLst/>
           </a:prstGeom>
           <a:noFill/>
-          <a:ln w="28575"/>
+          <a:ln w="19050"/>
         </p:spPr>
         <p:style>
           <a:lnRef idx="2">
@@ -20190,10 +20397,417 @@
       </p:sp>
       <p:sp>
         <p:nvSpPr>
-          <p:cNvPr id="5" name="원통[C] 4">
-            <a:extLst>
-              <a:ext uri="{FF2B5EF4-FFF2-40B4-BE49-F238E27FC236}">
-                <a16:creationId xmlns:a16="http://schemas.microsoft.com/office/drawing/2014/main" id="{62CD6D88-689B-49A1-0D75-83722A0A600E}"/>
+          <p:cNvPr id="8" name="오른쪽 화살표[R] 7">
+            <a:extLst>
+              <a:ext uri="{FF2B5EF4-FFF2-40B4-BE49-F238E27FC236}">
+                <a16:creationId xmlns:a16="http://schemas.microsoft.com/office/drawing/2014/main" id="{E6DCE203-38E7-61AD-E391-E3E283B053C6}"/>
+              </a:ext>
+            </a:extLst>
+          </p:cNvPr>
+          <p:cNvSpPr/>
+          <p:nvPr/>
+        </p:nvSpPr>
+        <p:spPr>
+          <a:xfrm>
+            <a:off x="1518117" y="814258"/>
+            <a:ext cx="301558" cy="312821"/>
+          </a:xfrm>
+          <a:prstGeom prst="rightArrow">
+            <a:avLst/>
+          </a:prstGeom>
+          <a:solidFill>
+            <a:schemeClr val="tx1"/>
+          </a:solidFill>
+          <a:ln>
+            <a:solidFill>
+              <a:schemeClr val="tx1"/>
+            </a:solidFill>
+          </a:ln>
+        </p:spPr>
+        <p:style>
+          <a:lnRef idx="2">
+            <a:schemeClr val="accent1">
+              <a:shade val="15000"/>
+            </a:schemeClr>
+          </a:lnRef>
+          <a:fillRef idx="1">
+            <a:schemeClr val="accent1"/>
+          </a:fillRef>
+          <a:effectRef idx="0">
+            <a:schemeClr val="accent1"/>
+          </a:effectRef>
+          <a:fontRef idx="minor">
+            <a:schemeClr val="lt1"/>
+          </a:fontRef>
+        </p:style>
+        <p:txBody>
+          <a:bodyPr rtlCol="0" anchor="ctr"/>
+          <a:lstStyle/>
+          <a:p>
+            <a:pPr algn="ctr"/>
+            <a:endParaRPr kumimoji="1" lang="ko-Kore-KR" altLang="en-US"/>
+          </a:p>
+        </p:txBody>
+      </p:sp>
+      <p:sp>
+        <p:nvSpPr>
+          <p:cNvPr id="9" name="오른쪽 화살표[R] 8">
+            <a:extLst>
+              <a:ext uri="{FF2B5EF4-FFF2-40B4-BE49-F238E27FC236}">
+                <a16:creationId xmlns:a16="http://schemas.microsoft.com/office/drawing/2014/main" id="{7AF06FCA-ECD6-5D0A-597C-6DB06C59FB83}"/>
+              </a:ext>
+            </a:extLst>
+          </p:cNvPr>
+          <p:cNvSpPr/>
+          <p:nvPr/>
+        </p:nvSpPr>
+        <p:spPr>
+          <a:xfrm rot="5400000">
+            <a:off x="814279" y="1501959"/>
+            <a:ext cx="301558" cy="312821"/>
+          </a:xfrm>
+          <a:prstGeom prst="rightArrow">
+            <a:avLst/>
+          </a:prstGeom>
+          <a:solidFill>
+            <a:schemeClr val="tx1"/>
+          </a:solidFill>
+          <a:ln>
+            <a:solidFill>
+              <a:schemeClr val="tx1"/>
+            </a:solidFill>
+          </a:ln>
+        </p:spPr>
+        <p:style>
+          <a:lnRef idx="2">
+            <a:schemeClr val="accent1">
+              <a:shade val="15000"/>
+            </a:schemeClr>
+          </a:lnRef>
+          <a:fillRef idx="1">
+            <a:schemeClr val="accent1"/>
+          </a:fillRef>
+          <a:effectRef idx="0">
+            <a:schemeClr val="accent1"/>
+          </a:effectRef>
+          <a:fontRef idx="minor">
+            <a:schemeClr val="lt1"/>
+          </a:fontRef>
+        </p:style>
+        <p:txBody>
+          <a:bodyPr rtlCol="0" anchor="ctr"/>
+          <a:lstStyle/>
+          <a:p>
+            <a:pPr algn="ctr"/>
+            <a:endParaRPr kumimoji="1" lang="ko-Kore-KR" altLang="en-US"/>
+          </a:p>
+        </p:txBody>
+      </p:sp>
+      <p:sp>
+        <p:nvSpPr>
+          <p:cNvPr id="11" name="모서리가 둥근 직사각형 10">
+            <a:extLst>
+              <a:ext uri="{FF2B5EF4-FFF2-40B4-BE49-F238E27FC236}">
+                <a16:creationId xmlns:a16="http://schemas.microsoft.com/office/drawing/2014/main" id="{7FB6BFA7-07B6-9A3C-5297-7F69F23D3096}"/>
+              </a:ext>
+            </a:extLst>
+          </p:cNvPr>
+          <p:cNvSpPr/>
+          <p:nvPr/>
+        </p:nvSpPr>
+        <p:spPr>
+          <a:xfrm>
+            <a:off x="80386" y="1979865"/>
+            <a:ext cx="1261334" cy="540000"/>
+          </a:xfrm>
+          <a:prstGeom prst="roundRect">
+            <a:avLst/>
+          </a:prstGeom>
+          <a:noFill/>
+          <a:ln w="19050">
+            <a:solidFill>
+              <a:schemeClr val="tx1"/>
+            </a:solidFill>
+          </a:ln>
+        </p:spPr>
+        <p:style>
+          <a:lnRef idx="2">
+            <a:schemeClr val="accent1">
+              <a:shade val="15000"/>
+            </a:schemeClr>
+          </a:lnRef>
+          <a:fillRef idx="1">
+            <a:schemeClr val="accent1"/>
+          </a:fillRef>
+          <a:effectRef idx="0">
+            <a:schemeClr val="accent1"/>
+          </a:effectRef>
+          <a:fontRef idx="minor">
+            <a:schemeClr val="lt1"/>
+          </a:fontRef>
+        </p:style>
+        <p:txBody>
+          <a:bodyPr rtlCol="0" anchor="ctr"/>
+          <a:lstStyle/>
+          <a:p>
+            <a:pPr algn="ctr"/>
+            <a:r>
+              <a:rPr kumimoji="1" lang="en-US" altLang="ko-Kore-KR" sz="1600" dirty="0">
+                <a:solidFill>
+                  <a:schemeClr val="tx1"/>
+                </a:solidFill>
+                <a:latin typeface="Calibri" panose="020F0502020204030204" pitchFamily="34" charset="0"/>
+                <a:ea typeface="Helvetica Neue" panose="02000503000000020004" pitchFamily="2" charset="0"/>
+                <a:cs typeface="Calibri" panose="020F0502020204030204" pitchFamily="34" charset="0"/>
+              </a:rPr>
+              <a:t>Collect Stone</a:t>
+            </a:r>
+            <a:endParaRPr kumimoji="1" lang="ko-Kore-KR" altLang="en-US" sz="1600" dirty="0">
+              <a:solidFill>
+                <a:schemeClr val="tx1"/>
+              </a:solidFill>
+              <a:latin typeface="Calibri" panose="020F0502020204030204" pitchFamily="34" charset="0"/>
+              <a:cs typeface="Calibri" panose="020F0502020204030204" pitchFamily="34" charset="0"/>
+            </a:endParaRPr>
+          </a:p>
+        </p:txBody>
+      </p:sp>
+      <p:sp>
+        <p:nvSpPr>
+          <p:cNvPr id="13" name="모서리가 둥근 직사각형 12">
+            <a:extLst>
+              <a:ext uri="{FF2B5EF4-FFF2-40B4-BE49-F238E27FC236}">
+                <a16:creationId xmlns:a16="http://schemas.microsoft.com/office/drawing/2014/main" id="{4DAEE9A3-669C-A997-E09E-9A03B769D6ED}"/>
+              </a:ext>
+            </a:extLst>
+          </p:cNvPr>
+          <p:cNvSpPr/>
+          <p:nvPr/>
+        </p:nvSpPr>
+        <p:spPr>
+          <a:xfrm>
+            <a:off x="80386" y="2733558"/>
+            <a:ext cx="1261334" cy="540000"/>
+          </a:xfrm>
+          <a:prstGeom prst="roundRect">
+            <a:avLst/>
+          </a:prstGeom>
+          <a:noFill/>
+          <a:ln w="19050">
+            <a:solidFill>
+              <a:schemeClr val="tx1"/>
+            </a:solidFill>
+          </a:ln>
+        </p:spPr>
+        <p:style>
+          <a:lnRef idx="2">
+            <a:schemeClr val="accent1">
+              <a:shade val="15000"/>
+            </a:schemeClr>
+          </a:lnRef>
+          <a:fillRef idx="1">
+            <a:schemeClr val="accent1"/>
+          </a:fillRef>
+          <a:effectRef idx="0">
+            <a:schemeClr val="accent1"/>
+          </a:effectRef>
+          <a:fontRef idx="minor">
+            <a:schemeClr val="lt1"/>
+          </a:fontRef>
+        </p:style>
+        <p:txBody>
+          <a:bodyPr rtlCol="0" anchor="ctr"/>
+          <a:lstStyle/>
+          <a:p>
+            <a:pPr algn="ctr"/>
+            <a:r>
+              <a:rPr kumimoji="1" lang="en-US" altLang="ko-Kore-KR" sz="1600" dirty="0">
+                <a:solidFill>
+                  <a:schemeClr val="tx1"/>
+                </a:solidFill>
+                <a:latin typeface="Calibri" panose="020F0502020204030204" pitchFamily="34" charset="0"/>
+                <a:ea typeface="Helvetica Neue" panose="02000503000000020004" pitchFamily="2" charset="0"/>
+                <a:cs typeface="Calibri" panose="020F0502020204030204" pitchFamily="34" charset="0"/>
+              </a:rPr>
+              <a:t>Make Stone Pickaxe</a:t>
+            </a:r>
+            <a:endParaRPr kumimoji="1" lang="ko-Kore-KR" altLang="en-US" sz="1600" dirty="0">
+              <a:solidFill>
+                <a:schemeClr val="tx1"/>
+              </a:solidFill>
+              <a:latin typeface="Calibri" panose="020F0502020204030204" pitchFamily="34" charset="0"/>
+              <a:cs typeface="Calibri" panose="020F0502020204030204" pitchFamily="34" charset="0"/>
+            </a:endParaRPr>
+          </a:p>
+        </p:txBody>
+      </p:sp>
+      <p:sp>
+        <p:nvSpPr>
+          <p:cNvPr id="14" name="모서리가 둥근 직사각형 13">
+            <a:extLst>
+              <a:ext uri="{FF2B5EF4-FFF2-40B4-BE49-F238E27FC236}">
+                <a16:creationId xmlns:a16="http://schemas.microsoft.com/office/drawing/2014/main" id="{7A7E226B-9002-0434-DEF2-26E4068A6077}"/>
+              </a:ext>
+            </a:extLst>
+          </p:cNvPr>
+          <p:cNvSpPr/>
+          <p:nvPr/>
+        </p:nvSpPr>
+        <p:spPr>
+          <a:xfrm>
+            <a:off x="80386" y="3487251"/>
+            <a:ext cx="1261334" cy="540000"/>
+          </a:xfrm>
+          <a:prstGeom prst="roundRect">
+            <a:avLst/>
+          </a:prstGeom>
+          <a:noFill/>
+          <a:ln w="19050">
+            <a:solidFill>
+              <a:schemeClr val="tx1"/>
+            </a:solidFill>
+          </a:ln>
+        </p:spPr>
+        <p:style>
+          <a:lnRef idx="2">
+            <a:schemeClr val="accent1">
+              <a:shade val="15000"/>
+            </a:schemeClr>
+          </a:lnRef>
+          <a:fillRef idx="1">
+            <a:schemeClr val="accent1"/>
+          </a:fillRef>
+          <a:effectRef idx="0">
+            <a:schemeClr val="accent1"/>
+          </a:effectRef>
+          <a:fontRef idx="minor">
+            <a:schemeClr val="lt1"/>
+          </a:fontRef>
+        </p:style>
+        <p:txBody>
+          <a:bodyPr rtlCol="0" anchor="ctr"/>
+          <a:lstStyle/>
+          <a:p>
+            <a:pPr algn="ctr"/>
+            <a:r>
+              <a:rPr kumimoji="1" lang="en-US" altLang="ko-Kore-KR" sz="1600" dirty="0">
+                <a:solidFill>
+                  <a:schemeClr val="tx1"/>
+                </a:solidFill>
+                <a:latin typeface="Calibri" panose="020F0502020204030204" pitchFamily="34" charset="0"/>
+                <a:ea typeface="Helvetica Neue" panose="02000503000000020004" pitchFamily="2" charset="0"/>
+                <a:cs typeface="Calibri" panose="020F0502020204030204" pitchFamily="34" charset="0"/>
+              </a:rPr>
+              <a:t>Collect Coal</a:t>
+            </a:r>
+            <a:endParaRPr kumimoji="1" lang="ko-Kore-KR" altLang="en-US" sz="1600" dirty="0">
+              <a:solidFill>
+                <a:schemeClr val="tx1"/>
+              </a:solidFill>
+              <a:latin typeface="Calibri" panose="020F0502020204030204" pitchFamily="34" charset="0"/>
+              <a:cs typeface="Calibri" panose="020F0502020204030204" pitchFamily="34" charset="0"/>
+            </a:endParaRPr>
+          </a:p>
+        </p:txBody>
+      </p:sp>
+      <p:cxnSp>
+        <p:nvCxnSpPr>
+          <p:cNvPr id="18" name="직선 화살표 연결선 17">
+            <a:extLst>
+              <a:ext uri="{FF2B5EF4-FFF2-40B4-BE49-F238E27FC236}">
+                <a16:creationId xmlns:a16="http://schemas.microsoft.com/office/drawing/2014/main" id="{00EBE054-E754-94C1-B407-9496D316FF2B}"/>
+              </a:ext>
+            </a:extLst>
+          </p:cNvPr>
+          <p:cNvCxnSpPr>
+            <a:cxnSpLocks/>
+            <a:stCxn id="11" idx="2"/>
+            <a:endCxn id="13" idx="0"/>
+          </p:cNvCxnSpPr>
+          <p:nvPr/>
+        </p:nvCxnSpPr>
+        <p:spPr>
+          <a:xfrm>
+            <a:off x="711053" y="2519865"/>
+            <a:ext cx="0" cy="213693"/>
+          </a:xfrm>
+          <a:prstGeom prst="straightConnector1">
+            <a:avLst/>
+          </a:prstGeom>
+          <a:ln w="28575">
+            <a:solidFill>
+              <a:schemeClr val="tx1"/>
+            </a:solidFill>
+            <a:tailEnd type="triangle"/>
+          </a:ln>
+        </p:spPr>
+        <p:style>
+          <a:lnRef idx="1">
+            <a:schemeClr val="accent1"/>
+          </a:lnRef>
+          <a:fillRef idx="0">
+            <a:schemeClr val="accent1"/>
+          </a:fillRef>
+          <a:effectRef idx="0">
+            <a:schemeClr val="accent1"/>
+          </a:effectRef>
+          <a:fontRef idx="minor">
+            <a:schemeClr val="tx1"/>
+          </a:fontRef>
+        </p:style>
+      </p:cxnSp>
+      <p:cxnSp>
+        <p:nvCxnSpPr>
+          <p:cNvPr id="19" name="직선 화살표 연결선 18">
+            <a:extLst>
+              <a:ext uri="{FF2B5EF4-FFF2-40B4-BE49-F238E27FC236}">
+                <a16:creationId xmlns:a16="http://schemas.microsoft.com/office/drawing/2014/main" id="{979A6AB5-B8C2-B579-1B5A-89F9281C2824}"/>
+              </a:ext>
+            </a:extLst>
+          </p:cNvPr>
+          <p:cNvCxnSpPr>
+            <a:cxnSpLocks/>
+            <a:stCxn id="13" idx="2"/>
+            <a:endCxn id="14" idx="0"/>
+          </p:cNvCxnSpPr>
+          <p:nvPr/>
+        </p:nvCxnSpPr>
+        <p:spPr>
+          <a:xfrm>
+            <a:off x="711053" y="3273558"/>
+            <a:ext cx="0" cy="213693"/>
+          </a:xfrm>
+          <a:prstGeom prst="straightConnector1">
+            <a:avLst/>
+          </a:prstGeom>
+          <a:ln w="28575">
+            <a:solidFill>
+              <a:schemeClr val="tx1"/>
+            </a:solidFill>
+            <a:tailEnd type="triangle"/>
+          </a:ln>
+        </p:spPr>
+        <p:style>
+          <a:lnRef idx="1">
+            <a:schemeClr val="accent1"/>
+          </a:lnRef>
+          <a:fillRef idx="0">
+            <a:schemeClr val="accent1"/>
+          </a:fillRef>
+          <a:effectRef idx="0">
+            <a:schemeClr val="accent1"/>
+          </a:effectRef>
+          <a:fontRef idx="minor">
+            <a:schemeClr val="tx1"/>
+          </a:fontRef>
+        </p:style>
+      </p:cxnSp>
+      <p:sp>
+        <p:nvSpPr>
+          <p:cNvPr id="20" name="원통[C] 19">
+            <a:extLst>
+              <a:ext uri="{FF2B5EF4-FFF2-40B4-BE49-F238E27FC236}">
+                <a16:creationId xmlns:a16="http://schemas.microsoft.com/office/drawing/2014/main" id="{E09A4B43-13C5-68A1-9C34-CB093E391313}"/>
               </a:ext>
             </a:extLst>
           </p:cNvPr>
@@ -20209,7 +20823,11 @@
             <a:avLst/>
           </a:prstGeom>
           <a:noFill/>
-          <a:ln w="28575"/>
+          <a:ln w="19050">
+            <a:solidFill>
+              <a:schemeClr val="tx1"/>
+            </a:solidFill>
+          </a:ln>
         </p:spPr>
         <p:style>
           <a:lnRef idx="2">
@@ -20249,114 +20867,6 @@
               <a:latin typeface="Calibri" panose="020F0502020204030204" pitchFamily="34" charset="0"/>
               <a:cs typeface="Calibri" panose="020F0502020204030204" pitchFamily="34" charset="0"/>
             </a:endParaRPr>
-          </a:p>
-        </p:txBody>
-      </p:sp>
-      <p:sp>
-        <p:nvSpPr>
-          <p:cNvPr id="8" name="오른쪽 화살표[R] 7">
-            <a:extLst>
-              <a:ext uri="{FF2B5EF4-FFF2-40B4-BE49-F238E27FC236}">
-                <a16:creationId xmlns:a16="http://schemas.microsoft.com/office/drawing/2014/main" id="{E6DCE203-38E7-61AD-E391-E3E283B053C6}"/>
-              </a:ext>
-            </a:extLst>
-          </p:cNvPr>
-          <p:cNvSpPr/>
-          <p:nvPr/>
-        </p:nvSpPr>
-        <p:spPr>
-          <a:xfrm>
-            <a:off x="1518117" y="814258"/>
-            <a:ext cx="301558" cy="312821"/>
-          </a:xfrm>
-          <a:prstGeom prst="rightArrow">
-            <a:avLst/>
-          </a:prstGeom>
-          <a:solidFill>
-            <a:schemeClr val="tx1"/>
-          </a:solidFill>
-          <a:ln>
-            <a:solidFill>
-              <a:schemeClr val="tx1"/>
-            </a:solidFill>
-          </a:ln>
-        </p:spPr>
-        <p:style>
-          <a:lnRef idx="2">
-            <a:schemeClr val="accent1">
-              <a:shade val="15000"/>
-            </a:schemeClr>
-          </a:lnRef>
-          <a:fillRef idx="1">
-            <a:schemeClr val="accent1"/>
-          </a:fillRef>
-          <a:effectRef idx="0">
-            <a:schemeClr val="accent1"/>
-          </a:effectRef>
-          <a:fontRef idx="minor">
-            <a:schemeClr val="lt1"/>
-          </a:fontRef>
-        </p:style>
-        <p:txBody>
-          <a:bodyPr rtlCol="0" anchor="ctr"/>
-          <a:lstStyle/>
-          <a:p>
-            <a:pPr algn="ctr"/>
-            <a:endParaRPr kumimoji="1" lang="ko-Kore-KR" altLang="en-US"/>
-          </a:p>
-        </p:txBody>
-      </p:sp>
-      <p:sp>
-        <p:nvSpPr>
-          <p:cNvPr id="9" name="오른쪽 화살표[R] 8">
-            <a:extLst>
-              <a:ext uri="{FF2B5EF4-FFF2-40B4-BE49-F238E27FC236}">
-                <a16:creationId xmlns:a16="http://schemas.microsoft.com/office/drawing/2014/main" id="{7AF06FCA-ECD6-5D0A-597C-6DB06C59FB83}"/>
-              </a:ext>
-            </a:extLst>
-          </p:cNvPr>
-          <p:cNvSpPr/>
-          <p:nvPr/>
-        </p:nvSpPr>
-        <p:spPr>
-          <a:xfrm rot="5400000">
-            <a:off x="814279" y="1501959"/>
-            <a:ext cx="301558" cy="312821"/>
-          </a:xfrm>
-          <a:prstGeom prst="rightArrow">
-            <a:avLst/>
-          </a:prstGeom>
-          <a:solidFill>
-            <a:schemeClr val="tx1"/>
-          </a:solidFill>
-          <a:ln>
-            <a:solidFill>
-              <a:schemeClr val="tx1"/>
-            </a:solidFill>
-          </a:ln>
-        </p:spPr>
-        <p:style>
-          <a:lnRef idx="2">
-            <a:schemeClr val="accent1">
-              <a:shade val="15000"/>
-            </a:schemeClr>
-          </a:lnRef>
-          <a:fillRef idx="1">
-            <a:schemeClr val="accent1"/>
-          </a:fillRef>
-          <a:effectRef idx="0">
-            <a:schemeClr val="accent1"/>
-          </a:effectRef>
-          <a:fontRef idx="minor">
-            <a:schemeClr val="lt1"/>
-          </a:fontRef>
-        </p:style>
-        <p:txBody>
-          <a:bodyPr rtlCol="0" anchor="ctr"/>
-          <a:lstStyle/>
-          <a:p>
-            <a:pPr algn="ctr"/>
-            <a:endParaRPr kumimoji="1" lang="ko-Kore-KR" altLang="en-US"/>
           </a:p>
         </p:txBody>
       </p:sp>
@@ -20411,7 +20921,7 @@
             <a:avLst/>
           </a:prstGeom>
           <a:noFill/>
-          <a:ln w="28575">
+          <a:ln w="19050">
             <a:solidFill>
               <a:schemeClr val="tx1"/>
             </a:solidFill>
@@ -20570,7 +21080,7 @@
             <a:avLst/>
           </a:prstGeom>
           <a:noFill/>
-          <a:ln w="28575">
+          <a:ln w="19050">
             <a:solidFill>
               <a:schemeClr val="tx1"/>
             </a:solidFill>
@@ -20639,7 +21149,7 @@
             <a:avLst/>
           </a:prstGeom>
           <a:noFill/>
-          <a:ln w="28575">
+          <a:ln w="19050">
             <a:solidFill>
               <a:schemeClr val="tx1"/>
             </a:solidFill>
@@ -20804,7 +21314,7 @@
           <a:solidFill>
             <a:srgbClr val="4472C4"/>
           </a:solidFill>
-          <a:ln w="28575"/>
+          <a:ln w="19050"/>
         </p:spPr>
         <p:style>
           <a:lnRef idx="2">
@@ -20903,7 +21413,7 @@
             <a:avLst/>
           </a:prstGeom>
           <a:noFill/>
-          <a:ln w="28575"/>
+          <a:ln w="19050"/>
         </p:spPr>
         <p:style>
           <a:lnRef idx="2">
@@ -20956,7 +21466,7 @@
             <a:avLst/>
           </a:prstGeom>
           <a:noFill/>
-          <a:ln w="28575"/>
+          <a:ln w="19050"/>
         </p:spPr>
         <p:style>
           <a:lnRef idx="2">
@@ -21092,144 +21602,6 @@
           </a:prstGeom>
         </p:spPr>
       </p:pic>
-      <p:sp>
-        <p:nvSpPr>
-          <p:cNvPr id="65" name="모서리가 둥근 직사각형 64">
-            <a:extLst>
-              <a:ext uri="{FF2B5EF4-FFF2-40B4-BE49-F238E27FC236}">
-                <a16:creationId xmlns:a16="http://schemas.microsoft.com/office/drawing/2014/main" id="{7D353C56-AEC8-4FB3-8D3F-EEB0E00C6DE7}"/>
-              </a:ext>
-            </a:extLst>
-          </p:cNvPr>
-          <p:cNvSpPr/>
-          <p:nvPr/>
-        </p:nvSpPr>
-        <p:spPr>
-          <a:xfrm>
-            <a:off x="80386" y="1979865"/>
-            <a:ext cx="1261334" cy="540000"/>
-          </a:xfrm>
-          <a:prstGeom prst="roundRect">
-            <a:avLst/>
-          </a:prstGeom>
-          <a:noFill/>
-          <a:ln w="28575">
-            <a:solidFill>
-              <a:schemeClr val="tx1"/>
-            </a:solidFill>
-          </a:ln>
-        </p:spPr>
-        <p:style>
-          <a:lnRef idx="2">
-            <a:schemeClr val="accent1">
-              <a:shade val="15000"/>
-            </a:schemeClr>
-          </a:lnRef>
-          <a:fillRef idx="1">
-            <a:schemeClr val="accent1"/>
-          </a:fillRef>
-          <a:effectRef idx="0">
-            <a:schemeClr val="accent1"/>
-          </a:effectRef>
-          <a:fontRef idx="minor">
-            <a:schemeClr val="lt1"/>
-          </a:fontRef>
-        </p:style>
-        <p:txBody>
-          <a:bodyPr rtlCol="0" anchor="ctr"/>
-          <a:lstStyle/>
-          <a:p>
-            <a:pPr algn="ctr"/>
-            <a:r>
-              <a:rPr kumimoji="1" lang="en-US" altLang="ko-Kore-KR" sz="1600" dirty="0">
-                <a:solidFill>
-                  <a:schemeClr val="tx1"/>
-                </a:solidFill>
-                <a:latin typeface="Calibri" panose="020F0502020204030204" pitchFamily="34" charset="0"/>
-                <a:ea typeface="Helvetica Neue" panose="02000503000000020004" pitchFamily="2" charset="0"/>
-                <a:cs typeface="Calibri" panose="020F0502020204030204" pitchFamily="34" charset="0"/>
-              </a:rPr>
-              <a:t>Collect Stone</a:t>
-            </a:r>
-            <a:endParaRPr kumimoji="1" lang="ko-Kore-KR" altLang="en-US" sz="1600" dirty="0">
-              <a:solidFill>
-                <a:schemeClr val="tx1"/>
-              </a:solidFill>
-              <a:latin typeface="Calibri" panose="020F0502020204030204" pitchFamily="34" charset="0"/>
-              <a:cs typeface="Calibri" panose="020F0502020204030204" pitchFamily="34" charset="0"/>
-            </a:endParaRPr>
-          </a:p>
-        </p:txBody>
-      </p:sp>
-      <p:sp>
-        <p:nvSpPr>
-          <p:cNvPr id="66" name="모서리가 둥근 직사각형 65">
-            <a:extLst>
-              <a:ext uri="{FF2B5EF4-FFF2-40B4-BE49-F238E27FC236}">
-                <a16:creationId xmlns:a16="http://schemas.microsoft.com/office/drawing/2014/main" id="{4718F0BE-7076-7CA8-CFB7-59E0131E6D6D}"/>
-              </a:ext>
-            </a:extLst>
-          </p:cNvPr>
-          <p:cNvSpPr/>
-          <p:nvPr/>
-        </p:nvSpPr>
-        <p:spPr>
-          <a:xfrm>
-            <a:off x="80386" y="2733558"/>
-            <a:ext cx="1261334" cy="540000"/>
-          </a:xfrm>
-          <a:prstGeom prst="roundRect">
-            <a:avLst/>
-          </a:prstGeom>
-          <a:noFill/>
-          <a:ln w="28575">
-            <a:solidFill>
-              <a:schemeClr val="tx1"/>
-            </a:solidFill>
-          </a:ln>
-        </p:spPr>
-        <p:style>
-          <a:lnRef idx="2">
-            <a:schemeClr val="accent1">
-              <a:shade val="15000"/>
-            </a:schemeClr>
-          </a:lnRef>
-          <a:fillRef idx="1">
-            <a:schemeClr val="accent1"/>
-          </a:fillRef>
-          <a:effectRef idx="0">
-            <a:schemeClr val="accent1"/>
-          </a:effectRef>
-          <a:fontRef idx="minor">
-            <a:schemeClr val="lt1"/>
-          </a:fontRef>
-        </p:style>
-        <p:txBody>
-          <a:bodyPr rtlCol="0" anchor="ctr"/>
-          <a:lstStyle/>
-          <a:p>
-            <a:pPr algn="ctr"/>
-            <a:r>
-              <a:rPr kumimoji="1" lang="en-US" altLang="ko-Kore-KR" sz="1600" dirty="0">
-                <a:solidFill>
-                  <a:schemeClr val="tx1"/>
-                </a:solidFill>
-                <a:latin typeface="Calibri" panose="020F0502020204030204" pitchFamily="34" charset="0"/>
-                <a:ea typeface="Helvetica Neue" panose="02000503000000020004" pitchFamily="2" charset="0"/>
-                <a:cs typeface="Calibri" panose="020F0502020204030204" pitchFamily="34" charset="0"/>
-              </a:rPr>
-              <a:t>Make Stone Pickaxe</a:t>
-            </a:r>
-            <a:endParaRPr kumimoji="1" lang="ko-Kore-KR" altLang="en-US" sz="1600" dirty="0">
-              <a:solidFill>
-                <a:schemeClr val="tx1"/>
-              </a:solidFill>
-              <a:latin typeface="Calibri" panose="020F0502020204030204" pitchFamily="34" charset="0"/>
-              <a:cs typeface="Calibri" panose="020F0502020204030204" pitchFamily="34" charset="0"/>
-            </a:endParaRPr>
-          </a:p>
-        </p:txBody>
-      </p:sp>
       <p:pic>
         <p:nvPicPr>
           <p:cNvPr id="104" name="그림 103" descr="스크린샷, 만화 영화, 그린, 픽셀이(가) 표시된 사진&#10;&#10;자동 생성된 설명">
@@ -21262,75 +21634,6 @@
       </p:pic>
       <p:sp>
         <p:nvSpPr>
-          <p:cNvPr id="117" name="모서리가 둥근 직사각형 116">
-            <a:extLst>
-              <a:ext uri="{FF2B5EF4-FFF2-40B4-BE49-F238E27FC236}">
-                <a16:creationId xmlns:a16="http://schemas.microsoft.com/office/drawing/2014/main" id="{FC9C7935-D0F1-B6E8-F53E-4C7F2F9CC6F1}"/>
-              </a:ext>
-            </a:extLst>
-          </p:cNvPr>
-          <p:cNvSpPr/>
-          <p:nvPr/>
-        </p:nvSpPr>
-        <p:spPr>
-          <a:xfrm>
-            <a:off x="80386" y="3487251"/>
-            <a:ext cx="1261334" cy="540000"/>
-          </a:xfrm>
-          <a:prstGeom prst="roundRect">
-            <a:avLst/>
-          </a:prstGeom>
-          <a:noFill/>
-          <a:ln w="28575">
-            <a:solidFill>
-              <a:schemeClr val="tx1"/>
-            </a:solidFill>
-          </a:ln>
-        </p:spPr>
-        <p:style>
-          <a:lnRef idx="2">
-            <a:schemeClr val="accent1">
-              <a:shade val="15000"/>
-            </a:schemeClr>
-          </a:lnRef>
-          <a:fillRef idx="1">
-            <a:schemeClr val="accent1"/>
-          </a:fillRef>
-          <a:effectRef idx="0">
-            <a:schemeClr val="accent1"/>
-          </a:effectRef>
-          <a:fontRef idx="minor">
-            <a:schemeClr val="lt1"/>
-          </a:fontRef>
-        </p:style>
-        <p:txBody>
-          <a:bodyPr rtlCol="0" anchor="ctr"/>
-          <a:lstStyle/>
-          <a:p>
-            <a:pPr algn="ctr"/>
-            <a:r>
-              <a:rPr kumimoji="1" lang="en-US" altLang="ko-Kore-KR" sz="1600" dirty="0">
-                <a:solidFill>
-                  <a:schemeClr val="tx1"/>
-                </a:solidFill>
-                <a:latin typeface="Calibri" panose="020F0502020204030204" pitchFamily="34" charset="0"/>
-                <a:ea typeface="Helvetica Neue" panose="02000503000000020004" pitchFamily="2" charset="0"/>
-                <a:cs typeface="Calibri" panose="020F0502020204030204" pitchFamily="34" charset="0"/>
-              </a:rPr>
-              <a:t>Collect Coal</a:t>
-            </a:r>
-            <a:endParaRPr kumimoji="1" lang="ko-Kore-KR" altLang="en-US" sz="1600" dirty="0">
-              <a:solidFill>
-                <a:schemeClr val="tx1"/>
-              </a:solidFill>
-              <a:latin typeface="Calibri" panose="020F0502020204030204" pitchFamily="34" charset="0"/>
-              <a:cs typeface="Calibri" panose="020F0502020204030204" pitchFamily="34" charset="0"/>
-            </a:endParaRPr>
-          </a:p>
-        </p:txBody>
-      </p:sp>
-      <p:sp>
-        <p:nvSpPr>
           <p:cNvPr id="124" name="타원 123">
             <a:extLst>
               <a:ext uri="{FF2B5EF4-FFF2-40B4-BE49-F238E27FC236}">
@@ -21352,7 +21655,7 @@
             <a:avLst/>
           </a:prstGeom>
           <a:noFill/>
-          <a:ln w="28575"/>
+          <a:ln w="19050"/>
         </p:spPr>
         <p:style>
           <a:lnRef idx="2">
@@ -21405,7 +21708,7 @@
             <a:avLst/>
           </a:prstGeom>
           <a:noFill/>
-          <a:ln w="28575"/>
+          <a:ln w="19050"/>
         </p:spPr>
         <p:style>
           <a:lnRef idx="2">
@@ -21458,7 +21761,7 @@
             <a:avLst/>
           </a:prstGeom>
           <a:noFill/>
-          <a:ln w="28575"/>
+          <a:ln w="19050"/>
         </p:spPr>
         <p:style>
           <a:lnRef idx="2">
@@ -21601,7 +21904,7 @@
             <a:avLst/>
           </a:prstGeom>
           <a:noFill/>
-          <a:ln w="28575">
+          <a:ln w="19050">
             <a:solidFill>
               <a:schemeClr val="tx1"/>
             </a:solidFill>
@@ -21718,7 +22021,7 @@
             <a:avLst/>
           </a:prstGeom>
           <a:noFill/>
-          <a:ln w="28575"/>
+          <a:ln w="19050"/>
         </p:spPr>
         <p:style>
           <a:lnRef idx="2">
@@ -21839,7 +22142,7 @@
           <p:nvPr>
             <p:extLst>
               <p:ext uri="{D42A27DB-BD31-4B8C-83A1-F6EECF244321}">
-                <p14:modId xmlns:p14="http://schemas.microsoft.com/office/powerpoint/2010/main" val="1412813787"/>
+                <p14:modId xmlns:p14="http://schemas.microsoft.com/office/powerpoint/2010/main" val="4258729561"/>
               </p:ext>
             </p:extLst>
           </p:nvPr>
@@ -22839,10 +23142,417 @@
       </p:sp>
       <p:sp>
         <p:nvSpPr>
-          <p:cNvPr id="6" name="원통[C] 5">
-            <a:extLst>
-              <a:ext uri="{FF2B5EF4-FFF2-40B4-BE49-F238E27FC236}">
-                <a16:creationId xmlns:a16="http://schemas.microsoft.com/office/drawing/2014/main" id="{C39516DF-40E4-E8F2-7F1D-E693A2BE6D8C}"/>
+          <p:cNvPr id="9" name="오른쪽 화살표[R] 8">
+            <a:extLst>
+              <a:ext uri="{FF2B5EF4-FFF2-40B4-BE49-F238E27FC236}">
+                <a16:creationId xmlns:a16="http://schemas.microsoft.com/office/drawing/2014/main" id="{4CECA175-082B-EE1C-F6F9-70309C41AB87}"/>
+              </a:ext>
+            </a:extLst>
+          </p:cNvPr>
+          <p:cNvSpPr/>
+          <p:nvPr/>
+        </p:nvSpPr>
+        <p:spPr>
+          <a:xfrm>
+            <a:off x="1518117" y="814258"/>
+            <a:ext cx="301558" cy="312821"/>
+          </a:xfrm>
+          <a:prstGeom prst="rightArrow">
+            <a:avLst/>
+          </a:prstGeom>
+          <a:solidFill>
+            <a:schemeClr val="tx1"/>
+          </a:solidFill>
+          <a:ln>
+            <a:solidFill>
+              <a:schemeClr val="tx1"/>
+            </a:solidFill>
+          </a:ln>
+        </p:spPr>
+        <p:style>
+          <a:lnRef idx="2">
+            <a:schemeClr val="accent1">
+              <a:shade val="15000"/>
+            </a:schemeClr>
+          </a:lnRef>
+          <a:fillRef idx="1">
+            <a:schemeClr val="accent1"/>
+          </a:fillRef>
+          <a:effectRef idx="0">
+            <a:schemeClr val="accent1"/>
+          </a:effectRef>
+          <a:fontRef idx="minor">
+            <a:schemeClr val="lt1"/>
+          </a:fontRef>
+        </p:style>
+        <p:txBody>
+          <a:bodyPr rtlCol="0" anchor="ctr"/>
+          <a:lstStyle/>
+          <a:p>
+            <a:pPr algn="ctr"/>
+            <a:endParaRPr kumimoji="1" lang="ko-Kore-KR" altLang="en-US"/>
+          </a:p>
+        </p:txBody>
+      </p:sp>
+      <p:sp>
+        <p:nvSpPr>
+          <p:cNvPr id="10" name="오른쪽 화살표[R] 9">
+            <a:extLst>
+              <a:ext uri="{FF2B5EF4-FFF2-40B4-BE49-F238E27FC236}">
+                <a16:creationId xmlns:a16="http://schemas.microsoft.com/office/drawing/2014/main" id="{B9204B2C-8022-0AD0-758E-C9050697149F}"/>
+              </a:ext>
+            </a:extLst>
+          </p:cNvPr>
+          <p:cNvSpPr/>
+          <p:nvPr/>
+        </p:nvSpPr>
+        <p:spPr>
+          <a:xfrm rot="5400000">
+            <a:off x="814279" y="1501959"/>
+            <a:ext cx="301558" cy="312821"/>
+          </a:xfrm>
+          <a:prstGeom prst="rightArrow">
+            <a:avLst/>
+          </a:prstGeom>
+          <a:solidFill>
+            <a:schemeClr val="tx1"/>
+          </a:solidFill>
+          <a:ln>
+            <a:solidFill>
+              <a:schemeClr val="tx1"/>
+            </a:solidFill>
+          </a:ln>
+        </p:spPr>
+        <p:style>
+          <a:lnRef idx="2">
+            <a:schemeClr val="accent1">
+              <a:shade val="15000"/>
+            </a:schemeClr>
+          </a:lnRef>
+          <a:fillRef idx="1">
+            <a:schemeClr val="accent1"/>
+          </a:fillRef>
+          <a:effectRef idx="0">
+            <a:schemeClr val="accent1"/>
+          </a:effectRef>
+          <a:fontRef idx="minor">
+            <a:schemeClr val="lt1"/>
+          </a:fontRef>
+        </p:style>
+        <p:txBody>
+          <a:bodyPr rtlCol="0" anchor="ctr"/>
+          <a:lstStyle/>
+          <a:p>
+            <a:pPr algn="ctr"/>
+            <a:endParaRPr kumimoji="1" lang="ko-Kore-KR" altLang="en-US"/>
+          </a:p>
+        </p:txBody>
+      </p:sp>
+      <p:sp>
+        <p:nvSpPr>
+          <p:cNvPr id="4" name="모서리가 둥근 직사각형 3">
+            <a:extLst>
+              <a:ext uri="{FF2B5EF4-FFF2-40B4-BE49-F238E27FC236}">
+                <a16:creationId xmlns:a16="http://schemas.microsoft.com/office/drawing/2014/main" id="{E72A5DE3-4094-452B-BFD2-F4FAA5D0B7C2}"/>
+              </a:ext>
+            </a:extLst>
+          </p:cNvPr>
+          <p:cNvSpPr/>
+          <p:nvPr/>
+        </p:nvSpPr>
+        <p:spPr>
+          <a:xfrm>
+            <a:off x="80386" y="1979865"/>
+            <a:ext cx="1261334" cy="540000"/>
+          </a:xfrm>
+          <a:prstGeom prst="roundRect">
+            <a:avLst/>
+          </a:prstGeom>
+          <a:noFill/>
+          <a:ln w="19050">
+            <a:solidFill>
+              <a:schemeClr val="tx1"/>
+            </a:solidFill>
+          </a:ln>
+        </p:spPr>
+        <p:style>
+          <a:lnRef idx="2">
+            <a:schemeClr val="accent1">
+              <a:shade val="15000"/>
+            </a:schemeClr>
+          </a:lnRef>
+          <a:fillRef idx="1">
+            <a:schemeClr val="accent1"/>
+          </a:fillRef>
+          <a:effectRef idx="0">
+            <a:schemeClr val="accent1"/>
+          </a:effectRef>
+          <a:fontRef idx="minor">
+            <a:schemeClr val="lt1"/>
+          </a:fontRef>
+        </p:style>
+        <p:txBody>
+          <a:bodyPr rtlCol="0" anchor="ctr"/>
+          <a:lstStyle/>
+          <a:p>
+            <a:pPr algn="ctr"/>
+            <a:r>
+              <a:rPr kumimoji="1" lang="en-US" altLang="ko-Kore-KR" sz="1600" dirty="0">
+                <a:solidFill>
+                  <a:schemeClr val="tx1"/>
+                </a:solidFill>
+                <a:latin typeface="Calibri" panose="020F0502020204030204" pitchFamily="34" charset="0"/>
+                <a:ea typeface="Helvetica Neue" panose="02000503000000020004" pitchFamily="2" charset="0"/>
+                <a:cs typeface="Calibri" panose="020F0502020204030204" pitchFamily="34" charset="0"/>
+              </a:rPr>
+              <a:t>Collect Stone</a:t>
+            </a:r>
+            <a:endParaRPr kumimoji="1" lang="ko-Kore-KR" altLang="en-US" sz="1600" dirty="0">
+              <a:solidFill>
+                <a:schemeClr val="tx1"/>
+              </a:solidFill>
+              <a:latin typeface="Calibri" panose="020F0502020204030204" pitchFamily="34" charset="0"/>
+              <a:cs typeface="Calibri" panose="020F0502020204030204" pitchFamily="34" charset="0"/>
+            </a:endParaRPr>
+          </a:p>
+        </p:txBody>
+      </p:sp>
+      <p:sp>
+        <p:nvSpPr>
+          <p:cNvPr id="7" name="모서리가 둥근 직사각형 6">
+            <a:extLst>
+              <a:ext uri="{FF2B5EF4-FFF2-40B4-BE49-F238E27FC236}">
+                <a16:creationId xmlns:a16="http://schemas.microsoft.com/office/drawing/2014/main" id="{9EA25DFE-704E-628F-A41C-25D0A7B1C29C}"/>
+              </a:ext>
+            </a:extLst>
+          </p:cNvPr>
+          <p:cNvSpPr/>
+          <p:nvPr/>
+        </p:nvSpPr>
+        <p:spPr>
+          <a:xfrm>
+            <a:off x="80386" y="2733558"/>
+            <a:ext cx="1261334" cy="540000"/>
+          </a:xfrm>
+          <a:prstGeom prst="roundRect">
+            <a:avLst/>
+          </a:prstGeom>
+          <a:noFill/>
+          <a:ln w="19050">
+            <a:solidFill>
+              <a:schemeClr val="tx1"/>
+            </a:solidFill>
+          </a:ln>
+        </p:spPr>
+        <p:style>
+          <a:lnRef idx="2">
+            <a:schemeClr val="accent1">
+              <a:shade val="15000"/>
+            </a:schemeClr>
+          </a:lnRef>
+          <a:fillRef idx="1">
+            <a:schemeClr val="accent1"/>
+          </a:fillRef>
+          <a:effectRef idx="0">
+            <a:schemeClr val="accent1"/>
+          </a:effectRef>
+          <a:fontRef idx="minor">
+            <a:schemeClr val="lt1"/>
+          </a:fontRef>
+        </p:style>
+        <p:txBody>
+          <a:bodyPr rtlCol="0" anchor="ctr"/>
+          <a:lstStyle/>
+          <a:p>
+            <a:pPr algn="ctr"/>
+            <a:r>
+              <a:rPr kumimoji="1" lang="en-US" altLang="ko-Kore-KR" sz="1600" dirty="0">
+                <a:solidFill>
+                  <a:schemeClr val="tx1"/>
+                </a:solidFill>
+                <a:latin typeface="Calibri" panose="020F0502020204030204" pitchFamily="34" charset="0"/>
+                <a:ea typeface="Helvetica Neue" panose="02000503000000020004" pitchFamily="2" charset="0"/>
+                <a:cs typeface="Calibri" panose="020F0502020204030204" pitchFamily="34" charset="0"/>
+              </a:rPr>
+              <a:t>Make Stone Pickaxe</a:t>
+            </a:r>
+            <a:endParaRPr kumimoji="1" lang="ko-Kore-KR" altLang="en-US" sz="1600" dirty="0">
+              <a:solidFill>
+                <a:schemeClr val="tx1"/>
+              </a:solidFill>
+              <a:latin typeface="Calibri" panose="020F0502020204030204" pitchFamily="34" charset="0"/>
+              <a:cs typeface="Calibri" panose="020F0502020204030204" pitchFamily="34" charset="0"/>
+            </a:endParaRPr>
+          </a:p>
+        </p:txBody>
+      </p:sp>
+      <p:sp>
+        <p:nvSpPr>
+          <p:cNvPr id="8" name="모서리가 둥근 직사각형 7">
+            <a:extLst>
+              <a:ext uri="{FF2B5EF4-FFF2-40B4-BE49-F238E27FC236}">
+                <a16:creationId xmlns:a16="http://schemas.microsoft.com/office/drawing/2014/main" id="{4B07CAC3-C8B4-62E7-995D-D80452FE9E09}"/>
+              </a:ext>
+            </a:extLst>
+          </p:cNvPr>
+          <p:cNvSpPr/>
+          <p:nvPr/>
+        </p:nvSpPr>
+        <p:spPr>
+          <a:xfrm>
+            <a:off x="80386" y="3487251"/>
+            <a:ext cx="1261334" cy="540000"/>
+          </a:xfrm>
+          <a:prstGeom prst="roundRect">
+            <a:avLst/>
+          </a:prstGeom>
+          <a:noFill/>
+          <a:ln w="19050">
+            <a:solidFill>
+              <a:schemeClr val="tx1"/>
+            </a:solidFill>
+          </a:ln>
+        </p:spPr>
+        <p:style>
+          <a:lnRef idx="2">
+            <a:schemeClr val="accent1">
+              <a:shade val="15000"/>
+            </a:schemeClr>
+          </a:lnRef>
+          <a:fillRef idx="1">
+            <a:schemeClr val="accent1"/>
+          </a:fillRef>
+          <a:effectRef idx="0">
+            <a:schemeClr val="accent1"/>
+          </a:effectRef>
+          <a:fontRef idx="minor">
+            <a:schemeClr val="lt1"/>
+          </a:fontRef>
+        </p:style>
+        <p:txBody>
+          <a:bodyPr rtlCol="0" anchor="ctr"/>
+          <a:lstStyle/>
+          <a:p>
+            <a:pPr algn="ctr"/>
+            <a:r>
+              <a:rPr kumimoji="1" lang="en-US" altLang="ko-Kore-KR" sz="1600" dirty="0">
+                <a:solidFill>
+                  <a:schemeClr val="tx1"/>
+                </a:solidFill>
+                <a:latin typeface="Calibri" panose="020F0502020204030204" pitchFamily="34" charset="0"/>
+                <a:ea typeface="Helvetica Neue" panose="02000503000000020004" pitchFamily="2" charset="0"/>
+                <a:cs typeface="Calibri" panose="020F0502020204030204" pitchFamily="34" charset="0"/>
+              </a:rPr>
+              <a:t>Collect Coal</a:t>
+            </a:r>
+            <a:endParaRPr kumimoji="1" lang="ko-Kore-KR" altLang="en-US" sz="1600" dirty="0">
+              <a:solidFill>
+                <a:schemeClr val="tx1"/>
+              </a:solidFill>
+              <a:latin typeface="Calibri" panose="020F0502020204030204" pitchFamily="34" charset="0"/>
+              <a:cs typeface="Calibri" panose="020F0502020204030204" pitchFamily="34" charset="0"/>
+            </a:endParaRPr>
+          </a:p>
+        </p:txBody>
+      </p:sp>
+      <p:cxnSp>
+        <p:nvCxnSpPr>
+          <p:cNvPr id="11" name="직선 화살표 연결선 10">
+            <a:extLst>
+              <a:ext uri="{FF2B5EF4-FFF2-40B4-BE49-F238E27FC236}">
+                <a16:creationId xmlns:a16="http://schemas.microsoft.com/office/drawing/2014/main" id="{2DD314E7-0C2E-C697-A8AC-52586A9DFAC7}"/>
+              </a:ext>
+            </a:extLst>
+          </p:cNvPr>
+          <p:cNvCxnSpPr>
+            <a:cxnSpLocks/>
+            <a:stCxn id="4" idx="2"/>
+            <a:endCxn id="7" idx="0"/>
+          </p:cNvCxnSpPr>
+          <p:nvPr/>
+        </p:nvCxnSpPr>
+        <p:spPr>
+          <a:xfrm>
+            <a:off x="711053" y="2519865"/>
+            <a:ext cx="0" cy="213693"/>
+          </a:xfrm>
+          <a:prstGeom prst="straightConnector1">
+            <a:avLst/>
+          </a:prstGeom>
+          <a:ln w="28575">
+            <a:solidFill>
+              <a:schemeClr val="tx1"/>
+            </a:solidFill>
+            <a:tailEnd type="triangle"/>
+          </a:ln>
+        </p:spPr>
+        <p:style>
+          <a:lnRef idx="1">
+            <a:schemeClr val="accent1"/>
+          </a:lnRef>
+          <a:fillRef idx="0">
+            <a:schemeClr val="accent1"/>
+          </a:fillRef>
+          <a:effectRef idx="0">
+            <a:schemeClr val="accent1"/>
+          </a:effectRef>
+          <a:fontRef idx="minor">
+            <a:schemeClr val="tx1"/>
+          </a:fontRef>
+        </p:style>
+      </p:cxnSp>
+      <p:cxnSp>
+        <p:nvCxnSpPr>
+          <p:cNvPr id="13" name="직선 화살표 연결선 12">
+            <a:extLst>
+              <a:ext uri="{FF2B5EF4-FFF2-40B4-BE49-F238E27FC236}">
+                <a16:creationId xmlns:a16="http://schemas.microsoft.com/office/drawing/2014/main" id="{2B8D74DE-1CAD-3602-1DCD-6A28C6E168E0}"/>
+              </a:ext>
+            </a:extLst>
+          </p:cNvPr>
+          <p:cNvCxnSpPr>
+            <a:cxnSpLocks/>
+            <a:stCxn id="7" idx="2"/>
+            <a:endCxn id="8" idx="0"/>
+          </p:cNvCxnSpPr>
+          <p:nvPr/>
+        </p:nvCxnSpPr>
+        <p:spPr>
+          <a:xfrm>
+            <a:off x="711053" y="3273558"/>
+            <a:ext cx="0" cy="213693"/>
+          </a:xfrm>
+          <a:prstGeom prst="straightConnector1">
+            <a:avLst/>
+          </a:prstGeom>
+          <a:ln w="28575">
+            <a:solidFill>
+              <a:schemeClr val="tx1"/>
+            </a:solidFill>
+            <a:tailEnd type="triangle"/>
+          </a:ln>
+        </p:spPr>
+        <p:style>
+          <a:lnRef idx="1">
+            <a:schemeClr val="accent1"/>
+          </a:lnRef>
+          <a:fillRef idx="0">
+            <a:schemeClr val="accent1"/>
+          </a:fillRef>
+          <a:effectRef idx="0">
+            <a:schemeClr val="accent1"/>
+          </a:effectRef>
+          <a:fontRef idx="minor">
+            <a:schemeClr val="tx1"/>
+          </a:fontRef>
+        </p:style>
+      </p:cxnSp>
+      <p:sp>
+        <p:nvSpPr>
+          <p:cNvPr id="14" name="원통[C] 13">
+            <a:extLst>
+              <a:ext uri="{FF2B5EF4-FFF2-40B4-BE49-F238E27FC236}">
+                <a16:creationId xmlns:a16="http://schemas.microsoft.com/office/drawing/2014/main" id="{0F04A2A0-609E-516F-D85C-4DC020C80E4E}"/>
               </a:ext>
             </a:extLst>
           </p:cNvPr>
@@ -22858,7 +23568,11 @@
             <a:avLst/>
           </a:prstGeom>
           <a:noFill/>
-          <a:ln w="28575"/>
+          <a:ln w="19050">
+            <a:solidFill>
+              <a:schemeClr val="tx1"/>
+            </a:solidFill>
+          </a:ln>
         </p:spPr>
         <p:style>
           <a:lnRef idx="2">
@@ -22898,114 +23612,6 @@
               <a:latin typeface="Calibri" panose="020F0502020204030204" pitchFamily="34" charset="0"/>
               <a:cs typeface="Calibri" panose="020F0502020204030204" pitchFamily="34" charset="0"/>
             </a:endParaRPr>
-          </a:p>
-        </p:txBody>
-      </p:sp>
-      <p:sp>
-        <p:nvSpPr>
-          <p:cNvPr id="9" name="오른쪽 화살표[R] 8">
-            <a:extLst>
-              <a:ext uri="{FF2B5EF4-FFF2-40B4-BE49-F238E27FC236}">
-                <a16:creationId xmlns:a16="http://schemas.microsoft.com/office/drawing/2014/main" id="{4CECA175-082B-EE1C-F6F9-70309C41AB87}"/>
-              </a:ext>
-            </a:extLst>
-          </p:cNvPr>
-          <p:cNvSpPr/>
-          <p:nvPr/>
-        </p:nvSpPr>
-        <p:spPr>
-          <a:xfrm>
-            <a:off x="1518117" y="814258"/>
-            <a:ext cx="301558" cy="312821"/>
-          </a:xfrm>
-          <a:prstGeom prst="rightArrow">
-            <a:avLst/>
-          </a:prstGeom>
-          <a:solidFill>
-            <a:schemeClr val="tx1"/>
-          </a:solidFill>
-          <a:ln>
-            <a:solidFill>
-              <a:schemeClr val="tx1"/>
-            </a:solidFill>
-          </a:ln>
-        </p:spPr>
-        <p:style>
-          <a:lnRef idx="2">
-            <a:schemeClr val="accent1">
-              <a:shade val="15000"/>
-            </a:schemeClr>
-          </a:lnRef>
-          <a:fillRef idx="1">
-            <a:schemeClr val="accent1"/>
-          </a:fillRef>
-          <a:effectRef idx="0">
-            <a:schemeClr val="accent1"/>
-          </a:effectRef>
-          <a:fontRef idx="minor">
-            <a:schemeClr val="lt1"/>
-          </a:fontRef>
-        </p:style>
-        <p:txBody>
-          <a:bodyPr rtlCol="0" anchor="ctr"/>
-          <a:lstStyle/>
-          <a:p>
-            <a:pPr algn="ctr"/>
-            <a:endParaRPr kumimoji="1" lang="ko-Kore-KR" altLang="en-US"/>
-          </a:p>
-        </p:txBody>
-      </p:sp>
-      <p:sp>
-        <p:nvSpPr>
-          <p:cNvPr id="10" name="오른쪽 화살표[R] 9">
-            <a:extLst>
-              <a:ext uri="{FF2B5EF4-FFF2-40B4-BE49-F238E27FC236}">
-                <a16:creationId xmlns:a16="http://schemas.microsoft.com/office/drawing/2014/main" id="{B9204B2C-8022-0AD0-758E-C9050697149F}"/>
-              </a:ext>
-            </a:extLst>
-          </p:cNvPr>
-          <p:cNvSpPr/>
-          <p:nvPr/>
-        </p:nvSpPr>
-        <p:spPr>
-          <a:xfrm rot="5400000">
-            <a:off x="814279" y="1501959"/>
-            <a:ext cx="301558" cy="312821"/>
-          </a:xfrm>
-          <a:prstGeom prst="rightArrow">
-            <a:avLst/>
-          </a:prstGeom>
-          <a:solidFill>
-            <a:schemeClr val="tx1"/>
-          </a:solidFill>
-          <a:ln>
-            <a:solidFill>
-              <a:schemeClr val="tx1"/>
-            </a:solidFill>
-          </a:ln>
-        </p:spPr>
-        <p:style>
-          <a:lnRef idx="2">
-            <a:schemeClr val="accent1">
-              <a:shade val="15000"/>
-            </a:schemeClr>
-          </a:lnRef>
-          <a:fillRef idx="1">
-            <a:schemeClr val="accent1"/>
-          </a:fillRef>
-          <a:effectRef idx="0">
-            <a:schemeClr val="accent1"/>
-          </a:effectRef>
-          <a:fontRef idx="minor">
-            <a:schemeClr val="lt1"/>
-          </a:fontRef>
-        </p:style>
-        <p:txBody>
-          <a:bodyPr rtlCol="0" anchor="ctr"/>
-          <a:lstStyle/>
-          <a:p>
-            <a:pPr algn="ctr"/>
-            <a:endParaRPr kumimoji="1" lang="ko-Kore-KR" altLang="en-US"/>
           </a:p>
         </p:txBody>
       </p:sp>
@@ -23060,7 +23666,7 @@
             <a:avLst/>
           </a:prstGeom>
           <a:noFill/>
-          <a:ln w="28575">
+          <a:ln w="19050">
             <a:solidFill>
               <a:schemeClr val="tx1"/>
             </a:solidFill>
@@ -23219,7 +23825,7 @@
             <a:avLst/>
           </a:prstGeom>
           <a:noFill/>
-          <a:ln w="28575">
+          <a:ln w="19050">
             <a:solidFill>
               <a:schemeClr val="tx1"/>
             </a:solidFill>
@@ -23288,7 +23894,7 @@
             <a:avLst/>
           </a:prstGeom>
           <a:noFill/>
-          <a:ln w="28575">
+          <a:ln w="19050">
             <a:solidFill>
               <a:schemeClr val="tx1"/>
             </a:solidFill>
@@ -23453,7 +24059,7 @@
           <a:solidFill>
             <a:srgbClr val="4472C4"/>
           </a:solidFill>
-          <a:ln w="28575"/>
+          <a:ln w="19050"/>
         </p:spPr>
         <p:style>
           <a:lnRef idx="2">
@@ -23552,7 +24158,7 @@
             <a:avLst/>
           </a:prstGeom>
           <a:noFill/>
-          <a:ln w="28575"/>
+          <a:ln w="19050"/>
         </p:spPr>
         <p:style>
           <a:lnRef idx="2">
@@ -23605,7 +24211,7 @@
             <a:avLst/>
           </a:prstGeom>
           <a:noFill/>
-          <a:ln w="28575"/>
+          <a:ln w="19050"/>
         </p:spPr>
         <p:style>
           <a:lnRef idx="2">
@@ -23741,144 +24347,6 @@
           </a:prstGeom>
         </p:spPr>
       </p:pic>
-      <p:sp>
-        <p:nvSpPr>
-          <p:cNvPr id="65" name="모서리가 둥근 직사각형 64">
-            <a:extLst>
-              <a:ext uri="{FF2B5EF4-FFF2-40B4-BE49-F238E27FC236}">
-                <a16:creationId xmlns:a16="http://schemas.microsoft.com/office/drawing/2014/main" id="{7D353C56-AEC8-4FB3-8D3F-EEB0E00C6DE7}"/>
-              </a:ext>
-            </a:extLst>
-          </p:cNvPr>
-          <p:cNvSpPr/>
-          <p:nvPr/>
-        </p:nvSpPr>
-        <p:spPr>
-          <a:xfrm>
-            <a:off x="80386" y="1979865"/>
-            <a:ext cx="1261334" cy="540000"/>
-          </a:xfrm>
-          <a:prstGeom prst="roundRect">
-            <a:avLst/>
-          </a:prstGeom>
-          <a:noFill/>
-          <a:ln w="28575">
-            <a:solidFill>
-              <a:schemeClr val="tx1"/>
-            </a:solidFill>
-          </a:ln>
-        </p:spPr>
-        <p:style>
-          <a:lnRef idx="2">
-            <a:schemeClr val="accent1">
-              <a:shade val="15000"/>
-            </a:schemeClr>
-          </a:lnRef>
-          <a:fillRef idx="1">
-            <a:schemeClr val="accent1"/>
-          </a:fillRef>
-          <a:effectRef idx="0">
-            <a:schemeClr val="accent1"/>
-          </a:effectRef>
-          <a:fontRef idx="minor">
-            <a:schemeClr val="lt1"/>
-          </a:fontRef>
-        </p:style>
-        <p:txBody>
-          <a:bodyPr rtlCol="0" anchor="ctr"/>
-          <a:lstStyle/>
-          <a:p>
-            <a:pPr algn="ctr"/>
-            <a:r>
-              <a:rPr kumimoji="1" lang="en-US" altLang="ko-Kore-KR" sz="1600" dirty="0">
-                <a:solidFill>
-                  <a:schemeClr val="tx1"/>
-                </a:solidFill>
-                <a:latin typeface="Calibri" panose="020F0502020204030204" pitchFamily="34" charset="0"/>
-                <a:ea typeface="Helvetica Neue" panose="02000503000000020004" pitchFamily="2" charset="0"/>
-                <a:cs typeface="Calibri" panose="020F0502020204030204" pitchFamily="34" charset="0"/>
-              </a:rPr>
-              <a:t>Collect Stone</a:t>
-            </a:r>
-            <a:endParaRPr kumimoji="1" lang="ko-Kore-KR" altLang="en-US" sz="1600" dirty="0">
-              <a:solidFill>
-                <a:schemeClr val="tx1"/>
-              </a:solidFill>
-              <a:latin typeface="Calibri" panose="020F0502020204030204" pitchFamily="34" charset="0"/>
-              <a:cs typeface="Calibri" panose="020F0502020204030204" pitchFamily="34" charset="0"/>
-            </a:endParaRPr>
-          </a:p>
-        </p:txBody>
-      </p:sp>
-      <p:sp>
-        <p:nvSpPr>
-          <p:cNvPr id="66" name="모서리가 둥근 직사각형 65">
-            <a:extLst>
-              <a:ext uri="{FF2B5EF4-FFF2-40B4-BE49-F238E27FC236}">
-                <a16:creationId xmlns:a16="http://schemas.microsoft.com/office/drawing/2014/main" id="{4718F0BE-7076-7CA8-CFB7-59E0131E6D6D}"/>
-              </a:ext>
-            </a:extLst>
-          </p:cNvPr>
-          <p:cNvSpPr/>
-          <p:nvPr/>
-        </p:nvSpPr>
-        <p:spPr>
-          <a:xfrm>
-            <a:off x="80386" y="2733558"/>
-            <a:ext cx="1261334" cy="540000"/>
-          </a:xfrm>
-          <a:prstGeom prst="roundRect">
-            <a:avLst/>
-          </a:prstGeom>
-          <a:noFill/>
-          <a:ln w="28575">
-            <a:solidFill>
-              <a:schemeClr val="tx1"/>
-            </a:solidFill>
-          </a:ln>
-        </p:spPr>
-        <p:style>
-          <a:lnRef idx="2">
-            <a:schemeClr val="accent1">
-              <a:shade val="15000"/>
-            </a:schemeClr>
-          </a:lnRef>
-          <a:fillRef idx="1">
-            <a:schemeClr val="accent1"/>
-          </a:fillRef>
-          <a:effectRef idx="0">
-            <a:schemeClr val="accent1"/>
-          </a:effectRef>
-          <a:fontRef idx="minor">
-            <a:schemeClr val="lt1"/>
-          </a:fontRef>
-        </p:style>
-        <p:txBody>
-          <a:bodyPr rtlCol="0" anchor="ctr"/>
-          <a:lstStyle/>
-          <a:p>
-            <a:pPr algn="ctr"/>
-            <a:r>
-              <a:rPr kumimoji="1" lang="en-US" altLang="ko-Kore-KR" sz="1600" dirty="0">
-                <a:solidFill>
-                  <a:schemeClr val="tx1"/>
-                </a:solidFill>
-                <a:latin typeface="Calibri" panose="020F0502020204030204" pitchFamily="34" charset="0"/>
-                <a:ea typeface="Helvetica Neue" panose="02000503000000020004" pitchFamily="2" charset="0"/>
-                <a:cs typeface="Calibri" panose="020F0502020204030204" pitchFamily="34" charset="0"/>
-              </a:rPr>
-              <a:t>Make Stone Pickaxe</a:t>
-            </a:r>
-            <a:endParaRPr kumimoji="1" lang="ko-Kore-KR" altLang="en-US" sz="1600" dirty="0">
-              <a:solidFill>
-                <a:schemeClr val="tx1"/>
-              </a:solidFill>
-              <a:latin typeface="Calibri" panose="020F0502020204030204" pitchFamily="34" charset="0"/>
-              <a:cs typeface="Calibri" panose="020F0502020204030204" pitchFamily="34" charset="0"/>
-            </a:endParaRPr>
-          </a:p>
-        </p:txBody>
-      </p:sp>
       <p:pic>
         <p:nvPicPr>
           <p:cNvPr id="104" name="그림 103" descr="스크린샷, 만화 영화, 그린, 픽셀이(가) 표시된 사진&#10;&#10;자동 생성된 설명">
@@ -23911,75 +24379,6 @@
       </p:pic>
       <p:sp>
         <p:nvSpPr>
-          <p:cNvPr id="117" name="모서리가 둥근 직사각형 116">
-            <a:extLst>
-              <a:ext uri="{FF2B5EF4-FFF2-40B4-BE49-F238E27FC236}">
-                <a16:creationId xmlns:a16="http://schemas.microsoft.com/office/drawing/2014/main" id="{FC9C7935-D0F1-B6E8-F53E-4C7F2F9CC6F1}"/>
-              </a:ext>
-            </a:extLst>
-          </p:cNvPr>
-          <p:cNvSpPr/>
-          <p:nvPr/>
-        </p:nvSpPr>
-        <p:spPr>
-          <a:xfrm>
-            <a:off x="80386" y="3487251"/>
-            <a:ext cx="1261334" cy="540000"/>
-          </a:xfrm>
-          <a:prstGeom prst="roundRect">
-            <a:avLst/>
-          </a:prstGeom>
-          <a:noFill/>
-          <a:ln w="28575">
-            <a:solidFill>
-              <a:schemeClr val="tx1"/>
-            </a:solidFill>
-          </a:ln>
-        </p:spPr>
-        <p:style>
-          <a:lnRef idx="2">
-            <a:schemeClr val="accent1">
-              <a:shade val="15000"/>
-            </a:schemeClr>
-          </a:lnRef>
-          <a:fillRef idx="1">
-            <a:schemeClr val="accent1"/>
-          </a:fillRef>
-          <a:effectRef idx="0">
-            <a:schemeClr val="accent1"/>
-          </a:effectRef>
-          <a:fontRef idx="minor">
-            <a:schemeClr val="lt1"/>
-          </a:fontRef>
-        </p:style>
-        <p:txBody>
-          <a:bodyPr rtlCol="0" anchor="ctr"/>
-          <a:lstStyle/>
-          <a:p>
-            <a:pPr algn="ctr"/>
-            <a:r>
-              <a:rPr kumimoji="1" lang="en-US" altLang="ko-Kore-KR" sz="1600" dirty="0">
-                <a:solidFill>
-                  <a:schemeClr val="tx1"/>
-                </a:solidFill>
-                <a:latin typeface="Calibri" panose="020F0502020204030204" pitchFamily="34" charset="0"/>
-                <a:ea typeface="Helvetica Neue" panose="02000503000000020004" pitchFamily="2" charset="0"/>
-                <a:cs typeface="Calibri" panose="020F0502020204030204" pitchFamily="34" charset="0"/>
-              </a:rPr>
-              <a:t>Collect Coal</a:t>
-            </a:r>
-            <a:endParaRPr kumimoji="1" lang="ko-Kore-KR" altLang="en-US" sz="1600" dirty="0">
-              <a:solidFill>
-                <a:schemeClr val="tx1"/>
-              </a:solidFill>
-              <a:latin typeface="Calibri" panose="020F0502020204030204" pitchFamily="34" charset="0"/>
-              <a:cs typeface="Calibri" panose="020F0502020204030204" pitchFamily="34" charset="0"/>
-            </a:endParaRPr>
-          </a:p>
-        </p:txBody>
-      </p:sp>
-      <p:sp>
-        <p:nvSpPr>
           <p:cNvPr id="124" name="타원 123">
             <a:extLst>
               <a:ext uri="{FF2B5EF4-FFF2-40B4-BE49-F238E27FC236}">
@@ -24001,7 +24400,7 @@
             <a:avLst/>
           </a:prstGeom>
           <a:noFill/>
-          <a:ln w="28575"/>
+          <a:ln w="19050"/>
         </p:spPr>
         <p:style>
           <a:lnRef idx="2">
@@ -24054,7 +24453,7 @@
             <a:avLst/>
           </a:prstGeom>
           <a:noFill/>
-          <a:ln w="28575"/>
+          <a:ln w="19050"/>
         </p:spPr>
         <p:style>
           <a:lnRef idx="2">
@@ -24107,7 +24506,7 @@
             <a:avLst/>
           </a:prstGeom>
           <a:noFill/>
-          <a:ln w="28575"/>
+          <a:ln w="19050"/>
         </p:spPr>
         <p:style>
           <a:lnRef idx="2">
@@ -24250,7 +24649,7 @@
             <a:avLst/>
           </a:prstGeom>
           <a:noFill/>
-          <a:ln w="28575">
+          <a:ln w="19050">
             <a:solidFill>
               <a:schemeClr val="tx1"/>
             </a:solidFill>
@@ -24367,7 +24766,7 @@
             <a:avLst/>
           </a:prstGeom>
           <a:noFill/>
-          <a:ln w="28575"/>
+          <a:ln w="19050"/>
         </p:spPr>
         <p:style>
           <a:lnRef idx="2">
@@ -24538,7 +24937,7 @@
           <p:nvPr>
             <p:extLst>
               <p:ext uri="{D42A27DB-BD31-4B8C-83A1-F6EECF244321}">
-                <p14:modId xmlns:p14="http://schemas.microsoft.com/office/powerpoint/2010/main" val="1090994753"/>
+                <p14:modId xmlns:p14="http://schemas.microsoft.com/office/powerpoint/2010/main" val="3108163373"/>
               </p:ext>
             </p:extLst>
           </p:nvPr>
@@ -25326,10 +25725,417 @@
       </p:sp>
       <p:sp>
         <p:nvSpPr>
-          <p:cNvPr id="7" name="원통[C] 6">
-            <a:extLst>
-              <a:ext uri="{FF2B5EF4-FFF2-40B4-BE49-F238E27FC236}">
-                <a16:creationId xmlns:a16="http://schemas.microsoft.com/office/drawing/2014/main" id="{3FC37F90-5B1C-A691-4F8F-AC3FB8B8DB67}"/>
+          <p:cNvPr id="10" name="오른쪽 화살표[R] 9">
+            <a:extLst>
+              <a:ext uri="{FF2B5EF4-FFF2-40B4-BE49-F238E27FC236}">
+                <a16:creationId xmlns:a16="http://schemas.microsoft.com/office/drawing/2014/main" id="{DBB656F5-15D6-DF13-0AFA-A30899A662AD}"/>
+              </a:ext>
+            </a:extLst>
+          </p:cNvPr>
+          <p:cNvSpPr/>
+          <p:nvPr/>
+        </p:nvSpPr>
+        <p:spPr>
+          <a:xfrm>
+            <a:off x="1518117" y="814258"/>
+            <a:ext cx="301558" cy="312821"/>
+          </a:xfrm>
+          <a:prstGeom prst="rightArrow">
+            <a:avLst/>
+          </a:prstGeom>
+          <a:solidFill>
+            <a:schemeClr val="tx1"/>
+          </a:solidFill>
+          <a:ln>
+            <a:solidFill>
+              <a:schemeClr val="tx1"/>
+            </a:solidFill>
+          </a:ln>
+        </p:spPr>
+        <p:style>
+          <a:lnRef idx="2">
+            <a:schemeClr val="accent1">
+              <a:shade val="15000"/>
+            </a:schemeClr>
+          </a:lnRef>
+          <a:fillRef idx="1">
+            <a:schemeClr val="accent1"/>
+          </a:fillRef>
+          <a:effectRef idx="0">
+            <a:schemeClr val="accent1"/>
+          </a:effectRef>
+          <a:fontRef idx="minor">
+            <a:schemeClr val="lt1"/>
+          </a:fontRef>
+        </p:style>
+        <p:txBody>
+          <a:bodyPr rtlCol="0" anchor="ctr"/>
+          <a:lstStyle/>
+          <a:p>
+            <a:pPr algn="ctr"/>
+            <a:endParaRPr kumimoji="1" lang="ko-Kore-KR" altLang="en-US"/>
+          </a:p>
+        </p:txBody>
+      </p:sp>
+      <p:sp>
+        <p:nvSpPr>
+          <p:cNvPr id="11" name="오른쪽 화살표[R] 10">
+            <a:extLst>
+              <a:ext uri="{FF2B5EF4-FFF2-40B4-BE49-F238E27FC236}">
+                <a16:creationId xmlns:a16="http://schemas.microsoft.com/office/drawing/2014/main" id="{1912137A-4FCC-9FB1-D73B-F498F743F6FF}"/>
+              </a:ext>
+            </a:extLst>
+          </p:cNvPr>
+          <p:cNvSpPr/>
+          <p:nvPr/>
+        </p:nvSpPr>
+        <p:spPr>
+          <a:xfrm rot="5400000">
+            <a:off x="814279" y="1501959"/>
+            <a:ext cx="301558" cy="312821"/>
+          </a:xfrm>
+          <a:prstGeom prst="rightArrow">
+            <a:avLst/>
+          </a:prstGeom>
+          <a:solidFill>
+            <a:schemeClr val="tx1"/>
+          </a:solidFill>
+          <a:ln>
+            <a:solidFill>
+              <a:schemeClr val="tx1"/>
+            </a:solidFill>
+          </a:ln>
+        </p:spPr>
+        <p:style>
+          <a:lnRef idx="2">
+            <a:schemeClr val="accent1">
+              <a:shade val="15000"/>
+            </a:schemeClr>
+          </a:lnRef>
+          <a:fillRef idx="1">
+            <a:schemeClr val="accent1"/>
+          </a:fillRef>
+          <a:effectRef idx="0">
+            <a:schemeClr val="accent1"/>
+          </a:effectRef>
+          <a:fontRef idx="minor">
+            <a:schemeClr val="lt1"/>
+          </a:fontRef>
+        </p:style>
+        <p:txBody>
+          <a:bodyPr rtlCol="0" anchor="ctr"/>
+          <a:lstStyle/>
+          <a:p>
+            <a:pPr algn="ctr"/>
+            <a:endParaRPr kumimoji="1" lang="ko-Kore-KR" altLang="en-US"/>
+          </a:p>
+        </p:txBody>
+      </p:sp>
+      <p:sp>
+        <p:nvSpPr>
+          <p:cNvPr id="2" name="모서리가 둥근 직사각형 1">
+            <a:extLst>
+              <a:ext uri="{FF2B5EF4-FFF2-40B4-BE49-F238E27FC236}">
+                <a16:creationId xmlns:a16="http://schemas.microsoft.com/office/drawing/2014/main" id="{D475517F-29CA-EE2A-C056-B3B35D7BFD64}"/>
+              </a:ext>
+            </a:extLst>
+          </p:cNvPr>
+          <p:cNvSpPr/>
+          <p:nvPr/>
+        </p:nvSpPr>
+        <p:spPr>
+          <a:xfrm>
+            <a:off x="80386" y="1979865"/>
+            <a:ext cx="1261334" cy="540000"/>
+          </a:xfrm>
+          <a:prstGeom prst="roundRect">
+            <a:avLst/>
+          </a:prstGeom>
+          <a:noFill/>
+          <a:ln w="19050">
+            <a:solidFill>
+              <a:schemeClr val="tx1"/>
+            </a:solidFill>
+          </a:ln>
+        </p:spPr>
+        <p:style>
+          <a:lnRef idx="2">
+            <a:schemeClr val="accent1">
+              <a:shade val="15000"/>
+            </a:schemeClr>
+          </a:lnRef>
+          <a:fillRef idx="1">
+            <a:schemeClr val="accent1"/>
+          </a:fillRef>
+          <a:effectRef idx="0">
+            <a:schemeClr val="accent1"/>
+          </a:effectRef>
+          <a:fontRef idx="minor">
+            <a:schemeClr val="lt1"/>
+          </a:fontRef>
+        </p:style>
+        <p:txBody>
+          <a:bodyPr rtlCol="0" anchor="ctr"/>
+          <a:lstStyle/>
+          <a:p>
+            <a:pPr algn="ctr"/>
+            <a:r>
+              <a:rPr kumimoji="1" lang="en-US" altLang="ko-Kore-KR" sz="1600" dirty="0">
+                <a:solidFill>
+                  <a:schemeClr val="tx1"/>
+                </a:solidFill>
+                <a:latin typeface="Calibri" panose="020F0502020204030204" pitchFamily="34" charset="0"/>
+                <a:ea typeface="Helvetica Neue" panose="02000503000000020004" pitchFamily="2" charset="0"/>
+                <a:cs typeface="Calibri" panose="020F0502020204030204" pitchFamily="34" charset="0"/>
+              </a:rPr>
+              <a:t>Collect Stone</a:t>
+            </a:r>
+            <a:endParaRPr kumimoji="1" lang="ko-Kore-KR" altLang="en-US" sz="1600" dirty="0">
+              <a:solidFill>
+                <a:schemeClr val="tx1"/>
+              </a:solidFill>
+              <a:latin typeface="Calibri" panose="020F0502020204030204" pitchFamily="34" charset="0"/>
+              <a:cs typeface="Calibri" panose="020F0502020204030204" pitchFamily="34" charset="0"/>
+            </a:endParaRPr>
+          </a:p>
+        </p:txBody>
+      </p:sp>
+      <p:sp>
+        <p:nvSpPr>
+          <p:cNvPr id="5" name="모서리가 둥근 직사각형 4">
+            <a:extLst>
+              <a:ext uri="{FF2B5EF4-FFF2-40B4-BE49-F238E27FC236}">
+                <a16:creationId xmlns:a16="http://schemas.microsoft.com/office/drawing/2014/main" id="{5B63378D-6F78-1F05-39B3-53DF3C9B3374}"/>
+              </a:ext>
+            </a:extLst>
+          </p:cNvPr>
+          <p:cNvSpPr/>
+          <p:nvPr/>
+        </p:nvSpPr>
+        <p:spPr>
+          <a:xfrm>
+            <a:off x="80386" y="2733558"/>
+            <a:ext cx="1261334" cy="540000"/>
+          </a:xfrm>
+          <a:prstGeom prst="roundRect">
+            <a:avLst/>
+          </a:prstGeom>
+          <a:noFill/>
+          <a:ln w="19050">
+            <a:solidFill>
+              <a:schemeClr val="tx1"/>
+            </a:solidFill>
+          </a:ln>
+        </p:spPr>
+        <p:style>
+          <a:lnRef idx="2">
+            <a:schemeClr val="accent1">
+              <a:shade val="15000"/>
+            </a:schemeClr>
+          </a:lnRef>
+          <a:fillRef idx="1">
+            <a:schemeClr val="accent1"/>
+          </a:fillRef>
+          <a:effectRef idx="0">
+            <a:schemeClr val="accent1"/>
+          </a:effectRef>
+          <a:fontRef idx="minor">
+            <a:schemeClr val="lt1"/>
+          </a:fontRef>
+        </p:style>
+        <p:txBody>
+          <a:bodyPr rtlCol="0" anchor="ctr"/>
+          <a:lstStyle/>
+          <a:p>
+            <a:pPr algn="ctr"/>
+            <a:r>
+              <a:rPr kumimoji="1" lang="en-US" altLang="ko-Kore-KR" sz="1600" dirty="0">
+                <a:solidFill>
+                  <a:schemeClr val="tx1"/>
+                </a:solidFill>
+                <a:latin typeface="Calibri" panose="020F0502020204030204" pitchFamily="34" charset="0"/>
+                <a:ea typeface="Helvetica Neue" panose="02000503000000020004" pitchFamily="2" charset="0"/>
+                <a:cs typeface="Calibri" panose="020F0502020204030204" pitchFamily="34" charset="0"/>
+              </a:rPr>
+              <a:t>Make Stone Pickaxe</a:t>
+            </a:r>
+            <a:endParaRPr kumimoji="1" lang="ko-Kore-KR" altLang="en-US" sz="1600" dirty="0">
+              <a:solidFill>
+                <a:schemeClr val="tx1"/>
+              </a:solidFill>
+              <a:latin typeface="Calibri" panose="020F0502020204030204" pitchFamily="34" charset="0"/>
+              <a:cs typeface="Calibri" panose="020F0502020204030204" pitchFamily="34" charset="0"/>
+            </a:endParaRPr>
+          </a:p>
+        </p:txBody>
+      </p:sp>
+      <p:sp>
+        <p:nvSpPr>
+          <p:cNvPr id="8" name="모서리가 둥근 직사각형 7">
+            <a:extLst>
+              <a:ext uri="{FF2B5EF4-FFF2-40B4-BE49-F238E27FC236}">
+                <a16:creationId xmlns:a16="http://schemas.microsoft.com/office/drawing/2014/main" id="{1C5F4AFC-A716-ED2F-CD26-E6F691AD1CB1}"/>
+              </a:ext>
+            </a:extLst>
+          </p:cNvPr>
+          <p:cNvSpPr/>
+          <p:nvPr/>
+        </p:nvSpPr>
+        <p:spPr>
+          <a:xfrm>
+            <a:off x="80386" y="3487251"/>
+            <a:ext cx="1261334" cy="540000"/>
+          </a:xfrm>
+          <a:prstGeom prst="roundRect">
+            <a:avLst/>
+          </a:prstGeom>
+          <a:noFill/>
+          <a:ln w="19050">
+            <a:solidFill>
+              <a:schemeClr val="tx1"/>
+            </a:solidFill>
+          </a:ln>
+        </p:spPr>
+        <p:style>
+          <a:lnRef idx="2">
+            <a:schemeClr val="accent1">
+              <a:shade val="15000"/>
+            </a:schemeClr>
+          </a:lnRef>
+          <a:fillRef idx="1">
+            <a:schemeClr val="accent1"/>
+          </a:fillRef>
+          <a:effectRef idx="0">
+            <a:schemeClr val="accent1"/>
+          </a:effectRef>
+          <a:fontRef idx="minor">
+            <a:schemeClr val="lt1"/>
+          </a:fontRef>
+        </p:style>
+        <p:txBody>
+          <a:bodyPr rtlCol="0" anchor="ctr"/>
+          <a:lstStyle/>
+          <a:p>
+            <a:pPr algn="ctr"/>
+            <a:r>
+              <a:rPr kumimoji="1" lang="en-US" altLang="ko-Kore-KR" sz="1600" dirty="0">
+                <a:solidFill>
+                  <a:schemeClr val="tx1"/>
+                </a:solidFill>
+                <a:latin typeface="Calibri" panose="020F0502020204030204" pitchFamily="34" charset="0"/>
+                <a:ea typeface="Helvetica Neue" panose="02000503000000020004" pitchFamily="2" charset="0"/>
+                <a:cs typeface="Calibri" panose="020F0502020204030204" pitchFamily="34" charset="0"/>
+              </a:rPr>
+              <a:t>Collect Coal</a:t>
+            </a:r>
+            <a:endParaRPr kumimoji="1" lang="ko-Kore-KR" altLang="en-US" sz="1600" dirty="0">
+              <a:solidFill>
+                <a:schemeClr val="tx1"/>
+              </a:solidFill>
+              <a:latin typeface="Calibri" panose="020F0502020204030204" pitchFamily="34" charset="0"/>
+              <a:cs typeface="Calibri" panose="020F0502020204030204" pitchFamily="34" charset="0"/>
+            </a:endParaRPr>
+          </a:p>
+        </p:txBody>
+      </p:sp>
+      <p:cxnSp>
+        <p:nvCxnSpPr>
+          <p:cNvPr id="9" name="직선 화살표 연결선 8">
+            <a:extLst>
+              <a:ext uri="{FF2B5EF4-FFF2-40B4-BE49-F238E27FC236}">
+                <a16:creationId xmlns:a16="http://schemas.microsoft.com/office/drawing/2014/main" id="{9AAB9382-9FB7-78D5-0D71-0E63CEEA2128}"/>
+              </a:ext>
+            </a:extLst>
+          </p:cNvPr>
+          <p:cNvCxnSpPr>
+            <a:cxnSpLocks/>
+            <a:stCxn id="2" idx="2"/>
+            <a:endCxn id="5" idx="0"/>
+          </p:cNvCxnSpPr>
+          <p:nvPr/>
+        </p:nvCxnSpPr>
+        <p:spPr>
+          <a:xfrm>
+            <a:off x="711053" y="2519865"/>
+            <a:ext cx="0" cy="213693"/>
+          </a:xfrm>
+          <a:prstGeom prst="straightConnector1">
+            <a:avLst/>
+          </a:prstGeom>
+          <a:ln w="28575">
+            <a:solidFill>
+              <a:schemeClr val="tx1"/>
+            </a:solidFill>
+            <a:tailEnd type="triangle"/>
+          </a:ln>
+        </p:spPr>
+        <p:style>
+          <a:lnRef idx="1">
+            <a:schemeClr val="accent1"/>
+          </a:lnRef>
+          <a:fillRef idx="0">
+            <a:schemeClr val="accent1"/>
+          </a:fillRef>
+          <a:effectRef idx="0">
+            <a:schemeClr val="accent1"/>
+          </a:effectRef>
+          <a:fontRef idx="minor">
+            <a:schemeClr val="tx1"/>
+          </a:fontRef>
+        </p:style>
+      </p:cxnSp>
+      <p:cxnSp>
+        <p:nvCxnSpPr>
+          <p:cNvPr id="13" name="직선 화살표 연결선 12">
+            <a:extLst>
+              <a:ext uri="{FF2B5EF4-FFF2-40B4-BE49-F238E27FC236}">
+                <a16:creationId xmlns:a16="http://schemas.microsoft.com/office/drawing/2014/main" id="{CA2E7D63-EDFC-E068-8C99-A63281B4FF67}"/>
+              </a:ext>
+            </a:extLst>
+          </p:cNvPr>
+          <p:cNvCxnSpPr>
+            <a:cxnSpLocks/>
+            <a:stCxn id="5" idx="2"/>
+            <a:endCxn id="8" idx="0"/>
+          </p:cNvCxnSpPr>
+          <p:nvPr/>
+        </p:nvCxnSpPr>
+        <p:spPr>
+          <a:xfrm>
+            <a:off x="711053" y="3273558"/>
+            <a:ext cx="0" cy="213693"/>
+          </a:xfrm>
+          <a:prstGeom prst="straightConnector1">
+            <a:avLst/>
+          </a:prstGeom>
+          <a:ln w="28575">
+            <a:solidFill>
+              <a:schemeClr val="tx1"/>
+            </a:solidFill>
+            <a:tailEnd type="triangle"/>
+          </a:ln>
+        </p:spPr>
+        <p:style>
+          <a:lnRef idx="1">
+            <a:schemeClr val="accent1"/>
+          </a:lnRef>
+          <a:fillRef idx="0">
+            <a:schemeClr val="accent1"/>
+          </a:fillRef>
+          <a:effectRef idx="0">
+            <a:schemeClr val="accent1"/>
+          </a:effectRef>
+          <a:fontRef idx="minor">
+            <a:schemeClr val="tx1"/>
+          </a:fontRef>
+        </p:style>
+      </p:cxnSp>
+      <p:sp>
+        <p:nvSpPr>
+          <p:cNvPr id="14" name="원통[C] 13">
+            <a:extLst>
+              <a:ext uri="{FF2B5EF4-FFF2-40B4-BE49-F238E27FC236}">
+                <a16:creationId xmlns:a16="http://schemas.microsoft.com/office/drawing/2014/main" id="{15A9F282-A80A-A099-64A4-4382A8F7B343}"/>
               </a:ext>
             </a:extLst>
           </p:cNvPr>
@@ -25345,7 +26151,11 @@
             <a:avLst/>
           </a:prstGeom>
           <a:noFill/>
-          <a:ln w="28575"/>
+          <a:ln w="19050">
+            <a:solidFill>
+              <a:schemeClr val="tx1"/>
+            </a:solidFill>
+          </a:ln>
         </p:spPr>
         <p:style>
           <a:lnRef idx="2">
@@ -25385,114 +26195,6 @@
               <a:latin typeface="Calibri" panose="020F0502020204030204" pitchFamily="34" charset="0"/>
               <a:cs typeface="Calibri" panose="020F0502020204030204" pitchFamily="34" charset="0"/>
             </a:endParaRPr>
-          </a:p>
-        </p:txBody>
-      </p:sp>
-      <p:sp>
-        <p:nvSpPr>
-          <p:cNvPr id="10" name="오른쪽 화살표[R] 9">
-            <a:extLst>
-              <a:ext uri="{FF2B5EF4-FFF2-40B4-BE49-F238E27FC236}">
-                <a16:creationId xmlns:a16="http://schemas.microsoft.com/office/drawing/2014/main" id="{DBB656F5-15D6-DF13-0AFA-A30899A662AD}"/>
-              </a:ext>
-            </a:extLst>
-          </p:cNvPr>
-          <p:cNvSpPr/>
-          <p:nvPr/>
-        </p:nvSpPr>
-        <p:spPr>
-          <a:xfrm>
-            <a:off x="1518117" y="814258"/>
-            <a:ext cx="301558" cy="312821"/>
-          </a:xfrm>
-          <a:prstGeom prst="rightArrow">
-            <a:avLst/>
-          </a:prstGeom>
-          <a:solidFill>
-            <a:schemeClr val="tx1"/>
-          </a:solidFill>
-          <a:ln>
-            <a:solidFill>
-              <a:schemeClr val="tx1"/>
-            </a:solidFill>
-          </a:ln>
-        </p:spPr>
-        <p:style>
-          <a:lnRef idx="2">
-            <a:schemeClr val="accent1">
-              <a:shade val="15000"/>
-            </a:schemeClr>
-          </a:lnRef>
-          <a:fillRef idx="1">
-            <a:schemeClr val="accent1"/>
-          </a:fillRef>
-          <a:effectRef idx="0">
-            <a:schemeClr val="accent1"/>
-          </a:effectRef>
-          <a:fontRef idx="minor">
-            <a:schemeClr val="lt1"/>
-          </a:fontRef>
-        </p:style>
-        <p:txBody>
-          <a:bodyPr rtlCol="0" anchor="ctr"/>
-          <a:lstStyle/>
-          <a:p>
-            <a:pPr algn="ctr"/>
-            <a:endParaRPr kumimoji="1" lang="ko-Kore-KR" altLang="en-US"/>
-          </a:p>
-        </p:txBody>
-      </p:sp>
-      <p:sp>
-        <p:nvSpPr>
-          <p:cNvPr id="11" name="오른쪽 화살표[R] 10">
-            <a:extLst>
-              <a:ext uri="{FF2B5EF4-FFF2-40B4-BE49-F238E27FC236}">
-                <a16:creationId xmlns:a16="http://schemas.microsoft.com/office/drawing/2014/main" id="{1912137A-4FCC-9FB1-D73B-F498F743F6FF}"/>
-              </a:ext>
-            </a:extLst>
-          </p:cNvPr>
-          <p:cNvSpPr/>
-          <p:nvPr/>
-        </p:nvSpPr>
-        <p:spPr>
-          <a:xfrm rot="5400000">
-            <a:off x="814279" y="1501959"/>
-            <a:ext cx="301558" cy="312821"/>
-          </a:xfrm>
-          <a:prstGeom prst="rightArrow">
-            <a:avLst/>
-          </a:prstGeom>
-          <a:solidFill>
-            <a:schemeClr val="tx1"/>
-          </a:solidFill>
-          <a:ln>
-            <a:solidFill>
-              <a:schemeClr val="tx1"/>
-            </a:solidFill>
-          </a:ln>
-        </p:spPr>
-        <p:style>
-          <a:lnRef idx="2">
-            <a:schemeClr val="accent1">
-              <a:shade val="15000"/>
-            </a:schemeClr>
-          </a:lnRef>
-          <a:fillRef idx="1">
-            <a:schemeClr val="accent1"/>
-          </a:fillRef>
-          <a:effectRef idx="0">
-            <a:schemeClr val="accent1"/>
-          </a:effectRef>
-          <a:fontRef idx="minor">
-            <a:schemeClr val="lt1"/>
-          </a:fontRef>
-        </p:style>
-        <p:txBody>
-          <a:bodyPr rtlCol="0" anchor="ctr"/>
-          <a:lstStyle/>
-          <a:p>
-            <a:pPr algn="ctr"/>
-            <a:endParaRPr kumimoji="1" lang="ko-Kore-KR" altLang="en-US"/>
           </a:p>
         </p:txBody>
       </p:sp>
@@ -25547,7 +26249,7 @@
             <a:avLst/>
           </a:prstGeom>
           <a:noFill/>
-          <a:ln w="28575">
+          <a:ln w="19050">
             <a:solidFill>
               <a:schemeClr val="tx1"/>
             </a:solidFill>
@@ -25706,7 +26408,7 @@
             <a:avLst/>
           </a:prstGeom>
           <a:noFill/>
-          <a:ln w="28575">
+          <a:ln w="19050">
             <a:solidFill>
               <a:schemeClr val="tx1"/>
             </a:solidFill>
@@ -25775,7 +26477,7 @@
             <a:avLst/>
           </a:prstGeom>
           <a:noFill/>
-          <a:ln w="28575">
+          <a:ln w="19050">
             <a:solidFill>
               <a:schemeClr val="tx1"/>
             </a:solidFill>
@@ -25940,7 +26642,7 @@
           <a:solidFill>
             <a:srgbClr val="4472C4"/>
           </a:solidFill>
-          <a:ln w="28575"/>
+          <a:ln w="19050"/>
         </p:spPr>
         <p:style>
           <a:lnRef idx="2">
@@ -26039,7 +26741,7 @@
             <a:avLst/>
           </a:prstGeom>
           <a:noFill/>
-          <a:ln w="28575"/>
+          <a:ln w="19050"/>
         </p:spPr>
         <p:style>
           <a:lnRef idx="2">
@@ -26092,7 +26794,7 @@
             <a:avLst/>
           </a:prstGeom>
           <a:noFill/>
-          <a:ln w="28575"/>
+          <a:ln w="19050"/>
         </p:spPr>
         <p:style>
           <a:lnRef idx="2">
@@ -26228,144 +26930,6 @@
           </a:prstGeom>
         </p:spPr>
       </p:pic>
-      <p:sp>
-        <p:nvSpPr>
-          <p:cNvPr id="65" name="모서리가 둥근 직사각형 64">
-            <a:extLst>
-              <a:ext uri="{FF2B5EF4-FFF2-40B4-BE49-F238E27FC236}">
-                <a16:creationId xmlns:a16="http://schemas.microsoft.com/office/drawing/2014/main" id="{7D353C56-AEC8-4FB3-8D3F-EEB0E00C6DE7}"/>
-              </a:ext>
-            </a:extLst>
-          </p:cNvPr>
-          <p:cNvSpPr/>
-          <p:nvPr/>
-        </p:nvSpPr>
-        <p:spPr>
-          <a:xfrm>
-            <a:off x="80386" y="1979865"/>
-            <a:ext cx="1261334" cy="540000"/>
-          </a:xfrm>
-          <a:prstGeom prst="roundRect">
-            <a:avLst/>
-          </a:prstGeom>
-          <a:noFill/>
-          <a:ln w="28575">
-            <a:solidFill>
-              <a:schemeClr val="tx1"/>
-            </a:solidFill>
-          </a:ln>
-        </p:spPr>
-        <p:style>
-          <a:lnRef idx="2">
-            <a:schemeClr val="accent1">
-              <a:shade val="15000"/>
-            </a:schemeClr>
-          </a:lnRef>
-          <a:fillRef idx="1">
-            <a:schemeClr val="accent1"/>
-          </a:fillRef>
-          <a:effectRef idx="0">
-            <a:schemeClr val="accent1"/>
-          </a:effectRef>
-          <a:fontRef idx="minor">
-            <a:schemeClr val="lt1"/>
-          </a:fontRef>
-        </p:style>
-        <p:txBody>
-          <a:bodyPr rtlCol="0" anchor="ctr"/>
-          <a:lstStyle/>
-          <a:p>
-            <a:pPr algn="ctr"/>
-            <a:r>
-              <a:rPr kumimoji="1" lang="en-US" altLang="ko-Kore-KR" sz="1600" dirty="0">
-                <a:solidFill>
-                  <a:schemeClr val="tx1"/>
-                </a:solidFill>
-                <a:latin typeface="Calibri" panose="020F0502020204030204" pitchFamily="34" charset="0"/>
-                <a:ea typeface="Helvetica Neue" panose="02000503000000020004" pitchFamily="2" charset="0"/>
-                <a:cs typeface="Calibri" panose="020F0502020204030204" pitchFamily="34" charset="0"/>
-              </a:rPr>
-              <a:t>Collect Stone</a:t>
-            </a:r>
-            <a:endParaRPr kumimoji="1" lang="ko-Kore-KR" altLang="en-US" sz="1600" dirty="0">
-              <a:solidFill>
-                <a:schemeClr val="tx1"/>
-              </a:solidFill>
-              <a:latin typeface="Calibri" panose="020F0502020204030204" pitchFamily="34" charset="0"/>
-              <a:cs typeface="Calibri" panose="020F0502020204030204" pitchFamily="34" charset="0"/>
-            </a:endParaRPr>
-          </a:p>
-        </p:txBody>
-      </p:sp>
-      <p:sp>
-        <p:nvSpPr>
-          <p:cNvPr id="66" name="모서리가 둥근 직사각형 65">
-            <a:extLst>
-              <a:ext uri="{FF2B5EF4-FFF2-40B4-BE49-F238E27FC236}">
-                <a16:creationId xmlns:a16="http://schemas.microsoft.com/office/drawing/2014/main" id="{4718F0BE-7076-7CA8-CFB7-59E0131E6D6D}"/>
-              </a:ext>
-            </a:extLst>
-          </p:cNvPr>
-          <p:cNvSpPr/>
-          <p:nvPr/>
-        </p:nvSpPr>
-        <p:spPr>
-          <a:xfrm>
-            <a:off x="80386" y="2733558"/>
-            <a:ext cx="1261334" cy="540000"/>
-          </a:xfrm>
-          <a:prstGeom prst="roundRect">
-            <a:avLst/>
-          </a:prstGeom>
-          <a:noFill/>
-          <a:ln w="28575">
-            <a:solidFill>
-              <a:schemeClr val="tx1"/>
-            </a:solidFill>
-          </a:ln>
-        </p:spPr>
-        <p:style>
-          <a:lnRef idx="2">
-            <a:schemeClr val="accent1">
-              <a:shade val="15000"/>
-            </a:schemeClr>
-          </a:lnRef>
-          <a:fillRef idx="1">
-            <a:schemeClr val="accent1"/>
-          </a:fillRef>
-          <a:effectRef idx="0">
-            <a:schemeClr val="accent1"/>
-          </a:effectRef>
-          <a:fontRef idx="minor">
-            <a:schemeClr val="lt1"/>
-          </a:fontRef>
-        </p:style>
-        <p:txBody>
-          <a:bodyPr rtlCol="0" anchor="ctr"/>
-          <a:lstStyle/>
-          <a:p>
-            <a:pPr algn="ctr"/>
-            <a:r>
-              <a:rPr kumimoji="1" lang="en-US" altLang="ko-Kore-KR" sz="1600" dirty="0">
-                <a:solidFill>
-                  <a:schemeClr val="tx1"/>
-                </a:solidFill>
-                <a:latin typeface="Calibri" panose="020F0502020204030204" pitchFamily="34" charset="0"/>
-                <a:ea typeface="Helvetica Neue" panose="02000503000000020004" pitchFamily="2" charset="0"/>
-                <a:cs typeface="Calibri" panose="020F0502020204030204" pitchFamily="34" charset="0"/>
-              </a:rPr>
-              <a:t>Make Stone Pickaxe</a:t>
-            </a:r>
-            <a:endParaRPr kumimoji="1" lang="ko-Kore-KR" altLang="en-US" sz="1600" dirty="0">
-              <a:solidFill>
-                <a:schemeClr val="tx1"/>
-              </a:solidFill>
-              <a:latin typeface="Calibri" panose="020F0502020204030204" pitchFamily="34" charset="0"/>
-              <a:cs typeface="Calibri" panose="020F0502020204030204" pitchFamily="34" charset="0"/>
-            </a:endParaRPr>
-          </a:p>
-        </p:txBody>
-      </p:sp>
       <p:pic>
         <p:nvPicPr>
           <p:cNvPr id="104" name="그림 103" descr="스크린샷, 만화 영화, 그린, 픽셀이(가) 표시된 사진&#10;&#10;자동 생성된 설명">
@@ -26398,75 +26962,6 @@
       </p:pic>
       <p:sp>
         <p:nvSpPr>
-          <p:cNvPr id="117" name="모서리가 둥근 직사각형 116">
-            <a:extLst>
-              <a:ext uri="{FF2B5EF4-FFF2-40B4-BE49-F238E27FC236}">
-                <a16:creationId xmlns:a16="http://schemas.microsoft.com/office/drawing/2014/main" id="{FC9C7935-D0F1-B6E8-F53E-4C7F2F9CC6F1}"/>
-              </a:ext>
-            </a:extLst>
-          </p:cNvPr>
-          <p:cNvSpPr/>
-          <p:nvPr/>
-        </p:nvSpPr>
-        <p:spPr>
-          <a:xfrm>
-            <a:off x="80386" y="3487251"/>
-            <a:ext cx="1261334" cy="540000"/>
-          </a:xfrm>
-          <a:prstGeom prst="roundRect">
-            <a:avLst/>
-          </a:prstGeom>
-          <a:noFill/>
-          <a:ln w="28575">
-            <a:solidFill>
-              <a:schemeClr val="tx1"/>
-            </a:solidFill>
-          </a:ln>
-        </p:spPr>
-        <p:style>
-          <a:lnRef idx="2">
-            <a:schemeClr val="accent1">
-              <a:shade val="15000"/>
-            </a:schemeClr>
-          </a:lnRef>
-          <a:fillRef idx="1">
-            <a:schemeClr val="accent1"/>
-          </a:fillRef>
-          <a:effectRef idx="0">
-            <a:schemeClr val="accent1"/>
-          </a:effectRef>
-          <a:fontRef idx="minor">
-            <a:schemeClr val="lt1"/>
-          </a:fontRef>
-        </p:style>
-        <p:txBody>
-          <a:bodyPr rtlCol="0" anchor="ctr"/>
-          <a:lstStyle/>
-          <a:p>
-            <a:pPr algn="ctr"/>
-            <a:r>
-              <a:rPr kumimoji="1" lang="en-US" altLang="ko-Kore-KR" sz="1600" dirty="0">
-                <a:solidFill>
-                  <a:schemeClr val="tx1"/>
-                </a:solidFill>
-                <a:latin typeface="Calibri" panose="020F0502020204030204" pitchFamily="34" charset="0"/>
-                <a:ea typeface="Helvetica Neue" panose="02000503000000020004" pitchFamily="2" charset="0"/>
-                <a:cs typeface="Calibri" panose="020F0502020204030204" pitchFamily="34" charset="0"/>
-              </a:rPr>
-              <a:t>Collect Coal</a:t>
-            </a:r>
-            <a:endParaRPr kumimoji="1" lang="ko-Kore-KR" altLang="en-US" sz="1600" dirty="0">
-              <a:solidFill>
-                <a:schemeClr val="tx1"/>
-              </a:solidFill>
-              <a:latin typeface="Calibri" panose="020F0502020204030204" pitchFamily="34" charset="0"/>
-              <a:cs typeface="Calibri" panose="020F0502020204030204" pitchFamily="34" charset="0"/>
-            </a:endParaRPr>
-          </a:p>
-        </p:txBody>
-      </p:sp>
-      <p:sp>
-        <p:nvSpPr>
           <p:cNvPr id="124" name="타원 123">
             <a:extLst>
               <a:ext uri="{FF2B5EF4-FFF2-40B4-BE49-F238E27FC236}">
@@ -26490,7 +26985,7 @@
           <a:solidFill>
             <a:srgbClr val="71AD47"/>
           </a:solidFill>
-          <a:ln w="28575"/>
+          <a:ln w="19050"/>
         </p:spPr>
         <p:style>
           <a:lnRef idx="2">
@@ -26543,7 +27038,7 @@
             <a:avLst/>
           </a:prstGeom>
           <a:noFill/>
-          <a:ln w="28575"/>
+          <a:ln w="19050"/>
         </p:spPr>
         <p:style>
           <a:lnRef idx="2">
@@ -26598,7 +27093,7 @@
           <a:solidFill>
             <a:srgbClr val="ED7D31"/>
           </a:solidFill>
-          <a:ln w="28575"/>
+          <a:ln w="19050"/>
         </p:spPr>
         <p:style>
           <a:lnRef idx="2">
@@ -26741,7 +27236,7 @@
             <a:avLst/>
           </a:prstGeom>
           <a:noFill/>
-          <a:ln w="28575">
+          <a:ln w="19050">
             <a:solidFill>
               <a:schemeClr val="tx1"/>
             </a:solidFill>
@@ -26858,7 +27353,7 @@
             <a:avLst/>
           </a:prstGeom>
           <a:noFill/>
-          <a:ln w="28575"/>
+          <a:ln w="19050"/>
         </p:spPr>
         <p:style>
           <a:lnRef idx="2">
@@ -26976,7 +27471,13 @@
           <p:cNvGraphicFramePr>
             <a:graphicFrameLocks noGrp="1"/>
           </p:cNvGraphicFramePr>
-          <p:nvPr/>
+          <p:nvPr>
+            <p:extLst>
+              <p:ext uri="{D42A27DB-BD31-4B8C-83A1-F6EECF244321}">
+                <p14:modId xmlns:p14="http://schemas.microsoft.com/office/powerpoint/2010/main" val="2725245491"/>
+              </p:ext>
+            </p:extLst>
+          </p:nvPr>
         </p:nvGraphicFramePr>
         <p:xfrm>
           <a:off x="2454204" y="2118152"/>
@@ -27761,10 +28262,417 @@
       </p:sp>
       <p:sp>
         <p:nvSpPr>
-          <p:cNvPr id="6" name="원통[C] 5">
-            <a:extLst>
-              <a:ext uri="{FF2B5EF4-FFF2-40B4-BE49-F238E27FC236}">
-                <a16:creationId xmlns:a16="http://schemas.microsoft.com/office/drawing/2014/main" id="{61EE65C3-E8DA-13E8-70F2-346D33807ABA}"/>
+          <p:cNvPr id="9" name="오른쪽 화살표[R] 8">
+            <a:extLst>
+              <a:ext uri="{FF2B5EF4-FFF2-40B4-BE49-F238E27FC236}">
+                <a16:creationId xmlns:a16="http://schemas.microsoft.com/office/drawing/2014/main" id="{634434EB-F0BE-907A-2085-A99DD048967E}"/>
+              </a:ext>
+            </a:extLst>
+          </p:cNvPr>
+          <p:cNvSpPr/>
+          <p:nvPr/>
+        </p:nvSpPr>
+        <p:spPr>
+          <a:xfrm>
+            <a:off x="1518117" y="814258"/>
+            <a:ext cx="301558" cy="312821"/>
+          </a:xfrm>
+          <a:prstGeom prst="rightArrow">
+            <a:avLst/>
+          </a:prstGeom>
+          <a:solidFill>
+            <a:schemeClr val="tx1"/>
+          </a:solidFill>
+          <a:ln>
+            <a:solidFill>
+              <a:schemeClr val="tx1"/>
+            </a:solidFill>
+          </a:ln>
+        </p:spPr>
+        <p:style>
+          <a:lnRef idx="2">
+            <a:schemeClr val="accent1">
+              <a:shade val="15000"/>
+            </a:schemeClr>
+          </a:lnRef>
+          <a:fillRef idx="1">
+            <a:schemeClr val="accent1"/>
+          </a:fillRef>
+          <a:effectRef idx="0">
+            <a:schemeClr val="accent1"/>
+          </a:effectRef>
+          <a:fontRef idx="minor">
+            <a:schemeClr val="lt1"/>
+          </a:fontRef>
+        </p:style>
+        <p:txBody>
+          <a:bodyPr rtlCol="0" anchor="ctr"/>
+          <a:lstStyle/>
+          <a:p>
+            <a:pPr algn="ctr"/>
+            <a:endParaRPr kumimoji="1" lang="ko-Kore-KR" altLang="en-US"/>
+          </a:p>
+        </p:txBody>
+      </p:sp>
+      <p:sp>
+        <p:nvSpPr>
+          <p:cNvPr id="10" name="오른쪽 화살표[R] 9">
+            <a:extLst>
+              <a:ext uri="{FF2B5EF4-FFF2-40B4-BE49-F238E27FC236}">
+                <a16:creationId xmlns:a16="http://schemas.microsoft.com/office/drawing/2014/main" id="{9E01B5EC-04DE-62BF-749F-7226F9C22694}"/>
+              </a:ext>
+            </a:extLst>
+          </p:cNvPr>
+          <p:cNvSpPr/>
+          <p:nvPr/>
+        </p:nvSpPr>
+        <p:spPr>
+          <a:xfrm rot="5400000">
+            <a:off x="814279" y="1501959"/>
+            <a:ext cx="301558" cy="312821"/>
+          </a:xfrm>
+          <a:prstGeom prst="rightArrow">
+            <a:avLst/>
+          </a:prstGeom>
+          <a:solidFill>
+            <a:schemeClr val="tx1"/>
+          </a:solidFill>
+          <a:ln>
+            <a:solidFill>
+              <a:schemeClr val="tx1"/>
+            </a:solidFill>
+          </a:ln>
+        </p:spPr>
+        <p:style>
+          <a:lnRef idx="2">
+            <a:schemeClr val="accent1">
+              <a:shade val="15000"/>
+            </a:schemeClr>
+          </a:lnRef>
+          <a:fillRef idx="1">
+            <a:schemeClr val="accent1"/>
+          </a:fillRef>
+          <a:effectRef idx="0">
+            <a:schemeClr val="accent1"/>
+          </a:effectRef>
+          <a:fontRef idx="minor">
+            <a:schemeClr val="lt1"/>
+          </a:fontRef>
+        </p:style>
+        <p:txBody>
+          <a:bodyPr rtlCol="0" anchor="ctr"/>
+          <a:lstStyle/>
+          <a:p>
+            <a:pPr algn="ctr"/>
+            <a:endParaRPr kumimoji="1" lang="ko-Kore-KR" altLang="en-US"/>
+          </a:p>
+        </p:txBody>
+      </p:sp>
+      <p:sp>
+        <p:nvSpPr>
+          <p:cNvPr id="2" name="모서리가 둥근 직사각형 1">
+            <a:extLst>
+              <a:ext uri="{FF2B5EF4-FFF2-40B4-BE49-F238E27FC236}">
+                <a16:creationId xmlns:a16="http://schemas.microsoft.com/office/drawing/2014/main" id="{0D569ACB-795B-2C01-4345-DB07883A34FB}"/>
+              </a:ext>
+            </a:extLst>
+          </p:cNvPr>
+          <p:cNvSpPr/>
+          <p:nvPr/>
+        </p:nvSpPr>
+        <p:spPr>
+          <a:xfrm>
+            <a:off x="80386" y="1979865"/>
+            <a:ext cx="1261334" cy="540000"/>
+          </a:xfrm>
+          <a:prstGeom prst="roundRect">
+            <a:avLst/>
+          </a:prstGeom>
+          <a:noFill/>
+          <a:ln w="19050">
+            <a:solidFill>
+              <a:schemeClr val="tx1"/>
+            </a:solidFill>
+          </a:ln>
+        </p:spPr>
+        <p:style>
+          <a:lnRef idx="2">
+            <a:schemeClr val="accent1">
+              <a:shade val="15000"/>
+            </a:schemeClr>
+          </a:lnRef>
+          <a:fillRef idx="1">
+            <a:schemeClr val="accent1"/>
+          </a:fillRef>
+          <a:effectRef idx="0">
+            <a:schemeClr val="accent1"/>
+          </a:effectRef>
+          <a:fontRef idx="minor">
+            <a:schemeClr val="lt1"/>
+          </a:fontRef>
+        </p:style>
+        <p:txBody>
+          <a:bodyPr rtlCol="0" anchor="ctr"/>
+          <a:lstStyle/>
+          <a:p>
+            <a:pPr algn="ctr"/>
+            <a:r>
+              <a:rPr kumimoji="1" lang="en-US" altLang="ko-Kore-KR" sz="1600" dirty="0">
+                <a:solidFill>
+                  <a:schemeClr val="tx1"/>
+                </a:solidFill>
+                <a:latin typeface="Calibri" panose="020F0502020204030204" pitchFamily="34" charset="0"/>
+                <a:ea typeface="Helvetica Neue" panose="02000503000000020004" pitchFamily="2" charset="0"/>
+                <a:cs typeface="Calibri" panose="020F0502020204030204" pitchFamily="34" charset="0"/>
+              </a:rPr>
+              <a:t>Collect Stone</a:t>
+            </a:r>
+            <a:endParaRPr kumimoji="1" lang="ko-Kore-KR" altLang="en-US" sz="1600" dirty="0">
+              <a:solidFill>
+                <a:schemeClr val="tx1"/>
+              </a:solidFill>
+              <a:latin typeface="Calibri" panose="020F0502020204030204" pitchFamily="34" charset="0"/>
+              <a:cs typeface="Calibri" panose="020F0502020204030204" pitchFamily="34" charset="0"/>
+            </a:endParaRPr>
+          </a:p>
+        </p:txBody>
+      </p:sp>
+      <p:sp>
+        <p:nvSpPr>
+          <p:cNvPr id="3" name="모서리가 둥근 직사각형 2">
+            <a:extLst>
+              <a:ext uri="{FF2B5EF4-FFF2-40B4-BE49-F238E27FC236}">
+                <a16:creationId xmlns:a16="http://schemas.microsoft.com/office/drawing/2014/main" id="{0A986C08-09DD-1311-4C96-8C9960CAEA59}"/>
+              </a:ext>
+            </a:extLst>
+          </p:cNvPr>
+          <p:cNvSpPr/>
+          <p:nvPr/>
+        </p:nvSpPr>
+        <p:spPr>
+          <a:xfrm>
+            <a:off x="80386" y="2733558"/>
+            <a:ext cx="1261334" cy="540000"/>
+          </a:xfrm>
+          <a:prstGeom prst="roundRect">
+            <a:avLst/>
+          </a:prstGeom>
+          <a:noFill/>
+          <a:ln w="19050">
+            <a:solidFill>
+              <a:schemeClr val="tx1"/>
+            </a:solidFill>
+          </a:ln>
+        </p:spPr>
+        <p:style>
+          <a:lnRef idx="2">
+            <a:schemeClr val="accent1">
+              <a:shade val="15000"/>
+            </a:schemeClr>
+          </a:lnRef>
+          <a:fillRef idx="1">
+            <a:schemeClr val="accent1"/>
+          </a:fillRef>
+          <a:effectRef idx="0">
+            <a:schemeClr val="accent1"/>
+          </a:effectRef>
+          <a:fontRef idx="minor">
+            <a:schemeClr val="lt1"/>
+          </a:fontRef>
+        </p:style>
+        <p:txBody>
+          <a:bodyPr rtlCol="0" anchor="ctr"/>
+          <a:lstStyle/>
+          <a:p>
+            <a:pPr algn="ctr"/>
+            <a:r>
+              <a:rPr kumimoji="1" lang="en-US" altLang="ko-Kore-KR" sz="1600" dirty="0">
+                <a:solidFill>
+                  <a:schemeClr val="tx1"/>
+                </a:solidFill>
+                <a:latin typeface="Calibri" panose="020F0502020204030204" pitchFamily="34" charset="0"/>
+                <a:ea typeface="Helvetica Neue" panose="02000503000000020004" pitchFamily="2" charset="0"/>
+                <a:cs typeface="Calibri" panose="020F0502020204030204" pitchFamily="34" charset="0"/>
+              </a:rPr>
+              <a:t>Make Stone Pickaxe</a:t>
+            </a:r>
+            <a:endParaRPr kumimoji="1" lang="ko-Kore-KR" altLang="en-US" sz="1600" dirty="0">
+              <a:solidFill>
+                <a:schemeClr val="tx1"/>
+              </a:solidFill>
+              <a:latin typeface="Calibri" panose="020F0502020204030204" pitchFamily="34" charset="0"/>
+              <a:cs typeface="Calibri" panose="020F0502020204030204" pitchFamily="34" charset="0"/>
+            </a:endParaRPr>
+          </a:p>
+        </p:txBody>
+      </p:sp>
+      <p:sp>
+        <p:nvSpPr>
+          <p:cNvPr id="7" name="모서리가 둥근 직사각형 6">
+            <a:extLst>
+              <a:ext uri="{FF2B5EF4-FFF2-40B4-BE49-F238E27FC236}">
+                <a16:creationId xmlns:a16="http://schemas.microsoft.com/office/drawing/2014/main" id="{73EB3EEA-0FE4-EAD8-3F66-EC013F2C0BFC}"/>
+              </a:ext>
+            </a:extLst>
+          </p:cNvPr>
+          <p:cNvSpPr/>
+          <p:nvPr/>
+        </p:nvSpPr>
+        <p:spPr>
+          <a:xfrm>
+            <a:off x="80386" y="3487251"/>
+            <a:ext cx="1261334" cy="540000"/>
+          </a:xfrm>
+          <a:prstGeom prst="roundRect">
+            <a:avLst/>
+          </a:prstGeom>
+          <a:noFill/>
+          <a:ln w="19050">
+            <a:solidFill>
+              <a:schemeClr val="tx1"/>
+            </a:solidFill>
+          </a:ln>
+        </p:spPr>
+        <p:style>
+          <a:lnRef idx="2">
+            <a:schemeClr val="accent1">
+              <a:shade val="15000"/>
+            </a:schemeClr>
+          </a:lnRef>
+          <a:fillRef idx="1">
+            <a:schemeClr val="accent1"/>
+          </a:fillRef>
+          <a:effectRef idx="0">
+            <a:schemeClr val="accent1"/>
+          </a:effectRef>
+          <a:fontRef idx="minor">
+            <a:schemeClr val="lt1"/>
+          </a:fontRef>
+        </p:style>
+        <p:txBody>
+          <a:bodyPr rtlCol="0" anchor="ctr"/>
+          <a:lstStyle/>
+          <a:p>
+            <a:pPr algn="ctr"/>
+            <a:r>
+              <a:rPr kumimoji="1" lang="en-US" altLang="ko-Kore-KR" sz="1600" dirty="0">
+                <a:solidFill>
+                  <a:schemeClr val="tx1"/>
+                </a:solidFill>
+                <a:latin typeface="Calibri" panose="020F0502020204030204" pitchFamily="34" charset="0"/>
+                <a:ea typeface="Helvetica Neue" panose="02000503000000020004" pitchFamily="2" charset="0"/>
+                <a:cs typeface="Calibri" panose="020F0502020204030204" pitchFamily="34" charset="0"/>
+              </a:rPr>
+              <a:t>Collect Coal</a:t>
+            </a:r>
+            <a:endParaRPr kumimoji="1" lang="ko-Kore-KR" altLang="en-US" sz="1600" dirty="0">
+              <a:solidFill>
+                <a:schemeClr val="tx1"/>
+              </a:solidFill>
+              <a:latin typeface="Calibri" panose="020F0502020204030204" pitchFamily="34" charset="0"/>
+              <a:cs typeface="Calibri" panose="020F0502020204030204" pitchFamily="34" charset="0"/>
+            </a:endParaRPr>
+          </a:p>
+        </p:txBody>
+      </p:sp>
+      <p:cxnSp>
+        <p:nvCxnSpPr>
+          <p:cNvPr id="8" name="직선 화살표 연결선 7">
+            <a:extLst>
+              <a:ext uri="{FF2B5EF4-FFF2-40B4-BE49-F238E27FC236}">
+                <a16:creationId xmlns:a16="http://schemas.microsoft.com/office/drawing/2014/main" id="{24926B76-A19F-169B-F309-A21DF2252959}"/>
+              </a:ext>
+            </a:extLst>
+          </p:cNvPr>
+          <p:cNvCxnSpPr>
+            <a:cxnSpLocks/>
+            <a:stCxn id="2" idx="2"/>
+            <a:endCxn id="3" idx="0"/>
+          </p:cNvCxnSpPr>
+          <p:nvPr/>
+        </p:nvCxnSpPr>
+        <p:spPr>
+          <a:xfrm>
+            <a:off x="711053" y="2519865"/>
+            <a:ext cx="0" cy="213693"/>
+          </a:xfrm>
+          <a:prstGeom prst="straightConnector1">
+            <a:avLst/>
+          </a:prstGeom>
+          <a:ln w="28575">
+            <a:solidFill>
+              <a:schemeClr val="tx1"/>
+            </a:solidFill>
+            <a:tailEnd type="triangle"/>
+          </a:ln>
+        </p:spPr>
+        <p:style>
+          <a:lnRef idx="1">
+            <a:schemeClr val="accent1"/>
+          </a:lnRef>
+          <a:fillRef idx="0">
+            <a:schemeClr val="accent1"/>
+          </a:fillRef>
+          <a:effectRef idx="0">
+            <a:schemeClr val="accent1"/>
+          </a:effectRef>
+          <a:fontRef idx="minor">
+            <a:schemeClr val="tx1"/>
+          </a:fontRef>
+        </p:style>
+      </p:cxnSp>
+      <p:cxnSp>
+        <p:nvCxnSpPr>
+          <p:cNvPr id="11" name="직선 화살표 연결선 10">
+            <a:extLst>
+              <a:ext uri="{FF2B5EF4-FFF2-40B4-BE49-F238E27FC236}">
+                <a16:creationId xmlns:a16="http://schemas.microsoft.com/office/drawing/2014/main" id="{C9936975-BFC7-E1C7-6E27-6BF1AC2597F5}"/>
+              </a:ext>
+            </a:extLst>
+          </p:cNvPr>
+          <p:cNvCxnSpPr>
+            <a:cxnSpLocks/>
+            <a:stCxn id="3" idx="2"/>
+            <a:endCxn id="7" idx="0"/>
+          </p:cNvCxnSpPr>
+          <p:nvPr/>
+        </p:nvCxnSpPr>
+        <p:spPr>
+          <a:xfrm>
+            <a:off x="711053" y="3273558"/>
+            <a:ext cx="0" cy="213693"/>
+          </a:xfrm>
+          <a:prstGeom prst="straightConnector1">
+            <a:avLst/>
+          </a:prstGeom>
+          <a:ln w="28575">
+            <a:solidFill>
+              <a:schemeClr val="tx1"/>
+            </a:solidFill>
+            <a:tailEnd type="triangle"/>
+          </a:ln>
+        </p:spPr>
+        <p:style>
+          <a:lnRef idx="1">
+            <a:schemeClr val="accent1"/>
+          </a:lnRef>
+          <a:fillRef idx="0">
+            <a:schemeClr val="accent1"/>
+          </a:fillRef>
+          <a:effectRef idx="0">
+            <a:schemeClr val="accent1"/>
+          </a:effectRef>
+          <a:fontRef idx="minor">
+            <a:schemeClr val="tx1"/>
+          </a:fontRef>
+        </p:style>
+      </p:cxnSp>
+      <p:sp>
+        <p:nvSpPr>
+          <p:cNvPr id="13" name="원통[C] 12">
+            <a:extLst>
+              <a:ext uri="{FF2B5EF4-FFF2-40B4-BE49-F238E27FC236}">
+                <a16:creationId xmlns:a16="http://schemas.microsoft.com/office/drawing/2014/main" id="{BE8D7CA0-CDA2-B029-FECF-A6B8F4335131}"/>
               </a:ext>
             </a:extLst>
           </p:cNvPr>
@@ -27780,7 +28688,11 @@
             <a:avLst/>
           </a:prstGeom>
           <a:noFill/>
-          <a:ln w="28575"/>
+          <a:ln w="19050">
+            <a:solidFill>
+              <a:schemeClr val="tx1"/>
+            </a:solidFill>
+          </a:ln>
         </p:spPr>
         <p:style>
           <a:lnRef idx="2">
@@ -27820,114 +28732,6 @@
               <a:latin typeface="Calibri" panose="020F0502020204030204" pitchFamily="34" charset="0"/>
               <a:cs typeface="Calibri" panose="020F0502020204030204" pitchFamily="34" charset="0"/>
             </a:endParaRPr>
-          </a:p>
-        </p:txBody>
-      </p:sp>
-      <p:sp>
-        <p:nvSpPr>
-          <p:cNvPr id="9" name="오른쪽 화살표[R] 8">
-            <a:extLst>
-              <a:ext uri="{FF2B5EF4-FFF2-40B4-BE49-F238E27FC236}">
-                <a16:creationId xmlns:a16="http://schemas.microsoft.com/office/drawing/2014/main" id="{634434EB-F0BE-907A-2085-A99DD048967E}"/>
-              </a:ext>
-            </a:extLst>
-          </p:cNvPr>
-          <p:cNvSpPr/>
-          <p:nvPr/>
-        </p:nvSpPr>
-        <p:spPr>
-          <a:xfrm>
-            <a:off x="1518117" y="814258"/>
-            <a:ext cx="301558" cy="312821"/>
-          </a:xfrm>
-          <a:prstGeom prst="rightArrow">
-            <a:avLst/>
-          </a:prstGeom>
-          <a:solidFill>
-            <a:schemeClr val="tx1"/>
-          </a:solidFill>
-          <a:ln>
-            <a:solidFill>
-              <a:schemeClr val="tx1"/>
-            </a:solidFill>
-          </a:ln>
-        </p:spPr>
-        <p:style>
-          <a:lnRef idx="2">
-            <a:schemeClr val="accent1">
-              <a:shade val="15000"/>
-            </a:schemeClr>
-          </a:lnRef>
-          <a:fillRef idx="1">
-            <a:schemeClr val="accent1"/>
-          </a:fillRef>
-          <a:effectRef idx="0">
-            <a:schemeClr val="accent1"/>
-          </a:effectRef>
-          <a:fontRef idx="minor">
-            <a:schemeClr val="lt1"/>
-          </a:fontRef>
-        </p:style>
-        <p:txBody>
-          <a:bodyPr rtlCol="0" anchor="ctr"/>
-          <a:lstStyle/>
-          <a:p>
-            <a:pPr algn="ctr"/>
-            <a:endParaRPr kumimoji="1" lang="ko-Kore-KR" altLang="en-US"/>
-          </a:p>
-        </p:txBody>
-      </p:sp>
-      <p:sp>
-        <p:nvSpPr>
-          <p:cNvPr id="10" name="오른쪽 화살표[R] 9">
-            <a:extLst>
-              <a:ext uri="{FF2B5EF4-FFF2-40B4-BE49-F238E27FC236}">
-                <a16:creationId xmlns:a16="http://schemas.microsoft.com/office/drawing/2014/main" id="{9E01B5EC-04DE-62BF-749F-7226F9C22694}"/>
-              </a:ext>
-            </a:extLst>
-          </p:cNvPr>
-          <p:cNvSpPr/>
-          <p:nvPr/>
-        </p:nvSpPr>
-        <p:spPr>
-          <a:xfrm rot="5400000">
-            <a:off x="814279" y="1501959"/>
-            <a:ext cx="301558" cy="312821"/>
-          </a:xfrm>
-          <a:prstGeom prst="rightArrow">
-            <a:avLst/>
-          </a:prstGeom>
-          <a:solidFill>
-            <a:schemeClr val="tx1"/>
-          </a:solidFill>
-          <a:ln>
-            <a:solidFill>
-              <a:schemeClr val="tx1"/>
-            </a:solidFill>
-          </a:ln>
-        </p:spPr>
-        <p:style>
-          <a:lnRef idx="2">
-            <a:schemeClr val="accent1">
-              <a:shade val="15000"/>
-            </a:schemeClr>
-          </a:lnRef>
-          <a:fillRef idx="1">
-            <a:schemeClr val="accent1"/>
-          </a:fillRef>
-          <a:effectRef idx="0">
-            <a:schemeClr val="accent1"/>
-          </a:effectRef>
-          <a:fontRef idx="minor">
-            <a:schemeClr val="lt1"/>
-          </a:fontRef>
-        </p:style>
-        <p:txBody>
-          <a:bodyPr rtlCol="0" anchor="ctr"/>
-          <a:lstStyle/>
-          <a:p>
-            <a:pPr algn="ctr"/>
-            <a:endParaRPr kumimoji="1" lang="ko-Kore-KR" altLang="en-US"/>
           </a:p>
         </p:txBody>
       </p:sp>

--- a/images/moon23neurips.pptx
+++ b/images/moon23neurips.pptx
@@ -6591,7 +6591,7 @@
           <a:prstGeom prst="straightConnector1">
             <a:avLst/>
           </a:prstGeom>
-          <a:ln w="28575">
+          <a:ln w="19050">
             <a:solidFill>
               <a:schemeClr val="tx1"/>
             </a:solidFill>
@@ -6708,7 +6708,7 @@
           <a:prstGeom prst="straightConnector1">
             <a:avLst/>
           </a:prstGeom>
-          <a:ln w="28575">
+          <a:ln w="19050">
             <a:solidFill>
               <a:schemeClr val="tx1"/>
             </a:solidFill>
@@ -6754,7 +6754,7 @@
           <a:prstGeom prst="straightConnector1">
             <a:avLst/>
           </a:prstGeom>
-          <a:ln w="28575">
+          <a:ln w="19050">
             <a:solidFill>
               <a:schemeClr val="tx1"/>
             </a:solidFill>
@@ -6800,7 +6800,7 @@
           <a:prstGeom prst="straightConnector1">
             <a:avLst/>
           </a:prstGeom>
-          <a:ln w="28575">
+          <a:ln w="19050">
             <a:solidFill>
               <a:schemeClr val="tx1"/>
             </a:solidFill>
@@ -6917,7 +6917,7 @@
           <a:prstGeom prst="straightConnector1">
             <a:avLst/>
           </a:prstGeom>
-          <a:ln w="28575">
+          <a:ln w="19050">
             <a:solidFill>
               <a:schemeClr val="tx1"/>
             </a:solidFill>
@@ -7064,7 +7064,7 @@
           <a:prstGeom prst="straightConnector1">
             <a:avLst/>
           </a:prstGeom>
-          <a:ln w="28575">
+          <a:ln w="19050">
             <a:solidFill>
               <a:schemeClr val="tx1"/>
             </a:solidFill>
@@ -7639,7 +7639,7 @@
           <a:prstGeom prst="straightConnector1">
             <a:avLst/>
           </a:prstGeom>
-          <a:ln w="28575">
+          <a:ln w="19050">
             <a:solidFill>
               <a:schemeClr val="tx1"/>
             </a:solidFill>
@@ -7685,7 +7685,7 @@
           <a:prstGeom prst="straightConnector1">
             <a:avLst/>
           </a:prstGeom>
-          <a:ln w="28575">
+          <a:ln w="19050">
             <a:solidFill>
               <a:schemeClr val="tx1"/>
             </a:solidFill>
@@ -7786,7 +7786,7 @@
           <a:prstGeom prst="straightConnector1">
             <a:avLst/>
           </a:prstGeom>
-          <a:ln w="28575">
+          <a:ln w="19050">
             <a:solidFill>
               <a:schemeClr val="tx1"/>
             </a:solidFill>
@@ -7938,7 +7938,7 @@
           <a:prstGeom prst="straightConnector1">
             <a:avLst/>
           </a:prstGeom>
-          <a:ln w="28575">
+          <a:ln w="19050">
             <a:solidFill>
               <a:schemeClr val="tx1"/>
             </a:solidFill>
@@ -8237,7 +8237,7 @@
           <a:prstGeom prst="straightConnector1">
             <a:avLst/>
           </a:prstGeom>
-          <a:ln w="28575">
+          <a:ln w="19050">
             <a:solidFill>
               <a:schemeClr val="tx1"/>
             </a:solidFill>
@@ -8283,7 +8283,7 @@
           <a:prstGeom prst="straightConnector1">
             <a:avLst/>
           </a:prstGeom>
-          <a:ln w="28575">
+          <a:ln w="19050">
             <a:solidFill>
               <a:schemeClr val="tx1"/>
             </a:solidFill>
@@ -8398,7 +8398,7 @@
           <a:prstGeom prst="straightConnector1">
             <a:avLst/>
           </a:prstGeom>
-          <a:ln w="28575">
+          <a:ln w="19050">
             <a:solidFill>
               <a:schemeClr val="tx1"/>
             </a:solidFill>
@@ -8497,7 +8497,7 @@
           <a:prstGeom prst="straightConnector1">
             <a:avLst/>
           </a:prstGeom>
-          <a:ln w="28575">
+          <a:ln w="19050">
             <a:solidFill>
               <a:schemeClr val="tx1"/>
             </a:solidFill>
@@ -8786,7 +8786,7 @@
           <a:prstGeom prst="straightConnector1">
             <a:avLst/>
           </a:prstGeom>
-          <a:ln w="28575">
+          <a:ln w="19050">
             <a:solidFill>
               <a:schemeClr val="tx1"/>
             </a:solidFill>
@@ -8833,7 +8833,7 @@
           <a:prstGeom prst="straightConnector1">
             <a:avLst/>
           </a:prstGeom>
-          <a:ln w="28575">
+          <a:ln w="19050">
             <a:solidFill>
               <a:schemeClr val="tx1"/>
             </a:solidFill>
@@ -9464,7 +9464,7 @@
           <a:prstGeom prst="straightConnector1">
             <a:avLst/>
           </a:prstGeom>
-          <a:ln w="28575">
+          <a:ln w="19050">
             <a:solidFill>
               <a:schemeClr val="tx1"/>
             </a:solidFill>
@@ -9510,7 +9510,7 @@
           <a:prstGeom prst="straightConnector1">
             <a:avLst/>
           </a:prstGeom>
-          <a:ln w="28575">
+          <a:ln w="19050">
             <a:solidFill>
               <a:schemeClr val="tx1"/>
             </a:solidFill>
@@ -9951,7 +9951,7 @@
           <a:prstGeom prst="straightConnector1">
             <a:avLst/>
           </a:prstGeom>
-          <a:ln w="28575">
+          <a:ln w="19050">
             <a:solidFill>
               <a:schemeClr val="tx1"/>
             </a:solidFill>
@@ -9997,7 +9997,7 @@
           <a:prstGeom prst="straightConnector1">
             <a:avLst/>
           </a:prstGeom>
-          <a:ln w="28575">
+          <a:ln w="19050">
             <a:solidFill>
               <a:schemeClr val="tx1"/>
             </a:solidFill>
@@ -10098,7 +10098,7 @@
           <a:prstGeom prst="straightConnector1">
             <a:avLst/>
           </a:prstGeom>
-          <a:ln w="28575">
+          <a:ln w="19050">
             <a:solidFill>
               <a:schemeClr val="tx1"/>
             </a:solidFill>
@@ -10250,7 +10250,7 @@
           <a:prstGeom prst="straightConnector1">
             <a:avLst/>
           </a:prstGeom>
-          <a:ln w="28575">
+          <a:ln w="19050">
             <a:solidFill>
               <a:schemeClr val="tx1"/>
             </a:solidFill>
@@ -10549,7 +10549,7 @@
           <a:prstGeom prst="straightConnector1">
             <a:avLst/>
           </a:prstGeom>
-          <a:ln w="28575">
+          <a:ln w="19050">
             <a:solidFill>
               <a:schemeClr val="tx1"/>
             </a:solidFill>
@@ -10595,7 +10595,7 @@
           <a:prstGeom prst="straightConnector1">
             <a:avLst/>
           </a:prstGeom>
-          <a:ln w="28575">
+          <a:ln w="19050">
             <a:solidFill>
               <a:schemeClr val="tx1"/>
             </a:solidFill>
@@ -10710,7 +10710,7 @@
           <a:prstGeom prst="straightConnector1">
             <a:avLst/>
           </a:prstGeom>
-          <a:ln w="28575">
+          <a:ln w="19050">
             <a:solidFill>
               <a:schemeClr val="tx1"/>
             </a:solidFill>
@@ -10809,7 +10809,7 @@
           <a:prstGeom prst="straightConnector1">
             <a:avLst/>
           </a:prstGeom>
-          <a:ln w="28575">
+          <a:ln w="19050">
             <a:solidFill>
               <a:schemeClr val="tx1"/>
             </a:solidFill>
@@ -11844,7 +11844,7 @@
           <a:prstGeom prst="straightConnector1">
             <a:avLst/>
           </a:prstGeom>
-          <a:ln w="28575">
+          <a:ln w="19050">
             <a:solidFill>
               <a:schemeClr val="tx1"/>
             </a:solidFill>
@@ -11890,7 +11890,7 @@
           <a:prstGeom prst="straightConnector1">
             <a:avLst/>
           </a:prstGeom>
-          <a:ln w="28575">
+          <a:ln w="19050">
             <a:solidFill>
               <a:schemeClr val="tx1"/>
             </a:solidFill>
@@ -12327,7 +12327,7 @@
           <a:prstGeom prst="straightConnector1">
             <a:avLst/>
           </a:prstGeom>
-          <a:ln w="28575">
+          <a:ln w="19050">
             <a:solidFill>
               <a:schemeClr val="tx1"/>
             </a:solidFill>
@@ -12444,7 +12444,7 @@
           <a:prstGeom prst="straightConnector1">
             <a:avLst/>
           </a:prstGeom>
-          <a:ln w="28575">
+          <a:ln w="19050">
             <a:solidFill>
               <a:schemeClr val="tx1"/>
             </a:solidFill>
@@ -12490,7 +12490,7 @@
           <a:prstGeom prst="straightConnector1">
             <a:avLst/>
           </a:prstGeom>
-          <a:ln w="28575">
+          <a:ln w="19050">
             <a:solidFill>
               <a:schemeClr val="tx1"/>
             </a:solidFill>
@@ -12536,7 +12536,7 @@
           <a:prstGeom prst="straightConnector1">
             <a:avLst/>
           </a:prstGeom>
-          <a:ln w="28575">
+          <a:ln w="19050">
             <a:solidFill>
               <a:schemeClr val="tx1"/>
             </a:solidFill>
@@ -12653,7 +12653,7 @@
           <a:prstGeom prst="straightConnector1">
             <a:avLst/>
           </a:prstGeom>
-          <a:ln w="28575">
+          <a:ln w="19050">
             <a:solidFill>
               <a:schemeClr val="tx1"/>
             </a:solidFill>
@@ -12800,7 +12800,7 @@
           <a:prstGeom prst="straightConnector1">
             <a:avLst/>
           </a:prstGeom>
-          <a:ln w="28575">
+          <a:ln w="19050">
             <a:solidFill>
               <a:schemeClr val="tx1"/>
             </a:solidFill>
@@ -13439,7 +13439,7 @@
           <a:prstGeom prst="straightConnector1">
             <a:avLst/>
           </a:prstGeom>
-          <a:ln w="28575">
+          <a:ln w="19050">
             <a:solidFill>
               <a:schemeClr val="tx1"/>
             </a:solidFill>
@@ -13556,7 +13556,7 @@
           <a:prstGeom prst="straightConnector1">
             <a:avLst/>
           </a:prstGeom>
-          <a:ln w="28575">
+          <a:ln w="19050">
             <a:solidFill>
               <a:schemeClr val="tx1"/>
             </a:solidFill>
@@ -13602,7 +13602,7 @@
           <a:prstGeom prst="straightConnector1">
             <a:avLst/>
           </a:prstGeom>
-          <a:ln w="28575">
+          <a:ln w="19050">
             <a:solidFill>
               <a:schemeClr val="tx1"/>
             </a:solidFill>
@@ -13648,7 +13648,7 @@
           <a:prstGeom prst="straightConnector1">
             <a:avLst/>
           </a:prstGeom>
-          <a:ln w="28575">
+          <a:ln w="19050">
             <a:solidFill>
               <a:schemeClr val="tx1"/>
             </a:solidFill>
@@ -13765,7 +13765,7 @@
           <a:prstGeom prst="straightConnector1">
             <a:avLst/>
           </a:prstGeom>
-          <a:ln w="28575">
+          <a:ln w="19050">
             <a:solidFill>
               <a:schemeClr val="tx1"/>
             </a:solidFill>
@@ -13912,7 +13912,7 @@
           <a:prstGeom prst="straightConnector1">
             <a:avLst/>
           </a:prstGeom>
-          <a:ln w="28575">
+          <a:ln w="19050">
             <a:solidFill>
               <a:schemeClr val="tx1"/>
             </a:solidFill>
@@ -14251,7 +14251,7 @@
           <a:prstGeom prst="straightConnector1">
             <a:avLst/>
           </a:prstGeom>
-          <a:ln w="28575">
+          <a:ln w="19050">
             <a:solidFill>
               <a:schemeClr val="tx1"/>
             </a:solidFill>
@@ -14298,7 +14298,7 @@
           <a:prstGeom prst="straightConnector1">
             <a:avLst/>
           </a:prstGeom>
-          <a:ln w="28575">
+          <a:ln w="19050">
             <a:solidFill>
               <a:schemeClr val="tx1"/>
             </a:solidFill>
@@ -15077,7 +15077,7 @@
           <a:prstGeom prst="straightConnector1">
             <a:avLst/>
           </a:prstGeom>
-          <a:ln w="28575">
+          <a:ln w="19050">
             <a:solidFill>
               <a:schemeClr val="tx1"/>
             </a:solidFill>
@@ -15194,7 +15194,7 @@
           <a:prstGeom prst="straightConnector1">
             <a:avLst/>
           </a:prstGeom>
-          <a:ln w="28575">
+          <a:ln w="19050">
             <a:solidFill>
               <a:schemeClr val="tx1"/>
             </a:solidFill>
@@ -15240,7 +15240,7 @@
           <a:prstGeom prst="straightConnector1">
             <a:avLst/>
           </a:prstGeom>
-          <a:ln w="28575">
+          <a:ln w="19050">
             <a:solidFill>
               <a:schemeClr val="tx1"/>
             </a:solidFill>
@@ -15286,7 +15286,7 @@
           <a:prstGeom prst="straightConnector1">
             <a:avLst/>
           </a:prstGeom>
-          <a:ln w="28575">
+          <a:ln w="19050">
             <a:solidFill>
               <a:schemeClr val="tx1"/>
             </a:solidFill>
@@ -15403,7 +15403,7 @@
           <a:prstGeom prst="straightConnector1">
             <a:avLst/>
           </a:prstGeom>
-          <a:ln w="28575">
+          <a:ln w="19050">
             <a:solidFill>
               <a:schemeClr val="tx1"/>
             </a:solidFill>
@@ -15550,7 +15550,7 @@
           <a:prstGeom prst="straightConnector1">
             <a:avLst/>
           </a:prstGeom>
-          <a:ln w="28575">
+          <a:ln w="19050">
             <a:solidFill>
               <a:schemeClr val="tx1"/>
             </a:solidFill>
@@ -15889,7 +15889,7 @@
           <a:prstGeom prst="straightConnector1">
             <a:avLst/>
           </a:prstGeom>
-          <a:ln w="28575">
+          <a:ln w="19050">
             <a:solidFill>
               <a:schemeClr val="tx1"/>
             </a:solidFill>
@@ -15936,7 +15936,7 @@
           <a:prstGeom prst="straightConnector1">
             <a:avLst/>
           </a:prstGeom>
-          <a:ln w="28575">
+          <a:ln w="19050">
             <a:solidFill>
               <a:schemeClr val="tx1"/>
             </a:solidFill>
@@ -16697,7 +16697,7 @@
           <a:prstGeom prst="straightConnector1">
             <a:avLst/>
           </a:prstGeom>
-          <a:ln w="28575">
+          <a:ln w="19050">
             <a:solidFill>
               <a:schemeClr val="tx1"/>
             </a:solidFill>
@@ -16743,7 +16743,7 @@
           <a:prstGeom prst="straightConnector1">
             <a:avLst/>
           </a:prstGeom>
-          <a:ln w="28575">
+          <a:ln w="19050">
             <a:solidFill>
               <a:schemeClr val="tx1"/>
             </a:solidFill>
@@ -16844,7 +16844,7 @@
           <a:prstGeom prst="straightConnector1">
             <a:avLst/>
           </a:prstGeom>
-          <a:ln w="28575">
+          <a:ln w="19050">
             <a:solidFill>
               <a:schemeClr val="tx1"/>
             </a:solidFill>
@@ -16996,7 +16996,7 @@
           <a:prstGeom prst="straightConnector1">
             <a:avLst/>
           </a:prstGeom>
-          <a:ln w="28575">
+          <a:ln w="19050">
             <a:solidFill>
               <a:schemeClr val="tx1"/>
             </a:solidFill>
@@ -17498,7 +17498,7 @@
           <a:prstGeom prst="straightConnector1">
             <a:avLst/>
           </a:prstGeom>
-          <a:ln w="28575">
+          <a:ln w="19050">
             <a:solidFill>
               <a:schemeClr val="tx1"/>
             </a:solidFill>
@@ -17544,7 +17544,7 @@
           <a:prstGeom prst="straightConnector1">
             <a:avLst/>
           </a:prstGeom>
-          <a:ln w="28575">
+          <a:ln w="19050">
             <a:solidFill>
               <a:schemeClr val="tx1"/>
             </a:solidFill>
@@ -17659,7 +17659,7 @@
           <a:prstGeom prst="straightConnector1">
             <a:avLst/>
           </a:prstGeom>
-          <a:ln w="28575">
+          <a:ln w="19050">
             <a:solidFill>
               <a:schemeClr val="tx1"/>
             </a:solidFill>
@@ -17758,7 +17758,7 @@
           <a:prstGeom prst="straightConnector1">
             <a:avLst/>
           </a:prstGeom>
-          <a:ln w="28575">
+          <a:ln w="19050">
             <a:solidFill>
               <a:schemeClr val="tx1"/>
             </a:solidFill>
@@ -17942,7 +17942,7 @@
           <a:prstGeom prst="straightConnector1">
             <a:avLst/>
           </a:prstGeom>
-          <a:ln w="28575">
+          <a:ln w="19050">
             <a:solidFill>
               <a:schemeClr val="tx1"/>
             </a:solidFill>
@@ -17988,7 +17988,7 @@
           <a:prstGeom prst="straightConnector1">
             <a:avLst/>
           </a:prstGeom>
-          <a:ln w="28575">
+          <a:ln w="19050">
             <a:solidFill>
               <a:schemeClr val="tx1"/>
             </a:solidFill>
@@ -18479,7 +18479,7 @@
           <a:prstGeom prst="straightConnector1">
             <a:avLst/>
           </a:prstGeom>
-          <a:ln w="28575">
+          <a:ln w="19050">
             <a:solidFill>
               <a:schemeClr val="tx1"/>
             </a:solidFill>
@@ -18525,7 +18525,7 @@
           <a:prstGeom prst="straightConnector1">
             <a:avLst/>
           </a:prstGeom>
-          <a:ln w="28575">
+          <a:ln w="19050">
             <a:solidFill>
               <a:schemeClr val="tx1"/>
             </a:solidFill>
@@ -18626,7 +18626,7 @@
           <a:prstGeom prst="straightConnector1">
             <a:avLst/>
           </a:prstGeom>
-          <a:ln w="28575">
+          <a:ln w="19050">
             <a:solidFill>
               <a:schemeClr val="tx1"/>
             </a:solidFill>
@@ -18778,7 +18778,7 @@
           <a:prstGeom prst="straightConnector1">
             <a:avLst/>
           </a:prstGeom>
-          <a:ln w="28575">
+          <a:ln w="19050">
             <a:solidFill>
               <a:schemeClr val="tx1"/>
             </a:solidFill>
@@ -19073,7 +19073,7 @@
           <a:prstGeom prst="straightConnector1">
             <a:avLst/>
           </a:prstGeom>
-          <a:ln w="28575">
+          <a:ln w="19050">
             <a:solidFill>
               <a:schemeClr val="tx1"/>
             </a:solidFill>
@@ -19119,7 +19119,7 @@
           <a:prstGeom prst="straightConnector1">
             <a:avLst/>
           </a:prstGeom>
-          <a:ln w="28575">
+          <a:ln w="19050">
             <a:solidFill>
               <a:schemeClr val="tx1"/>
             </a:solidFill>
@@ -19234,7 +19234,7 @@
           <a:prstGeom prst="straightConnector1">
             <a:avLst/>
           </a:prstGeom>
-          <a:ln w="28575">
+          <a:ln w="19050">
             <a:solidFill>
               <a:schemeClr val="tx1"/>
             </a:solidFill>
@@ -20294,7 +20294,7 @@
           <a:prstGeom prst="straightConnector1">
             <a:avLst/>
           </a:prstGeom>
-          <a:ln w="28575">
+          <a:ln w="19050">
             <a:solidFill>
               <a:schemeClr val="tx1"/>
             </a:solidFill>
@@ -20734,7 +20734,7 @@
           <a:prstGeom prst="straightConnector1">
             <a:avLst/>
           </a:prstGeom>
-          <a:ln w="28575">
+          <a:ln w="19050">
             <a:solidFill>
               <a:schemeClr val="tx1"/>
             </a:solidFill>
@@ -20780,7 +20780,7 @@
           <a:prstGeom prst="straightConnector1">
             <a:avLst/>
           </a:prstGeom>
-          <a:ln w="28575">
+          <a:ln w="19050">
             <a:solidFill>
               <a:schemeClr val="tx1"/>
             </a:solidFill>
@@ -21221,7 +21221,7 @@
           <a:prstGeom prst="straightConnector1">
             <a:avLst/>
           </a:prstGeom>
-          <a:ln w="28575">
+          <a:ln w="19050">
             <a:solidFill>
               <a:schemeClr val="tx1"/>
             </a:solidFill>
@@ -21267,7 +21267,7 @@
           <a:prstGeom prst="straightConnector1">
             <a:avLst/>
           </a:prstGeom>
-          <a:ln w="28575">
+          <a:ln w="19050">
             <a:solidFill>
               <a:schemeClr val="tx1"/>
             </a:solidFill>
@@ -21368,7 +21368,7 @@
           <a:prstGeom prst="straightConnector1">
             <a:avLst/>
           </a:prstGeom>
-          <a:ln w="28575">
+          <a:ln w="19050">
             <a:solidFill>
               <a:schemeClr val="tx1"/>
             </a:solidFill>
@@ -21520,7 +21520,7 @@
           <a:prstGeom prst="straightConnector1">
             <a:avLst/>
           </a:prstGeom>
-          <a:ln w="28575">
+          <a:ln w="19050">
             <a:solidFill>
               <a:schemeClr val="tx1"/>
             </a:solidFill>
@@ -21815,7 +21815,7 @@
           <a:prstGeom prst="straightConnector1">
             <a:avLst/>
           </a:prstGeom>
-          <a:ln w="28575">
+          <a:ln w="19050">
             <a:solidFill>
               <a:schemeClr val="tx1"/>
             </a:solidFill>
@@ -21861,7 +21861,7 @@
           <a:prstGeom prst="straightConnector1">
             <a:avLst/>
           </a:prstGeom>
-          <a:ln w="28575">
+          <a:ln w="19050">
             <a:solidFill>
               <a:schemeClr val="tx1"/>
             </a:solidFill>
@@ -21976,7 +21976,7 @@
           <a:prstGeom prst="straightConnector1">
             <a:avLst/>
           </a:prstGeom>
-          <a:ln w="28575">
+          <a:ln w="19050">
             <a:solidFill>
               <a:schemeClr val="tx1"/>
             </a:solidFill>
@@ -22075,7 +22075,7 @@
           <a:prstGeom prst="straightConnector1">
             <a:avLst/>
           </a:prstGeom>
-          <a:ln w="28575">
+          <a:ln w="19050">
             <a:solidFill>
               <a:schemeClr val="tx1"/>
             </a:solidFill>
@@ -23479,7 +23479,7 @@
           <a:prstGeom prst="straightConnector1">
             <a:avLst/>
           </a:prstGeom>
-          <a:ln w="28575">
+          <a:ln w="19050">
             <a:solidFill>
               <a:schemeClr val="tx1"/>
             </a:solidFill>
@@ -23525,7 +23525,7 @@
           <a:prstGeom prst="straightConnector1">
             <a:avLst/>
           </a:prstGeom>
-          <a:ln w="28575">
+          <a:ln w="19050">
             <a:solidFill>
               <a:schemeClr val="tx1"/>
             </a:solidFill>
@@ -23966,7 +23966,7 @@
           <a:prstGeom prst="straightConnector1">
             <a:avLst/>
           </a:prstGeom>
-          <a:ln w="28575">
+          <a:ln w="19050">
             <a:solidFill>
               <a:schemeClr val="tx1"/>
             </a:solidFill>
@@ -24012,7 +24012,7 @@
           <a:prstGeom prst="straightConnector1">
             <a:avLst/>
           </a:prstGeom>
-          <a:ln w="28575">
+          <a:ln w="19050">
             <a:solidFill>
               <a:schemeClr val="tx1"/>
             </a:solidFill>
@@ -24113,7 +24113,7 @@
           <a:prstGeom prst="straightConnector1">
             <a:avLst/>
           </a:prstGeom>
-          <a:ln w="28575">
+          <a:ln w="19050">
             <a:solidFill>
               <a:schemeClr val="tx1"/>
             </a:solidFill>
@@ -24265,7 +24265,7 @@
           <a:prstGeom prst="straightConnector1">
             <a:avLst/>
           </a:prstGeom>
-          <a:ln w="28575">
+          <a:ln w="19050">
             <a:solidFill>
               <a:schemeClr val="tx1"/>
             </a:solidFill>
@@ -24560,7 +24560,7 @@
           <a:prstGeom prst="straightConnector1">
             <a:avLst/>
           </a:prstGeom>
-          <a:ln w="28575">
+          <a:ln w="19050">
             <a:solidFill>
               <a:schemeClr val="tx1"/>
             </a:solidFill>
@@ -24606,7 +24606,7 @@
           <a:prstGeom prst="straightConnector1">
             <a:avLst/>
           </a:prstGeom>
-          <a:ln w="28575">
+          <a:ln w="19050">
             <a:solidFill>
               <a:schemeClr val="tx1"/>
             </a:solidFill>
@@ -24721,7 +24721,7 @@
           <a:prstGeom prst="straightConnector1">
             <a:avLst/>
           </a:prstGeom>
-          <a:ln w="28575">
+          <a:ln w="19050">
             <a:solidFill>
               <a:schemeClr val="tx1"/>
             </a:solidFill>
@@ -24820,7 +24820,7 @@
           <a:prstGeom prst="straightConnector1">
             <a:avLst/>
           </a:prstGeom>
-          <a:ln w="28575">
+          <a:ln w="19050">
             <a:solidFill>
               <a:schemeClr val="tx1"/>
             </a:solidFill>
@@ -26062,7 +26062,7 @@
           <a:prstGeom prst="straightConnector1">
             <a:avLst/>
           </a:prstGeom>
-          <a:ln w="28575">
+          <a:ln w="19050">
             <a:solidFill>
               <a:schemeClr val="tx1"/>
             </a:solidFill>
@@ -26108,7 +26108,7 @@
           <a:prstGeom prst="straightConnector1">
             <a:avLst/>
           </a:prstGeom>
-          <a:ln w="28575">
+          <a:ln w="19050">
             <a:solidFill>
               <a:schemeClr val="tx1"/>
             </a:solidFill>
@@ -26549,7 +26549,7 @@
           <a:prstGeom prst="straightConnector1">
             <a:avLst/>
           </a:prstGeom>
-          <a:ln w="28575">
+          <a:ln w="19050">
             <a:solidFill>
               <a:schemeClr val="tx1"/>
             </a:solidFill>
@@ -26595,7 +26595,7 @@
           <a:prstGeom prst="straightConnector1">
             <a:avLst/>
           </a:prstGeom>
-          <a:ln w="28575">
+          <a:ln w="19050">
             <a:solidFill>
               <a:schemeClr val="tx1"/>
             </a:solidFill>
@@ -26696,7 +26696,7 @@
           <a:prstGeom prst="straightConnector1">
             <a:avLst/>
           </a:prstGeom>
-          <a:ln w="28575">
+          <a:ln w="19050">
             <a:solidFill>
               <a:schemeClr val="tx1"/>
             </a:solidFill>
@@ -26848,7 +26848,7 @@
           <a:prstGeom prst="straightConnector1">
             <a:avLst/>
           </a:prstGeom>
-          <a:ln w="28575">
+          <a:ln w="19050">
             <a:solidFill>
               <a:schemeClr val="tx1"/>
             </a:solidFill>
@@ -27147,7 +27147,7 @@
           <a:prstGeom prst="straightConnector1">
             <a:avLst/>
           </a:prstGeom>
-          <a:ln w="28575">
+          <a:ln w="19050">
             <a:solidFill>
               <a:schemeClr val="tx1"/>
             </a:solidFill>
@@ -27193,7 +27193,7 @@
           <a:prstGeom prst="straightConnector1">
             <a:avLst/>
           </a:prstGeom>
-          <a:ln w="28575">
+          <a:ln w="19050">
             <a:solidFill>
               <a:schemeClr val="tx1"/>
             </a:solidFill>
@@ -27308,7 +27308,7 @@
           <a:prstGeom prst="straightConnector1">
             <a:avLst/>
           </a:prstGeom>
-          <a:ln w="28575">
+          <a:ln w="19050">
             <a:solidFill>
               <a:schemeClr val="tx1"/>
             </a:solidFill>
@@ -27407,7 +27407,7 @@
           <a:prstGeom prst="straightConnector1">
             <a:avLst/>
           </a:prstGeom>
-          <a:ln w="28575">
+          <a:ln w="19050">
             <a:solidFill>
               <a:schemeClr val="tx1"/>
             </a:solidFill>
@@ -28599,7 +28599,7 @@
           <a:prstGeom prst="straightConnector1">
             <a:avLst/>
           </a:prstGeom>
-          <a:ln w="28575">
+          <a:ln w="19050">
             <a:solidFill>
               <a:schemeClr val="tx1"/>
             </a:solidFill>
@@ -28645,7 +28645,7 @@
           <a:prstGeom prst="straightConnector1">
             <a:avLst/>
           </a:prstGeom>
-          <a:ln w="28575">
+          <a:ln w="19050">
             <a:solidFill>
               <a:schemeClr val="tx1"/>
             </a:solidFill>

--- a/images/moon23neurips.pptx
+++ b/images/moon23neurips.pptx
@@ -6375,9 +6375,7 @@
           <a:prstGeom prst="ellipse">
             <a:avLst/>
           </a:prstGeom>
-          <a:solidFill>
-            <a:srgbClr val="4472C4"/>
-          </a:solidFill>
+          <a:noFill/>
           <a:ln w="19050"/>
         </p:spPr>
         <p:style>
@@ -6430,7 +6428,9 @@
           <a:prstGeom prst="ellipse">
             <a:avLst/>
           </a:prstGeom>
-          <a:noFill/>
+          <a:solidFill>
+            <a:srgbClr val="4472C4"/>
+          </a:solidFill>
           <a:ln w="19050"/>
         </p:spPr>
         <p:style>
@@ -12108,7 +12108,7 @@
             <a:avLst/>
           </a:prstGeom>
           <a:solidFill>
-            <a:srgbClr val="4472C4"/>
+            <a:srgbClr val="71AD47"/>
           </a:solidFill>
           <a:ln w="19050"/>
         </p:spPr>
@@ -12163,7 +12163,7 @@
             <a:avLst/>
           </a:prstGeom>
           <a:solidFill>
-            <a:srgbClr val="71AD47"/>
+            <a:srgbClr val="4472C4"/>
           </a:solidFill>
           <a:ln w="19050"/>
         </p:spPr>
@@ -12217,7 +12217,9 @@
           <a:prstGeom prst="ellipse">
             <a:avLst/>
           </a:prstGeom>
-          <a:noFill/>
+          <a:solidFill>
+            <a:srgbClr val="ED7D31"/>
+          </a:solidFill>
           <a:ln w="19050"/>
         </p:spPr>
         <p:style>
@@ -12270,9 +12272,7 @@
           <a:prstGeom prst="ellipse">
             <a:avLst/>
           </a:prstGeom>
-          <a:solidFill>
-            <a:srgbClr val="ED7D31"/>
-          </a:solidFill>
+          <a:noFill/>
           <a:ln w="19050"/>
         </p:spPr>
         <p:style>
@@ -13146,323 +13146,6 @@
       </p:pic>
       <p:sp>
         <p:nvSpPr>
-          <p:cNvPr id="5" name="타원 4">
-            <a:extLst>
-              <a:ext uri="{FF2B5EF4-FFF2-40B4-BE49-F238E27FC236}">
-                <a16:creationId xmlns:a16="http://schemas.microsoft.com/office/drawing/2014/main" id="{68E3444D-4926-E2BA-D4F2-0AE5F013D131}"/>
-              </a:ext>
-            </a:extLst>
-          </p:cNvPr>
-          <p:cNvSpPr>
-            <a:spLocks noChangeAspect="1"/>
-          </p:cNvSpPr>
-          <p:nvPr/>
-        </p:nvSpPr>
-        <p:spPr>
-          <a:xfrm>
-            <a:off x="1927137" y="1943794"/>
-            <a:ext cx="216000" cy="216000"/>
-          </a:xfrm>
-          <a:prstGeom prst="ellipse">
-            <a:avLst/>
-          </a:prstGeom>
-          <a:noFill/>
-          <a:ln w="19050"/>
-        </p:spPr>
-        <p:style>
-          <a:lnRef idx="2">
-            <a:schemeClr val="dk1">
-              <a:shade val="50000"/>
-            </a:schemeClr>
-          </a:lnRef>
-          <a:fillRef idx="1">
-            <a:schemeClr val="dk1"/>
-          </a:fillRef>
-          <a:effectRef idx="0">
-            <a:schemeClr val="dk1"/>
-          </a:effectRef>
-          <a:fontRef idx="minor">
-            <a:schemeClr val="lt1"/>
-          </a:fontRef>
-        </p:style>
-        <p:txBody>
-          <a:bodyPr rtlCol="0" anchor="ctr"/>
-          <a:lstStyle/>
-          <a:p>
-            <a:pPr algn="ctr"/>
-            <a:endParaRPr kumimoji="1" lang="ko-KR" altLang="en-US">
-              <a:latin typeface="Calibri" panose="020F0502020204030204" pitchFamily="34" charset="0"/>
-              <a:cs typeface="Calibri" panose="020F0502020204030204" pitchFamily="34" charset="0"/>
-            </a:endParaRPr>
-          </a:p>
-        </p:txBody>
-      </p:sp>
-      <p:sp>
-        <p:nvSpPr>
-          <p:cNvPr id="6" name="타원 5">
-            <a:extLst>
-              <a:ext uri="{FF2B5EF4-FFF2-40B4-BE49-F238E27FC236}">
-                <a16:creationId xmlns:a16="http://schemas.microsoft.com/office/drawing/2014/main" id="{ED557610-AED3-E068-BF74-0F90C8273B2A}"/>
-              </a:ext>
-            </a:extLst>
-          </p:cNvPr>
-          <p:cNvSpPr>
-            <a:spLocks noChangeAspect="1"/>
-          </p:cNvSpPr>
-          <p:nvPr/>
-        </p:nvSpPr>
-        <p:spPr>
-          <a:xfrm>
-            <a:off x="2891595" y="1943794"/>
-            <a:ext cx="216000" cy="216000"/>
-          </a:xfrm>
-          <a:prstGeom prst="ellipse">
-            <a:avLst/>
-          </a:prstGeom>
-          <a:solidFill>
-            <a:srgbClr val="4472C4"/>
-          </a:solidFill>
-          <a:ln w="19050"/>
-        </p:spPr>
-        <p:style>
-          <a:lnRef idx="2">
-            <a:schemeClr val="dk1">
-              <a:shade val="50000"/>
-            </a:schemeClr>
-          </a:lnRef>
-          <a:fillRef idx="1">
-            <a:schemeClr val="dk1"/>
-          </a:fillRef>
-          <a:effectRef idx="0">
-            <a:schemeClr val="dk1"/>
-          </a:effectRef>
-          <a:fontRef idx="minor">
-            <a:schemeClr val="lt1"/>
-          </a:fontRef>
-        </p:style>
-        <p:txBody>
-          <a:bodyPr rtlCol="0" anchor="ctr"/>
-          <a:lstStyle/>
-          <a:p>
-            <a:pPr algn="ctr"/>
-            <a:endParaRPr kumimoji="1" lang="ko-KR" altLang="en-US">
-              <a:latin typeface="Calibri" panose="020F0502020204030204" pitchFamily="34" charset="0"/>
-              <a:cs typeface="Calibri" panose="020F0502020204030204" pitchFamily="34" charset="0"/>
-            </a:endParaRPr>
-          </a:p>
-        </p:txBody>
-      </p:sp>
-      <p:sp>
-        <p:nvSpPr>
-          <p:cNvPr id="7" name="타원 6">
-            <a:extLst>
-              <a:ext uri="{FF2B5EF4-FFF2-40B4-BE49-F238E27FC236}">
-                <a16:creationId xmlns:a16="http://schemas.microsoft.com/office/drawing/2014/main" id="{BFAD4392-2A5B-E707-F82A-CF761B3F55F9}"/>
-              </a:ext>
-            </a:extLst>
-          </p:cNvPr>
-          <p:cNvSpPr>
-            <a:spLocks noChangeAspect="1"/>
-          </p:cNvSpPr>
-          <p:nvPr/>
-        </p:nvSpPr>
-        <p:spPr>
-          <a:xfrm>
-            <a:off x="3856053" y="1943794"/>
-            <a:ext cx="216000" cy="216000"/>
-          </a:xfrm>
-          <a:prstGeom prst="ellipse">
-            <a:avLst/>
-          </a:prstGeom>
-          <a:solidFill>
-            <a:srgbClr val="71AD47"/>
-          </a:solidFill>
-          <a:ln w="19050"/>
-        </p:spPr>
-        <p:style>
-          <a:lnRef idx="2">
-            <a:schemeClr val="dk1">
-              <a:shade val="50000"/>
-            </a:schemeClr>
-          </a:lnRef>
-          <a:fillRef idx="1">
-            <a:schemeClr val="dk1"/>
-          </a:fillRef>
-          <a:effectRef idx="0">
-            <a:schemeClr val="dk1"/>
-          </a:effectRef>
-          <a:fontRef idx="minor">
-            <a:schemeClr val="lt1"/>
-          </a:fontRef>
-        </p:style>
-        <p:txBody>
-          <a:bodyPr rtlCol="0" anchor="ctr"/>
-          <a:lstStyle/>
-          <a:p>
-            <a:pPr algn="ctr"/>
-            <a:endParaRPr kumimoji="1" lang="ko-KR" altLang="en-US">
-              <a:latin typeface="Calibri" panose="020F0502020204030204" pitchFamily="34" charset="0"/>
-              <a:cs typeface="Calibri" panose="020F0502020204030204" pitchFamily="34" charset="0"/>
-            </a:endParaRPr>
-          </a:p>
-        </p:txBody>
-      </p:sp>
-      <p:sp>
-        <p:nvSpPr>
-          <p:cNvPr id="8" name="타원 7">
-            <a:extLst>
-              <a:ext uri="{FF2B5EF4-FFF2-40B4-BE49-F238E27FC236}">
-                <a16:creationId xmlns:a16="http://schemas.microsoft.com/office/drawing/2014/main" id="{49C5CDA1-FC98-8345-47DB-6EFE753F767E}"/>
-              </a:ext>
-            </a:extLst>
-          </p:cNvPr>
-          <p:cNvSpPr>
-            <a:spLocks noChangeAspect="1"/>
-          </p:cNvSpPr>
-          <p:nvPr/>
-        </p:nvSpPr>
-        <p:spPr>
-          <a:xfrm>
-            <a:off x="4802386" y="1943794"/>
-            <a:ext cx="216000" cy="216000"/>
-          </a:xfrm>
-          <a:prstGeom prst="ellipse">
-            <a:avLst/>
-          </a:prstGeom>
-          <a:noFill/>
-          <a:ln w="19050"/>
-        </p:spPr>
-        <p:style>
-          <a:lnRef idx="2">
-            <a:schemeClr val="dk1">
-              <a:shade val="50000"/>
-            </a:schemeClr>
-          </a:lnRef>
-          <a:fillRef idx="1">
-            <a:schemeClr val="dk1"/>
-          </a:fillRef>
-          <a:effectRef idx="0">
-            <a:schemeClr val="dk1"/>
-          </a:effectRef>
-          <a:fontRef idx="minor">
-            <a:schemeClr val="lt1"/>
-          </a:fontRef>
-        </p:style>
-        <p:txBody>
-          <a:bodyPr rtlCol="0" anchor="ctr"/>
-          <a:lstStyle/>
-          <a:p>
-            <a:pPr algn="ctr"/>
-            <a:endParaRPr kumimoji="1" lang="ko-KR" altLang="en-US">
-              <a:latin typeface="Calibri" panose="020F0502020204030204" pitchFamily="34" charset="0"/>
-              <a:cs typeface="Calibri" panose="020F0502020204030204" pitchFamily="34" charset="0"/>
-            </a:endParaRPr>
-          </a:p>
-        </p:txBody>
-      </p:sp>
-      <p:sp>
-        <p:nvSpPr>
-          <p:cNvPr id="9" name="타원 8">
-            <a:extLst>
-              <a:ext uri="{FF2B5EF4-FFF2-40B4-BE49-F238E27FC236}">
-                <a16:creationId xmlns:a16="http://schemas.microsoft.com/office/drawing/2014/main" id="{2AC04A10-EB02-3E35-14AE-47AD26CE299C}"/>
-              </a:ext>
-            </a:extLst>
-          </p:cNvPr>
-          <p:cNvSpPr>
-            <a:spLocks noChangeAspect="1"/>
-          </p:cNvSpPr>
-          <p:nvPr/>
-        </p:nvSpPr>
-        <p:spPr>
-          <a:xfrm>
-            <a:off x="5751504" y="1943794"/>
-            <a:ext cx="216000" cy="216000"/>
-          </a:xfrm>
-          <a:prstGeom prst="ellipse">
-            <a:avLst/>
-          </a:prstGeom>
-          <a:solidFill>
-            <a:srgbClr val="ED7D31"/>
-          </a:solidFill>
-          <a:ln w="19050"/>
-        </p:spPr>
-        <p:style>
-          <a:lnRef idx="2">
-            <a:schemeClr val="dk1">
-              <a:shade val="50000"/>
-            </a:schemeClr>
-          </a:lnRef>
-          <a:fillRef idx="1">
-            <a:schemeClr val="dk1"/>
-          </a:fillRef>
-          <a:effectRef idx="0">
-            <a:schemeClr val="dk1"/>
-          </a:effectRef>
-          <a:fontRef idx="minor">
-            <a:schemeClr val="lt1"/>
-          </a:fontRef>
-        </p:style>
-        <p:txBody>
-          <a:bodyPr rtlCol="0" anchor="ctr"/>
-          <a:lstStyle/>
-          <a:p>
-            <a:pPr algn="ctr"/>
-            <a:endParaRPr kumimoji="1" lang="ko-KR" altLang="en-US">
-              <a:latin typeface="Calibri" panose="020F0502020204030204" pitchFamily="34" charset="0"/>
-              <a:cs typeface="Calibri" panose="020F0502020204030204" pitchFamily="34" charset="0"/>
-            </a:endParaRPr>
-          </a:p>
-        </p:txBody>
-      </p:sp>
-      <p:cxnSp>
-        <p:nvCxnSpPr>
-          <p:cNvPr id="10" name="직선 화살표 연결선 9">
-            <a:extLst>
-              <a:ext uri="{FF2B5EF4-FFF2-40B4-BE49-F238E27FC236}">
-                <a16:creationId xmlns:a16="http://schemas.microsoft.com/office/drawing/2014/main" id="{53A21BE6-83A5-24A6-C0A9-97831B0689D0}"/>
-              </a:ext>
-            </a:extLst>
-          </p:cNvPr>
-          <p:cNvCxnSpPr>
-            <a:cxnSpLocks/>
-            <a:stCxn id="5" idx="6"/>
-            <a:endCxn id="6" idx="2"/>
-          </p:cNvCxnSpPr>
-          <p:nvPr/>
-        </p:nvCxnSpPr>
-        <p:spPr>
-          <a:xfrm>
-            <a:off x="2143137" y="2051794"/>
-            <a:ext cx="748458" cy="0"/>
-          </a:xfrm>
-          <a:prstGeom prst="straightConnector1">
-            <a:avLst/>
-          </a:prstGeom>
-          <a:ln w="19050">
-            <a:solidFill>
-              <a:schemeClr val="tx1"/>
-            </a:solidFill>
-            <a:tailEnd type="triangle"/>
-          </a:ln>
-        </p:spPr>
-        <p:style>
-          <a:lnRef idx="1">
-            <a:schemeClr val="accent1"/>
-          </a:lnRef>
-          <a:fillRef idx="0">
-            <a:schemeClr val="accent1"/>
-          </a:fillRef>
-          <a:effectRef idx="0">
-            <a:schemeClr val="accent1"/>
-          </a:effectRef>
-          <a:fontRef idx="minor">
-            <a:schemeClr val="tx1"/>
-          </a:fontRef>
-        </p:style>
-      </p:cxnSp>
-      <p:sp>
-        <p:nvSpPr>
           <p:cNvPr id="11" name="모서리가 둥근 직사각형 10">
             <a:extLst>
               <a:ext uri="{FF2B5EF4-FFF2-40B4-BE49-F238E27FC236}">
@@ -13532,144 +13215,6 @@
           </a:p>
         </p:txBody>
       </p:sp>
-      <p:cxnSp>
-        <p:nvCxnSpPr>
-          <p:cNvPr id="12" name="직선 화살표 연결선 11">
-            <a:extLst>
-              <a:ext uri="{FF2B5EF4-FFF2-40B4-BE49-F238E27FC236}">
-                <a16:creationId xmlns:a16="http://schemas.microsoft.com/office/drawing/2014/main" id="{F6B7E842-4E12-B634-0A45-DAA2370551F5}"/>
-              </a:ext>
-            </a:extLst>
-          </p:cNvPr>
-          <p:cNvCxnSpPr>
-            <a:cxnSpLocks/>
-            <a:stCxn id="6" idx="6"/>
-            <a:endCxn id="7" idx="2"/>
-          </p:cNvCxnSpPr>
-          <p:nvPr/>
-        </p:nvCxnSpPr>
-        <p:spPr>
-          <a:xfrm>
-            <a:off x="3107595" y="2051794"/>
-            <a:ext cx="748458" cy="0"/>
-          </a:xfrm>
-          <a:prstGeom prst="straightConnector1">
-            <a:avLst/>
-          </a:prstGeom>
-          <a:ln w="19050">
-            <a:solidFill>
-              <a:schemeClr val="tx1"/>
-            </a:solidFill>
-            <a:tailEnd type="triangle"/>
-          </a:ln>
-        </p:spPr>
-        <p:style>
-          <a:lnRef idx="1">
-            <a:schemeClr val="accent1"/>
-          </a:lnRef>
-          <a:fillRef idx="0">
-            <a:schemeClr val="accent1"/>
-          </a:fillRef>
-          <a:effectRef idx="0">
-            <a:schemeClr val="accent1"/>
-          </a:effectRef>
-          <a:fontRef idx="minor">
-            <a:schemeClr val="tx1"/>
-          </a:fontRef>
-        </p:style>
-      </p:cxnSp>
-      <p:cxnSp>
-        <p:nvCxnSpPr>
-          <p:cNvPr id="13" name="직선 화살표 연결선 12">
-            <a:extLst>
-              <a:ext uri="{FF2B5EF4-FFF2-40B4-BE49-F238E27FC236}">
-                <a16:creationId xmlns:a16="http://schemas.microsoft.com/office/drawing/2014/main" id="{0A8D26CC-C512-0F04-2C2B-0C0F8E9D5B65}"/>
-              </a:ext>
-            </a:extLst>
-          </p:cNvPr>
-          <p:cNvCxnSpPr>
-            <a:cxnSpLocks/>
-            <a:stCxn id="7" idx="6"/>
-            <a:endCxn id="8" idx="2"/>
-          </p:cNvCxnSpPr>
-          <p:nvPr/>
-        </p:nvCxnSpPr>
-        <p:spPr>
-          <a:xfrm>
-            <a:off x="4072053" y="2051794"/>
-            <a:ext cx="730333" cy="0"/>
-          </a:xfrm>
-          <a:prstGeom prst="straightConnector1">
-            <a:avLst/>
-          </a:prstGeom>
-          <a:ln w="19050">
-            <a:solidFill>
-              <a:schemeClr val="tx1"/>
-            </a:solidFill>
-            <a:tailEnd type="triangle"/>
-          </a:ln>
-        </p:spPr>
-        <p:style>
-          <a:lnRef idx="1">
-            <a:schemeClr val="accent1"/>
-          </a:lnRef>
-          <a:fillRef idx="0">
-            <a:schemeClr val="accent1"/>
-          </a:fillRef>
-          <a:effectRef idx="0">
-            <a:schemeClr val="accent1"/>
-          </a:effectRef>
-          <a:fontRef idx="minor">
-            <a:schemeClr val="tx1"/>
-          </a:fontRef>
-        </p:style>
-      </p:cxnSp>
-      <p:cxnSp>
-        <p:nvCxnSpPr>
-          <p:cNvPr id="14" name="직선 화살표 연결선 13">
-            <a:extLst>
-              <a:ext uri="{FF2B5EF4-FFF2-40B4-BE49-F238E27FC236}">
-                <a16:creationId xmlns:a16="http://schemas.microsoft.com/office/drawing/2014/main" id="{50BC0991-C161-0EA8-C35B-C815AE7CA8EA}"/>
-              </a:ext>
-            </a:extLst>
-          </p:cNvPr>
-          <p:cNvCxnSpPr>
-            <a:cxnSpLocks/>
-            <a:stCxn id="8" idx="6"/>
-            <a:endCxn id="9" idx="2"/>
-          </p:cNvCxnSpPr>
-          <p:nvPr/>
-        </p:nvCxnSpPr>
-        <p:spPr>
-          <a:xfrm>
-            <a:off x="5018386" y="2051794"/>
-            <a:ext cx="733118" cy="0"/>
-          </a:xfrm>
-          <a:prstGeom prst="straightConnector1">
-            <a:avLst/>
-          </a:prstGeom>
-          <a:ln w="19050">
-            <a:solidFill>
-              <a:schemeClr val="tx1"/>
-            </a:solidFill>
-            <a:tailEnd type="triangle"/>
-          </a:ln>
-        </p:spPr>
-        <p:style>
-          <a:lnRef idx="1">
-            <a:schemeClr val="accent1"/>
-          </a:lnRef>
-          <a:fillRef idx="0">
-            <a:schemeClr val="accent1"/>
-          </a:fillRef>
-          <a:effectRef idx="0">
-            <a:schemeClr val="accent1"/>
-          </a:effectRef>
-          <a:fontRef idx="minor">
-            <a:schemeClr val="tx1"/>
-          </a:fontRef>
-        </p:style>
-      </p:cxnSp>
       <p:sp>
         <p:nvSpPr>
           <p:cNvPr id="15" name="모서리가 둥근 직사각형 14">
@@ -14450,96 +13995,6 @@
           </a:p>
         </p:txBody>
       </p:sp>
-      <p:pic>
-        <p:nvPicPr>
-          <p:cNvPr id="32" name="그림 31" descr="스크린샷, 만화 영화, 그린, 픽셀이(가) 표시된 사진&#10;&#10;자동 생성된 설명">
-            <a:extLst>
-              <a:ext uri="{FF2B5EF4-FFF2-40B4-BE49-F238E27FC236}">
-                <a16:creationId xmlns:a16="http://schemas.microsoft.com/office/drawing/2014/main" id="{B122A670-CB88-6A37-206D-81A39A53F875}"/>
-              </a:ext>
-            </a:extLst>
-          </p:cNvPr>
-          <p:cNvPicPr>
-            <a:picLocks noChangeAspect="1"/>
-          </p:cNvPicPr>
-          <p:nvPr/>
-        </p:nvPicPr>
-        <p:blipFill>
-          <a:blip r:embed="rId5"/>
-          <a:stretch>
-            <a:fillRect/>
-          </a:stretch>
-        </p:blipFill>
-        <p:spPr>
-          <a:xfrm>
-            <a:off x="1722282" y="2936309"/>
-            <a:ext cx="576000" cy="576000"/>
-          </a:xfrm>
-          <a:prstGeom prst="rect">
-            <a:avLst/>
-          </a:prstGeom>
-        </p:spPr>
-      </p:pic>
-      <p:pic>
-        <p:nvPicPr>
-          <p:cNvPr id="33" name="그림 32" descr="스크린샷, 만화 영화, 그린, 애니메이션이(가) 표시된 사진&#10;&#10;자동 생성된 설명">
-            <a:extLst>
-              <a:ext uri="{FF2B5EF4-FFF2-40B4-BE49-F238E27FC236}">
-                <a16:creationId xmlns:a16="http://schemas.microsoft.com/office/drawing/2014/main" id="{048BBF53-C4AD-21EB-3D3E-5657CA3F080B}"/>
-              </a:ext>
-            </a:extLst>
-          </p:cNvPr>
-          <p:cNvPicPr>
-            <a:picLocks noChangeAspect="1"/>
-          </p:cNvPicPr>
-          <p:nvPr/>
-        </p:nvPicPr>
-        <p:blipFill>
-          <a:blip r:embed="rId4"/>
-          <a:stretch>
-            <a:fillRect/>
-          </a:stretch>
-        </p:blipFill>
-        <p:spPr>
-          <a:xfrm>
-            <a:off x="3931528" y="2386314"/>
-            <a:ext cx="576000" cy="576000"/>
-          </a:xfrm>
-          <a:prstGeom prst="rect">
-            <a:avLst/>
-          </a:prstGeom>
-        </p:spPr>
-      </p:pic>
-      <p:pic>
-        <p:nvPicPr>
-          <p:cNvPr id="34" name="그림 33" descr="스크린샷, 픽셀, 만화 영화, 사각형이(가) 표시된 사진&#10;&#10;자동 생성된 설명">
-            <a:extLst>
-              <a:ext uri="{FF2B5EF4-FFF2-40B4-BE49-F238E27FC236}">
-                <a16:creationId xmlns:a16="http://schemas.microsoft.com/office/drawing/2014/main" id="{786060CD-C24B-2679-5C0A-3353825D96D8}"/>
-              </a:ext>
-            </a:extLst>
-          </p:cNvPr>
-          <p:cNvPicPr>
-            <a:picLocks noChangeAspect="1"/>
-          </p:cNvPicPr>
-          <p:nvPr/>
-        </p:nvPicPr>
-        <p:blipFill>
-          <a:blip r:embed="rId6"/>
-          <a:stretch>
-            <a:fillRect/>
-          </a:stretch>
-        </p:blipFill>
-        <p:spPr>
-          <a:xfrm>
-            <a:off x="4033420" y="3296823"/>
-            <a:ext cx="576000" cy="576000"/>
-          </a:xfrm>
-          <a:prstGeom prst="rect">
-            <a:avLst/>
-          </a:prstGeom>
-        </p:spPr>
-      </p:pic>
       <p:sp>
         <p:nvSpPr>
           <p:cNvPr id="35" name="원통[C] 34">
@@ -14662,6 +14117,551 @@
           </a:p>
         </p:txBody>
       </p:sp>
+      <p:sp>
+        <p:nvSpPr>
+          <p:cNvPr id="29" name="타원 28">
+            <a:extLst>
+              <a:ext uri="{FF2B5EF4-FFF2-40B4-BE49-F238E27FC236}">
+                <a16:creationId xmlns:a16="http://schemas.microsoft.com/office/drawing/2014/main" id="{35B5F91A-1F16-3294-661D-D71DE05DB431}"/>
+              </a:ext>
+            </a:extLst>
+          </p:cNvPr>
+          <p:cNvSpPr>
+            <a:spLocks noChangeAspect="1"/>
+          </p:cNvSpPr>
+          <p:nvPr/>
+        </p:nvSpPr>
+        <p:spPr>
+          <a:xfrm>
+            <a:off x="1927137" y="1943794"/>
+            <a:ext cx="216000" cy="216000"/>
+          </a:xfrm>
+          <a:prstGeom prst="ellipse">
+            <a:avLst/>
+          </a:prstGeom>
+          <a:noFill/>
+          <a:ln w="19050"/>
+        </p:spPr>
+        <p:style>
+          <a:lnRef idx="2">
+            <a:schemeClr val="dk1">
+              <a:shade val="50000"/>
+            </a:schemeClr>
+          </a:lnRef>
+          <a:fillRef idx="1">
+            <a:schemeClr val="dk1"/>
+          </a:fillRef>
+          <a:effectRef idx="0">
+            <a:schemeClr val="dk1"/>
+          </a:effectRef>
+          <a:fontRef idx="minor">
+            <a:schemeClr val="lt1"/>
+          </a:fontRef>
+        </p:style>
+        <p:txBody>
+          <a:bodyPr rtlCol="0" anchor="ctr"/>
+          <a:lstStyle/>
+          <a:p>
+            <a:pPr algn="ctr"/>
+            <a:endParaRPr kumimoji="1" lang="ko-KR" altLang="en-US">
+              <a:latin typeface="Calibri" panose="020F0502020204030204" pitchFamily="34" charset="0"/>
+              <a:cs typeface="Calibri" panose="020F0502020204030204" pitchFamily="34" charset="0"/>
+            </a:endParaRPr>
+          </a:p>
+        </p:txBody>
+      </p:sp>
+      <p:sp>
+        <p:nvSpPr>
+          <p:cNvPr id="37" name="타원 36">
+            <a:extLst>
+              <a:ext uri="{FF2B5EF4-FFF2-40B4-BE49-F238E27FC236}">
+                <a16:creationId xmlns:a16="http://schemas.microsoft.com/office/drawing/2014/main" id="{2A287BDD-4D45-FEB2-7222-444792AA98FE}"/>
+              </a:ext>
+            </a:extLst>
+          </p:cNvPr>
+          <p:cNvSpPr>
+            <a:spLocks noChangeAspect="1"/>
+          </p:cNvSpPr>
+          <p:nvPr/>
+        </p:nvSpPr>
+        <p:spPr>
+          <a:xfrm>
+            <a:off x="2891595" y="1943794"/>
+            <a:ext cx="216000" cy="216000"/>
+          </a:xfrm>
+          <a:prstGeom prst="ellipse">
+            <a:avLst/>
+          </a:prstGeom>
+          <a:solidFill>
+            <a:srgbClr val="71AD47"/>
+          </a:solidFill>
+          <a:ln w="19050"/>
+        </p:spPr>
+        <p:style>
+          <a:lnRef idx="2">
+            <a:schemeClr val="dk1">
+              <a:shade val="50000"/>
+            </a:schemeClr>
+          </a:lnRef>
+          <a:fillRef idx="1">
+            <a:schemeClr val="dk1"/>
+          </a:fillRef>
+          <a:effectRef idx="0">
+            <a:schemeClr val="dk1"/>
+          </a:effectRef>
+          <a:fontRef idx="minor">
+            <a:schemeClr val="lt1"/>
+          </a:fontRef>
+        </p:style>
+        <p:txBody>
+          <a:bodyPr rtlCol="0" anchor="ctr"/>
+          <a:lstStyle/>
+          <a:p>
+            <a:pPr algn="ctr"/>
+            <a:endParaRPr kumimoji="1" lang="ko-KR" altLang="en-US">
+              <a:latin typeface="Calibri" panose="020F0502020204030204" pitchFamily="34" charset="0"/>
+              <a:cs typeface="Calibri" panose="020F0502020204030204" pitchFamily="34" charset="0"/>
+            </a:endParaRPr>
+          </a:p>
+        </p:txBody>
+      </p:sp>
+      <p:sp>
+        <p:nvSpPr>
+          <p:cNvPr id="38" name="타원 37">
+            <a:extLst>
+              <a:ext uri="{FF2B5EF4-FFF2-40B4-BE49-F238E27FC236}">
+                <a16:creationId xmlns:a16="http://schemas.microsoft.com/office/drawing/2014/main" id="{D15EF2C9-D9B4-9C03-B471-172757AE8A55}"/>
+              </a:ext>
+            </a:extLst>
+          </p:cNvPr>
+          <p:cNvSpPr>
+            <a:spLocks noChangeAspect="1"/>
+          </p:cNvSpPr>
+          <p:nvPr/>
+        </p:nvSpPr>
+        <p:spPr>
+          <a:xfrm>
+            <a:off x="3856053" y="1943794"/>
+            <a:ext cx="216000" cy="216000"/>
+          </a:xfrm>
+          <a:prstGeom prst="ellipse">
+            <a:avLst/>
+          </a:prstGeom>
+          <a:solidFill>
+            <a:srgbClr val="4472C4"/>
+          </a:solidFill>
+          <a:ln w="19050"/>
+        </p:spPr>
+        <p:style>
+          <a:lnRef idx="2">
+            <a:schemeClr val="dk1">
+              <a:shade val="50000"/>
+            </a:schemeClr>
+          </a:lnRef>
+          <a:fillRef idx="1">
+            <a:schemeClr val="dk1"/>
+          </a:fillRef>
+          <a:effectRef idx="0">
+            <a:schemeClr val="dk1"/>
+          </a:effectRef>
+          <a:fontRef idx="minor">
+            <a:schemeClr val="lt1"/>
+          </a:fontRef>
+        </p:style>
+        <p:txBody>
+          <a:bodyPr rtlCol="0" anchor="ctr"/>
+          <a:lstStyle/>
+          <a:p>
+            <a:pPr algn="ctr"/>
+            <a:endParaRPr kumimoji="1" lang="ko-KR" altLang="en-US">
+              <a:latin typeface="Calibri" panose="020F0502020204030204" pitchFamily="34" charset="0"/>
+              <a:cs typeface="Calibri" panose="020F0502020204030204" pitchFamily="34" charset="0"/>
+            </a:endParaRPr>
+          </a:p>
+        </p:txBody>
+      </p:sp>
+      <p:sp>
+        <p:nvSpPr>
+          <p:cNvPr id="39" name="타원 38">
+            <a:extLst>
+              <a:ext uri="{FF2B5EF4-FFF2-40B4-BE49-F238E27FC236}">
+                <a16:creationId xmlns:a16="http://schemas.microsoft.com/office/drawing/2014/main" id="{B86494FC-91A4-47CF-97A6-2E2EAABA11F4}"/>
+              </a:ext>
+            </a:extLst>
+          </p:cNvPr>
+          <p:cNvSpPr>
+            <a:spLocks noChangeAspect="1"/>
+          </p:cNvSpPr>
+          <p:nvPr/>
+        </p:nvSpPr>
+        <p:spPr>
+          <a:xfrm>
+            <a:off x="4802386" y="1943794"/>
+            <a:ext cx="216000" cy="216000"/>
+          </a:xfrm>
+          <a:prstGeom prst="ellipse">
+            <a:avLst/>
+          </a:prstGeom>
+          <a:solidFill>
+            <a:srgbClr val="ED7D31"/>
+          </a:solidFill>
+          <a:ln w="19050"/>
+        </p:spPr>
+        <p:style>
+          <a:lnRef idx="2">
+            <a:schemeClr val="dk1">
+              <a:shade val="50000"/>
+            </a:schemeClr>
+          </a:lnRef>
+          <a:fillRef idx="1">
+            <a:schemeClr val="dk1"/>
+          </a:fillRef>
+          <a:effectRef idx="0">
+            <a:schemeClr val="dk1"/>
+          </a:effectRef>
+          <a:fontRef idx="minor">
+            <a:schemeClr val="lt1"/>
+          </a:fontRef>
+        </p:style>
+        <p:txBody>
+          <a:bodyPr rtlCol="0" anchor="ctr"/>
+          <a:lstStyle/>
+          <a:p>
+            <a:pPr algn="ctr"/>
+            <a:endParaRPr kumimoji="1" lang="ko-KR" altLang="en-US">
+              <a:latin typeface="Calibri" panose="020F0502020204030204" pitchFamily="34" charset="0"/>
+              <a:cs typeface="Calibri" panose="020F0502020204030204" pitchFamily="34" charset="0"/>
+            </a:endParaRPr>
+          </a:p>
+        </p:txBody>
+      </p:sp>
+      <p:sp>
+        <p:nvSpPr>
+          <p:cNvPr id="40" name="타원 39">
+            <a:extLst>
+              <a:ext uri="{FF2B5EF4-FFF2-40B4-BE49-F238E27FC236}">
+                <a16:creationId xmlns:a16="http://schemas.microsoft.com/office/drawing/2014/main" id="{5DC19F01-9E8D-7D20-A5AA-601EC621367E}"/>
+              </a:ext>
+            </a:extLst>
+          </p:cNvPr>
+          <p:cNvSpPr>
+            <a:spLocks noChangeAspect="1"/>
+          </p:cNvSpPr>
+          <p:nvPr/>
+        </p:nvSpPr>
+        <p:spPr>
+          <a:xfrm>
+            <a:off x="5751504" y="1943794"/>
+            <a:ext cx="216000" cy="216000"/>
+          </a:xfrm>
+          <a:prstGeom prst="ellipse">
+            <a:avLst/>
+          </a:prstGeom>
+          <a:noFill/>
+          <a:ln w="19050"/>
+        </p:spPr>
+        <p:style>
+          <a:lnRef idx="2">
+            <a:schemeClr val="dk1">
+              <a:shade val="50000"/>
+            </a:schemeClr>
+          </a:lnRef>
+          <a:fillRef idx="1">
+            <a:schemeClr val="dk1"/>
+          </a:fillRef>
+          <a:effectRef idx="0">
+            <a:schemeClr val="dk1"/>
+          </a:effectRef>
+          <a:fontRef idx="minor">
+            <a:schemeClr val="lt1"/>
+          </a:fontRef>
+        </p:style>
+        <p:txBody>
+          <a:bodyPr rtlCol="0" anchor="ctr"/>
+          <a:lstStyle/>
+          <a:p>
+            <a:pPr algn="ctr"/>
+            <a:endParaRPr kumimoji="1" lang="ko-KR" altLang="en-US">
+              <a:latin typeface="Calibri" panose="020F0502020204030204" pitchFamily="34" charset="0"/>
+              <a:cs typeface="Calibri" panose="020F0502020204030204" pitchFamily="34" charset="0"/>
+            </a:endParaRPr>
+          </a:p>
+        </p:txBody>
+      </p:sp>
+      <p:cxnSp>
+        <p:nvCxnSpPr>
+          <p:cNvPr id="41" name="직선 화살표 연결선 40">
+            <a:extLst>
+              <a:ext uri="{FF2B5EF4-FFF2-40B4-BE49-F238E27FC236}">
+                <a16:creationId xmlns:a16="http://schemas.microsoft.com/office/drawing/2014/main" id="{54029600-F56E-936F-05D2-A28CE5BB9E30}"/>
+              </a:ext>
+            </a:extLst>
+          </p:cNvPr>
+          <p:cNvCxnSpPr>
+            <a:cxnSpLocks/>
+            <a:stCxn id="29" idx="6"/>
+            <a:endCxn id="37" idx="2"/>
+          </p:cNvCxnSpPr>
+          <p:nvPr/>
+        </p:nvCxnSpPr>
+        <p:spPr>
+          <a:xfrm>
+            <a:off x="2143137" y="2051794"/>
+            <a:ext cx="748458" cy="0"/>
+          </a:xfrm>
+          <a:prstGeom prst="straightConnector1">
+            <a:avLst/>
+          </a:prstGeom>
+          <a:ln w="19050">
+            <a:solidFill>
+              <a:schemeClr val="tx1"/>
+            </a:solidFill>
+            <a:tailEnd type="triangle"/>
+          </a:ln>
+        </p:spPr>
+        <p:style>
+          <a:lnRef idx="1">
+            <a:schemeClr val="accent1"/>
+          </a:lnRef>
+          <a:fillRef idx="0">
+            <a:schemeClr val="accent1"/>
+          </a:fillRef>
+          <a:effectRef idx="0">
+            <a:schemeClr val="accent1"/>
+          </a:effectRef>
+          <a:fontRef idx="minor">
+            <a:schemeClr val="tx1"/>
+          </a:fontRef>
+        </p:style>
+      </p:cxnSp>
+      <p:cxnSp>
+        <p:nvCxnSpPr>
+          <p:cNvPr id="42" name="직선 화살표 연결선 41">
+            <a:extLst>
+              <a:ext uri="{FF2B5EF4-FFF2-40B4-BE49-F238E27FC236}">
+                <a16:creationId xmlns:a16="http://schemas.microsoft.com/office/drawing/2014/main" id="{0DD3BFB0-D988-5B75-7E18-DE26E6F52A46}"/>
+              </a:ext>
+            </a:extLst>
+          </p:cNvPr>
+          <p:cNvCxnSpPr>
+            <a:cxnSpLocks/>
+            <a:stCxn id="37" idx="6"/>
+            <a:endCxn id="38" idx="2"/>
+          </p:cNvCxnSpPr>
+          <p:nvPr/>
+        </p:nvCxnSpPr>
+        <p:spPr>
+          <a:xfrm>
+            <a:off x="3107595" y="2051794"/>
+            <a:ext cx="748458" cy="0"/>
+          </a:xfrm>
+          <a:prstGeom prst="straightConnector1">
+            <a:avLst/>
+          </a:prstGeom>
+          <a:ln w="19050">
+            <a:solidFill>
+              <a:schemeClr val="tx1"/>
+            </a:solidFill>
+            <a:tailEnd type="triangle"/>
+          </a:ln>
+        </p:spPr>
+        <p:style>
+          <a:lnRef idx="1">
+            <a:schemeClr val="accent1"/>
+          </a:lnRef>
+          <a:fillRef idx="0">
+            <a:schemeClr val="accent1"/>
+          </a:fillRef>
+          <a:effectRef idx="0">
+            <a:schemeClr val="accent1"/>
+          </a:effectRef>
+          <a:fontRef idx="minor">
+            <a:schemeClr val="tx1"/>
+          </a:fontRef>
+        </p:style>
+      </p:cxnSp>
+      <p:cxnSp>
+        <p:nvCxnSpPr>
+          <p:cNvPr id="43" name="직선 화살표 연결선 42">
+            <a:extLst>
+              <a:ext uri="{FF2B5EF4-FFF2-40B4-BE49-F238E27FC236}">
+                <a16:creationId xmlns:a16="http://schemas.microsoft.com/office/drawing/2014/main" id="{AE9E7C87-A951-7FC7-87D3-7E5C679C75AA}"/>
+              </a:ext>
+            </a:extLst>
+          </p:cNvPr>
+          <p:cNvCxnSpPr>
+            <a:cxnSpLocks/>
+            <a:stCxn id="38" idx="6"/>
+            <a:endCxn id="39" idx="2"/>
+          </p:cNvCxnSpPr>
+          <p:nvPr/>
+        </p:nvCxnSpPr>
+        <p:spPr>
+          <a:xfrm>
+            <a:off x="4072053" y="2051794"/>
+            <a:ext cx="730333" cy="0"/>
+          </a:xfrm>
+          <a:prstGeom prst="straightConnector1">
+            <a:avLst/>
+          </a:prstGeom>
+          <a:ln w="19050">
+            <a:solidFill>
+              <a:schemeClr val="tx1"/>
+            </a:solidFill>
+            <a:tailEnd type="triangle"/>
+          </a:ln>
+        </p:spPr>
+        <p:style>
+          <a:lnRef idx="1">
+            <a:schemeClr val="accent1"/>
+          </a:lnRef>
+          <a:fillRef idx="0">
+            <a:schemeClr val="accent1"/>
+          </a:fillRef>
+          <a:effectRef idx="0">
+            <a:schemeClr val="accent1"/>
+          </a:effectRef>
+          <a:fontRef idx="minor">
+            <a:schemeClr val="tx1"/>
+          </a:fontRef>
+        </p:style>
+      </p:cxnSp>
+      <p:cxnSp>
+        <p:nvCxnSpPr>
+          <p:cNvPr id="44" name="직선 화살표 연결선 43">
+            <a:extLst>
+              <a:ext uri="{FF2B5EF4-FFF2-40B4-BE49-F238E27FC236}">
+                <a16:creationId xmlns:a16="http://schemas.microsoft.com/office/drawing/2014/main" id="{BD963284-39C2-0E8C-A19B-A05E2AF58763}"/>
+              </a:ext>
+            </a:extLst>
+          </p:cNvPr>
+          <p:cNvCxnSpPr>
+            <a:cxnSpLocks/>
+            <a:stCxn id="39" idx="6"/>
+            <a:endCxn id="40" idx="2"/>
+          </p:cNvCxnSpPr>
+          <p:nvPr/>
+        </p:nvCxnSpPr>
+        <p:spPr>
+          <a:xfrm>
+            <a:off x="5018386" y="2051794"/>
+            <a:ext cx="733118" cy="0"/>
+          </a:xfrm>
+          <a:prstGeom prst="straightConnector1">
+            <a:avLst/>
+          </a:prstGeom>
+          <a:ln w="19050">
+            <a:solidFill>
+              <a:schemeClr val="tx1"/>
+            </a:solidFill>
+            <a:tailEnd type="triangle"/>
+          </a:ln>
+        </p:spPr>
+        <p:style>
+          <a:lnRef idx="1">
+            <a:schemeClr val="accent1"/>
+          </a:lnRef>
+          <a:fillRef idx="0">
+            <a:schemeClr val="accent1"/>
+          </a:fillRef>
+          <a:effectRef idx="0">
+            <a:schemeClr val="accent1"/>
+          </a:effectRef>
+          <a:fontRef idx="minor">
+            <a:schemeClr val="tx1"/>
+          </a:fontRef>
+        </p:style>
+      </p:cxnSp>
+      <p:pic>
+        <p:nvPicPr>
+          <p:cNvPr id="45" name="그림 44" descr="스크린샷, 만화 영화, 그린, 애니메이션이(가) 표시된 사진&#10;&#10;자동 생성된 설명">
+            <a:extLst>
+              <a:ext uri="{FF2B5EF4-FFF2-40B4-BE49-F238E27FC236}">
+                <a16:creationId xmlns:a16="http://schemas.microsoft.com/office/drawing/2014/main" id="{DFB80A4B-E580-96E0-AEBB-2CCB0D53E87A}"/>
+              </a:ext>
+            </a:extLst>
+          </p:cNvPr>
+          <p:cNvPicPr>
+            <a:picLocks noChangeAspect="1"/>
+          </p:cNvPicPr>
+          <p:nvPr/>
+        </p:nvPicPr>
+        <p:blipFill>
+          <a:blip r:embed="rId4"/>
+          <a:stretch>
+            <a:fillRect/>
+          </a:stretch>
+        </p:blipFill>
+        <p:spPr>
+          <a:xfrm>
+            <a:off x="1722282" y="2947153"/>
+            <a:ext cx="576000" cy="576000"/>
+          </a:xfrm>
+          <a:prstGeom prst="rect">
+            <a:avLst/>
+          </a:prstGeom>
+        </p:spPr>
+      </p:pic>
+      <p:pic>
+        <p:nvPicPr>
+          <p:cNvPr id="46" name="그림 45" descr="스크린샷, 만화 영화, 그린, 픽셀이(가) 표시된 사진&#10;&#10;자동 생성된 설명">
+            <a:extLst>
+              <a:ext uri="{FF2B5EF4-FFF2-40B4-BE49-F238E27FC236}">
+                <a16:creationId xmlns:a16="http://schemas.microsoft.com/office/drawing/2014/main" id="{9EBFCA55-0088-8B8E-1407-E221958322BE}"/>
+              </a:ext>
+            </a:extLst>
+          </p:cNvPr>
+          <p:cNvPicPr>
+            <a:picLocks noChangeAspect="1"/>
+          </p:cNvPicPr>
+          <p:nvPr/>
+        </p:nvPicPr>
+        <p:blipFill>
+          <a:blip r:embed="rId5"/>
+          <a:stretch>
+            <a:fillRect/>
+          </a:stretch>
+        </p:blipFill>
+        <p:spPr>
+          <a:xfrm>
+            <a:off x="3931528" y="2391236"/>
+            <a:ext cx="576000" cy="576000"/>
+          </a:xfrm>
+          <a:prstGeom prst="rect">
+            <a:avLst/>
+          </a:prstGeom>
+        </p:spPr>
+      </p:pic>
+      <p:pic>
+        <p:nvPicPr>
+          <p:cNvPr id="47" name="그림 46" descr="픽셀, 스크린샷, 만화 영화, 그린이(가) 표시된 사진&#10;&#10;자동 생성된 설명">
+            <a:extLst>
+              <a:ext uri="{FF2B5EF4-FFF2-40B4-BE49-F238E27FC236}">
+                <a16:creationId xmlns:a16="http://schemas.microsoft.com/office/drawing/2014/main" id="{8C46EE97-80CA-687B-F1FF-ED4DA624F0D7}"/>
+              </a:ext>
+            </a:extLst>
+          </p:cNvPr>
+          <p:cNvPicPr>
+            <a:picLocks noChangeAspect="1"/>
+          </p:cNvPicPr>
+          <p:nvPr/>
+        </p:nvPicPr>
+        <p:blipFill>
+          <a:blip r:embed="rId7"/>
+          <a:stretch>
+            <a:fillRect/>
+          </a:stretch>
+        </p:blipFill>
+        <p:spPr>
+          <a:xfrm>
+            <a:off x="4029098" y="3293951"/>
+            <a:ext cx="584643" cy="584643"/>
+          </a:xfrm>
+          <a:prstGeom prst="rect">
+            <a:avLst/>
+          </a:prstGeom>
+        </p:spPr>
+      </p:pic>
     </p:spTree>
     <p:extLst>
       <p:ext uri="{BB962C8B-B14F-4D97-AF65-F5344CB8AC3E}">
@@ -14784,323 +14784,6 @@
       </p:pic>
       <p:sp>
         <p:nvSpPr>
-          <p:cNvPr id="5" name="타원 4">
-            <a:extLst>
-              <a:ext uri="{FF2B5EF4-FFF2-40B4-BE49-F238E27FC236}">
-                <a16:creationId xmlns:a16="http://schemas.microsoft.com/office/drawing/2014/main" id="{68E3444D-4926-E2BA-D4F2-0AE5F013D131}"/>
-              </a:ext>
-            </a:extLst>
-          </p:cNvPr>
-          <p:cNvSpPr>
-            <a:spLocks noChangeAspect="1"/>
-          </p:cNvSpPr>
-          <p:nvPr/>
-        </p:nvSpPr>
-        <p:spPr>
-          <a:xfrm>
-            <a:off x="1927137" y="1943794"/>
-            <a:ext cx="216000" cy="216000"/>
-          </a:xfrm>
-          <a:prstGeom prst="ellipse">
-            <a:avLst/>
-          </a:prstGeom>
-          <a:noFill/>
-          <a:ln w="19050"/>
-        </p:spPr>
-        <p:style>
-          <a:lnRef idx="2">
-            <a:schemeClr val="dk1">
-              <a:shade val="50000"/>
-            </a:schemeClr>
-          </a:lnRef>
-          <a:fillRef idx="1">
-            <a:schemeClr val="dk1"/>
-          </a:fillRef>
-          <a:effectRef idx="0">
-            <a:schemeClr val="dk1"/>
-          </a:effectRef>
-          <a:fontRef idx="minor">
-            <a:schemeClr val="lt1"/>
-          </a:fontRef>
-        </p:style>
-        <p:txBody>
-          <a:bodyPr rtlCol="0" anchor="ctr"/>
-          <a:lstStyle/>
-          <a:p>
-            <a:pPr algn="ctr"/>
-            <a:endParaRPr kumimoji="1" lang="ko-KR" altLang="en-US">
-              <a:latin typeface="Calibri" panose="020F0502020204030204" pitchFamily="34" charset="0"/>
-              <a:cs typeface="Calibri" panose="020F0502020204030204" pitchFamily="34" charset="0"/>
-            </a:endParaRPr>
-          </a:p>
-        </p:txBody>
-      </p:sp>
-      <p:sp>
-        <p:nvSpPr>
-          <p:cNvPr id="6" name="타원 5">
-            <a:extLst>
-              <a:ext uri="{FF2B5EF4-FFF2-40B4-BE49-F238E27FC236}">
-                <a16:creationId xmlns:a16="http://schemas.microsoft.com/office/drawing/2014/main" id="{ED557610-AED3-E068-BF74-0F90C8273B2A}"/>
-              </a:ext>
-            </a:extLst>
-          </p:cNvPr>
-          <p:cNvSpPr>
-            <a:spLocks noChangeAspect="1"/>
-          </p:cNvSpPr>
-          <p:nvPr/>
-        </p:nvSpPr>
-        <p:spPr>
-          <a:xfrm>
-            <a:off x="2891595" y="1943794"/>
-            <a:ext cx="216000" cy="216000"/>
-          </a:xfrm>
-          <a:prstGeom prst="ellipse">
-            <a:avLst/>
-          </a:prstGeom>
-          <a:solidFill>
-            <a:srgbClr val="4472C4"/>
-          </a:solidFill>
-          <a:ln w="19050"/>
-        </p:spPr>
-        <p:style>
-          <a:lnRef idx="2">
-            <a:schemeClr val="dk1">
-              <a:shade val="50000"/>
-            </a:schemeClr>
-          </a:lnRef>
-          <a:fillRef idx="1">
-            <a:schemeClr val="dk1"/>
-          </a:fillRef>
-          <a:effectRef idx="0">
-            <a:schemeClr val="dk1"/>
-          </a:effectRef>
-          <a:fontRef idx="minor">
-            <a:schemeClr val="lt1"/>
-          </a:fontRef>
-        </p:style>
-        <p:txBody>
-          <a:bodyPr rtlCol="0" anchor="ctr"/>
-          <a:lstStyle/>
-          <a:p>
-            <a:pPr algn="ctr"/>
-            <a:endParaRPr kumimoji="1" lang="ko-KR" altLang="en-US">
-              <a:latin typeface="Calibri" panose="020F0502020204030204" pitchFamily="34" charset="0"/>
-              <a:cs typeface="Calibri" panose="020F0502020204030204" pitchFamily="34" charset="0"/>
-            </a:endParaRPr>
-          </a:p>
-        </p:txBody>
-      </p:sp>
-      <p:sp>
-        <p:nvSpPr>
-          <p:cNvPr id="7" name="타원 6">
-            <a:extLst>
-              <a:ext uri="{FF2B5EF4-FFF2-40B4-BE49-F238E27FC236}">
-                <a16:creationId xmlns:a16="http://schemas.microsoft.com/office/drawing/2014/main" id="{BFAD4392-2A5B-E707-F82A-CF761B3F55F9}"/>
-              </a:ext>
-            </a:extLst>
-          </p:cNvPr>
-          <p:cNvSpPr>
-            <a:spLocks noChangeAspect="1"/>
-          </p:cNvSpPr>
-          <p:nvPr/>
-        </p:nvSpPr>
-        <p:spPr>
-          <a:xfrm>
-            <a:off x="3856053" y="1943794"/>
-            <a:ext cx="216000" cy="216000"/>
-          </a:xfrm>
-          <a:prstGeom prst="ellipse">
-            <a:avLst/>
-          </a:prstGeom>
-          <a:solidFill>
-            <a:srgbClr val="71AD47"/>
-          </a:solidFill>
-          <a:ln w="19050"/>
-        </p:spPr>
-        <p:style>
-          <a:lnRef idx="2">
-            <a:schemeClr val="dk1">
-              <a:shade val="50000"/>
-            </a:schemeClr>
-          </a:lnRef>
-          <a:fillRef idx="1">
-            <a:schemeClr val="dk1"/>
-          </a:fillRef>
-          <a:effectRef idx="0">
-            <a:schemeClr val="dk1"/>
-          </a:effectRef>
-          <a:fontRef idx="minor">
-            <a:schemeClr val="lt1"/>
-          </a:fontRef>
-        </p:style>
-        <p:txBody>
-          <a:bodyPr rtlCol="0" anchor="ctr"/>
-          <a:lstStyle/>
-          <a:p>
-            <a:pPr algn="ctr"/>
-            <a:endParaRPr kumimoji="1" lang="ko-KR" altLang="en-US">
-              <a:latin typeface="Calibri" panose="020F0502020204030204" pitchFamily="34" charset="0"/>
-              <a:cs typeface="Calibri" panose="020F0502020204030204" pitchFamily="34" charset="0"/>
-            </a:endParaRPr>
-          </a:p>
-        </p:txBody>
-      </p:sp>
-      <p:sp>
-        <p:nvSpPr>
-          <p:cNvPr id="8" name="타원 7">
-            <a:extLst>
-              <a:ext uri="{FF2B5EF4-FFF2-40B4-BE49-F238E27FC236}">
-                <a16:creationId xmlns:a16="http://schemas.microsoft.com/office/drawing/2014/main" id="{49C5CDA1-FC98-8345-47DB-6EFE753F767E}"/>
-              </a:ext>
-            </a:extLst>
-          </p:cNvPr>
-          <p:cNvSpPr>
-            <a:spLocks noChangeAspect="1"/>
-          </p:cNvSpPr>
-          <p:nvPr/>
-        </p:nvSpPr>
-        <p:spPr>
-          <a:xfrm>
-            <a:off x="4802386" y="1943794"/>
-            <a:ext cx="216000" cy="216000"/>
-          </a:xfrm>
-          <a:prstGeom prst="ellipse">
-            <a:avLst/>
-          </a:prstGeom>
-          <a:noFill/>
-          <a:ln w="19050"/>
-        </p:spPr>
-        <p:style>
-          <a:lnRef idx="2">
-            <a:schemeClr val="dk1">
-              <a:shade val="50000"/>
-            </a:schemeClr>
-          </a:lnRef>
-          <a:fillRef idx="1">
-            <a:schemeClr val="dk1"/>
-          </a:fillRef>
-          <a:effectRef idx="0">
-            <a:schemeClr val="dk1"/>
-          </a:effectRef>
-          <a:fontRef idx="minor">
-            <a:schemeClr val="lt1"/>
-          </a:fontRef>
-        </p:style>
-        <p:txBody>
-          <a:bodyPr rtlCol="0" anchor="ctr"/>
-          <a:lstStyle/>
-          <a:p>
-            <a:pPr algn="ctr"/>
-            <a:endParaRPr kumimoji="1" lang="ko-KR" altLang="en-US">
-              <a:latin typeface="Calibri" panose="020F0502020204030204" pitchFamily="34" charset="0"/>
-              <a:cs typeface="Calibri" panose="020F0502020204030204" pitchFamily="34" charset="0"/>
-            </a:endParaRPr>
-          </a:p>
-        </p:txBody>
-      </p:sp>
-      <p:sp>
-        <p:nvSpPr>
-          <p:cNvPr id="9" name="타원 8">
-            <a:extLst>
-              <a:ext uri="{FF2B5EF4-FFF2-40B4-BE49-F238E27FC236}">
-                <a16:creationId xmlns:a16="http://schemas.microsoft.com/office/drawing/2014/main" id="{2AC04A10-EB02-3E35-14AE-47AD26CE299C}"/>
-              </a:ext>
-            </a:extLst>
-          </p:cNvPr>
-          <p:cNvSpPr>
-            <a:spLocks noChangeAspect="1"/>
-          </p:cNvSpPr>
-          <p:nvPr/>
-        </p:nvSpPr>
-        <p:spPr>
-          <a:xfrm>
-            <a:off x="5751504" y="1943794"/>
-            <a:ext cx="216000" cy="216000"/>
-          </a:xfrm>
-          <a:prstGeom prst="ellipse">
-            <a:avLst/>
-          </a:prstGeom>
-          <a:solidFill>
-            <a:srgbClr val="ED7D31"/>
-          </a:solidFill>
-          <a:ln w="19050"/>
-        </p:spPr>
-        <p:style>
-          <a:lnRef idx="2">
-            <a:schemeClr val="dk1">
-              <a:shade val="50000"/>
-            </a:schemeClr>
-          </a:lnRef>
-          <a:fillRef idx="1">
-            <a:schemeClr val="dk1"/>
-          </a:fillRef>
-          <a:effectRef idx="0">
-            <a:schemeClr val="dk1"/>
-          </a:effectRef>
-          <a:fontRef idx="minor">
-            <a:schemeClr val="lt1"/>
-          </a:fontRef>
-        </p:style>
-        <p:txBody>
-          <a:bodyPr rtlCol="0" anchor="ctr"/>
-          <a:lstStyle/>
-          <a:p>
-            <a:pPr algn="ctr"/>
-            <a:endParaRPr kumimoji="1" lang="ko-KR" altLang="en-US">
-              <a:latin typeface="Calibri" panose="020F0502020204030204" pitchFamily="34" charset="0"/>
-              <a:cs typeface="Calibri" panose="020F0502020204030204" pitchFamily="34" charset="0"/>
-            </a:endParaRPr>
-          </a:p>
-        </p:txBody>
-      </p:sp>
-      <p:cxnSp>
-        <p:nvCxnSpPr>
-          <p:cNvPr id="10" name="직선 화살표 연결선 9">
-            <a:extLst>
-              <a:ext uri="{FF2B5EF4-FFF2-40B4-BE49-F238E27FC236}">
-                <a16:creationId xmlns:a16="http://schemas.microsoft.com/office/drawing/2014/main" id="{53A21BE6-83A5-24A6-C0A9-97831B0689D0}"/>
-              </a:ext>
-            </a:extLst>
-          </p:cNvPr>
-          <p:cNvCxnSpPr>
-            <a:cxnSpLocks/>
-            <a:stCxn id="5" idx="6"/>
-            <a:endCxn id="6" idx="2"/>
-          </p:cNvCxnSpPr>
-          <p:nvPr/>
-        </p:nvCxnSpPr>
-        <p:spPr>
-          <a:xfrm>
-            <a:off x="2143137" y="2051794"/>
-            <a:ext cx="748458" cy="0"/>
-          </a:xfrm>
-          <a:prstGeom prst="straightConnector1">
-            <a:avLst/>
-          </a:prstGeom>
-          <a:ln w="19050">
-            <a:solidFill>
-              <a:schemeClr val="tx1"/>
-            </a:solidFill>
-            <a:tailEnd type="triangle"/>
-          </a:ln>
-        </p:spPr>
-        <p:style>
-          <a:lnRef idx="1">
-            <a:schemeClr val="accent1"/>
-          </a:lnRef>
-          <a:fillRef idx="0">
-            <a:schemeClr val="accent1"/>
-          </a:fillRef>
-          <a:effectRef idx="0">
-            <a:schemeClr val="accent1"/>
-          </a:effectRef>
-          <a:fontRef idx="minor">
-            <a:schemeClr val="tx1"/>
-          </a:fontRef>
-        </p:style>
-      </p:cxnSp>
-      <p:sp>
-        <p:nvSpPr>
           <p:cNvPr id="11" name="모서리가 둥근 직사각형 10">
             <a:extLst>
               <a:ext uri="{FF2B5EF4-FFF2-40B4-BE49-F238E27FC236}">
@@ -15170,144 +14853,6 @@
           </a:p>
         </p:txBody>
       </p:sp>
-      <p:cxnSp>
-        <p:nvCxnSpPr>
-          <p:cNvPr id="12" name="직선 화살표 연결선 11">
-            <a:extLst>
-              <a:ext uri="{FF2B5EF4-FFF2-40B4-BE49-F238E27FC236}">
-                <a16:creationId xmlns:a16="http://schemas.microsoft.com/office/drawing/2014/main" id="{F6B7E842-4E12-B634-0A45-DAA2370551F5}"/>
-              </a:ext>
-            </a:extLst>
-          </p:cNvPr>
-          <p:cNvCxnSpPr>
-            <a:cxnSpLocks/>
-            <a:stCxn id="6" idx="6"/>
-            <a:endCxn id="7" idx="2"/>
-          </p:cNvCxnSpPr>
-          <p:nvPr/>
-        </p:nvCxnSpPr>
-        <p:spPr>
-          <a:xfrm>
-            <a:off x="3107595" y="2051794"/>
-            <a:ext cx="748458" cy="0"/>
-          </a:xfrm>
-          <a:prstGeom prst="straightConnector1">
-            <a:avLst/>
-          </a:prstGeom>
-          <a:ln w="19050">
-            <a:solidFill>
-              <a:schemeClr val="tx1"/>
-            </a:solidFill>
-            <a:tailEnd type="triangle"/>
-          </a:ln>
-        </p:spPr>
-        <p:style>
-          <a:lnRef idx="1">
-            <a:schemeClr val="accent1"/>
-          </a:lnRef>
-          <a:fillRef idx="0">
-            <a:schemeClr val="accent1"/>
-          </a:fillRef>
-          <a:effectRef idx="0">
-            <a:schemeClr val="accent1"/>
-          </a:effectRef>
-          <a:fontRef idx="minor">
-            <a:schemeClr val="tx1"/>
-          </a:fontRef>
-        </p:style>
-      </p:cxnSp>
-      <p:cxnSp>
-        <p:nvCxnSpPr>
-          <p:cNvPr id="13" name="직선 화살표 연결선 12">
-            <a:extLst>
-              <a:ext uri="{FF2B5EF4-FFF2-40B4-BE49-F238E27FC236}">
-                <a16:creationId xmlns:a16="http://schemas.microsoft.com/office/drawing/2014/main" id="{0A8D26CC-C512-0F04-2C2B-0C0F8E9D5B65}"/>
-              </a:ext>
-            </a:extLst>
-          </p:cNvPr>
-          <p:cNvCxnSpPr>
-            <a:cxnSpLocks/>
-            <a:stCxn id="7" idx="6"/>
-            <a:endCxn id="8" idx="2"/>
-          </p:cNvCxnSpPr>
-          <p:nvPr/>
-        </p:nvCxnSpPr>
-        <p:spPr>
-          <a:xfrm>
-            <a:off x="4072053" y="2051794"/>
-            <a:ext cx="730333" cy="0"/>
-          </a:xfrm>
-          <a:prstGeom prst="straightConnector1">
-            <a:avLst/>
-          </a:prstGeom>
-          <a:ln w="19050">
-            <a:solidFill>
-              <a:schemeClr val="tx1"/>
-            </a:solidFill>
-            <a:tailEnd type="triangle"/>
-          </a:ln>
-        </p:spPr>
-        <p:style>
-          <a:lnRef idx="1">
-            <a:schemeClr val="accent1"/>
-          </a:lnRef>
-          <a:fillRef idx="0">
-            <a:schemeClr val="accent1"/>
-          </a:fillRef>
-          <a:effectRef idx="0">
-            <a:schemeClr val="accent1"/>
-          </a:effectRef>
-          <a:fontRef idx="minor">
-            <a:schemeClr val="tx1"/>
-          </a:fontRef>
-        </p:style>
-      </p:cxnSp>
-      <p:cxnSp>
-        <p:nvCxnSpPr>
-          <p:cNvPr id="14" name="직선 화살표 연결선 13">
-            <a:extLst>
-              <a:ext uri="{FF2B5EF4-FFF2-40B4-BE49-F238E27FC236}">
-                <a16:creationId xmlns:a16="http://schemas.microsoft.com/office/drawing/2014/main" id="{50BC0991-C161-0EA8-C35B-C815AE7CA8EA}"/>
-              </a:ext>
-            </a:extLst>
-          </p:cNvPr>
-          <p:cNvCxnSpPr>
-            <a:cxnSpLocks/>
-            <a:stCxn id="8" idx="6"/>
-            <a:endCxn id="9" idx="2"/>
-          </p:cNvCxnSpPr>
-          <p:nvPr/>
-        </p:nvCxnSpPr>
-        <p:spPr>
-          <a:xfrm>
-            <a:off x="5018386" y="2051794"/>
-            <a:ext cx="733118" cy="0"/>
-          </a:xfrm>
-          <a:prstGeom prst="straightConnector1">
-            <a:avLst/>
-          </a:prstGeom>
-          <a:ln w="19050">
-            <a:solidFill>
-              <a:schemeClr val="tx1"/>
-            </a:solidFill>
-            <a:tailEnd type="triangle"/>
-          </a:ln>
-        </p:spPr>
-        <p:style>
-          <a:lnRef idx="1">
-            <a:schemeClr val="accent1"/>
-          </a:lnRef>
-          <a:fillRef idx="0">
-            <a:schemeClr val="accent1"/>
-          </a:fillRef>
-          <a:effectRef idx="0">
-            <a:schemeClr val="accent1"/>
-          </a:effectRef>
-          <a:fontRef idx="minor">
-            <a:schemeClr val="tx1"/>
-          </a:fontRef>
-        </p:style>
-      </p:cxnSp>
       <p:sp>
         <p:nvSpPr>
           <p:cNvPr id="15" name="모서리가 둥근 직사각형 14">
@@ -16088,96 +15633,6 @@
           </a:p>
         </p:txBody>
       </p:sp>
-      <p:pic>
-        <p:nvPicPr>
-          <p:cNvPr id="58" name="그림 57" descr="스크린샷, 만화 영화, 그린, 픽셀이(가) 표시된 사진&#10;&#10;자동 생성된 설명">
-            <a:extLst>
-              <a:ext uri="{FF2B5EF4-FFF2-40B4-BE49-F238E27FC236}">
-                <a16:creationId xmlns:a16="http://schemas.microsoft.com/office/drawing/2014/main" id="{51C61B53-94AB-3BD6-76FC-D8FB98277040}"/>
-              </a:ext>
-            </a:extLst>
-          </p:cNvPr>
-          <p:cNvPicPr>
-            <a:picLocks noChangeAspect="1"/>
-          </p:cNvPicPr>
-          <p:nvPr/>
-        </p:nvPicPr>
-        <p:blipFill>
-          <a:blip r:embed="rId5"/>
-          <a:stretch>
-            <a:fillRect/>
-          </a:stretch>
-        </p:blipFill>
-        <p:spPr>
-          <a:xfrm>
-            <a:off x="1722282" y="2936309"/>
-            <a:ext cx="576000" cy="576000"/>
-          </a:xfrm>
-          <a:prstGeom prst="rect">
-            <a:avLst/>
-          </a:prstGeom>
-        </p:spPr>
-      </p:pic>
-      <p:pic>
-        <p:nvPicPr>
-          <p:cNvPr id="59" name="그림 58" descr="스크린샷, 만화 영화, 그린, 애니메이션이(가) 표시된 사진&#10;&#10;자동 생성된 설명">
-            <a:extLst>
-              <a:ext uri="{FF2B5EF4-FFF2-40B4-BE49-F238E27FC236}">
-                <a16:creationId xmlns:a16="http://schemas.microsoft.com/office/drawing/2014/main" id="{82F75D9F-F7CB-A248-75BB-A567BCE9FC73}"/>
-              </a:ext>
-            </a:extLst>
-          </p:cNvPr>
-          <p:cNvPicPr>
-            <a:picLocks noChangeAspect="1"/>
-          </p:cNvPicPr>
-          <p:nvPr/>
-        </p:nvPicPr>
-        <p:blipFill>
-          <a:blip r:embed="rId4"/>
-          <a:stretch>
-            <a:fillRect/>
-          </a:stretch>
-        </p:blipFill>
-        <p:spPr>
-          <a:xfrm>
-            <a:off x="3630728" y="2386314"/>
-            <a:ext cx="576000" cy="576000"/>
-          </a:xfrm>
-          <a:prstGeom prst="rect">
-            <a:avLst/>
-          </a:prstGeom>
-        </p:spPr>
-      </p:pic>
-      <p:pic>
-        <p:nvPicPr>
-          <p:cNvPr id="60" name="그림 59" descr="스크린샷, 픽셀, 만화 영화, 사각형이(가) 표시된 사진&#10;&#10;자동 생성된 설명">
-            <a:extLst>
-              <a:ext uri="{FF2B5EF4-FFF2-40B4-BE49-F238E27FC236}">
-                <a16:creationId xmlns:a16="http://schemas.microsoft.com/office/drawing/2014/main" id="{C468A896-2B2A-DAA5-2CC1-544927E7693E}"/>
-              </a:ext>
-            </a:extLst>
-          </p:cNvPr>
-          <p:cNvPicPr>
-            <a:picLocks noChangeAspect="1"/>
-          </p:cNvPicPr>
-          <p:nvPr/>
-        </p:nvPicPr>
-        <p:blipFill>
-          <a:blip r:embed="rId6"/>
-          <a:stretch>
-            <a:fillRect/>
-          </a:stretch>
-        </p:blipFill>
-        <p:spPr>
-          <a:xfrm>
-            <a:off x="4334220" y="3296823"/>
-            <a:ext cx="576000" cy="576000"/>
-          </a:xfrm>
-          <a:prstGeom prst="rect">
-            <a:avLst/>
-          </a:prstGeom>
-        </p:spPr>
-      </p:pic>
       <p:sp>
         <p:nvSpPr>
           <p:cNvPr id="62" name="원통[C] 61">
@@ -16296,6 +15751,551 @@
           </a:p>
         </p:txBody>
       </p:sp>
+      <p:sp>
+        <p:nvSpPr>
+          <p:cNvPr id="22" name="타원 21">
+            <a:extLst>
+              <a:ext uri="{FF2B5EF4-FFF2-40B4-BE49-F238E27FC236}">
+                <a16:creationId xmlns:a16="http://schemas.microsoft.com/office/drawing/2014/main" id="{3A98018F-18B2-6D35-7E3F-8D9B71676683}"/>
+              </a:ext>
+            </a:extLst>
+          </p:cNvPr>
+          <p:cNvSpPr>
+            <a:spLocks noChangeAspect="1"/>
+          </p:cNvSpPr>
+          <p:nvPr/>
+        </p:nvSpPr>
+        <p:spPr>
+          <a:xfrm>
+            <a:off x="1927137" y="1943794"/>
+            <a:ext cx="216000" cy="216000"/>
+          </a:xfrm>
+          <a:prstGeom prst="ellipse">
+            <a:avLst/>
+          </a:prstGeom>
+          <a:noFill/>
+          <a:ln w="19050"/>
+        </p:spPr>
+        <p:style>
+          <a:lnRef idx="2">
+            <a:schemeClr val="dk1">
+              <a:shade val="50000"/>
+            </a:schemeClr>
+          </a:lnRef>
+          <a:fillRef idx="1">
+            <a:schemeClr val="dk1"/>
+          </a:fillRef>
+          <a:effectRef idx="0">
+            <a:schemeClr val="dk1"/>
+          </a:effectRef>
+          <a:fontRef idx="minor">
+            <a:schemeClr val="lt1"/>
+          </a:fontRef>
+        </p:style>
+        <p:txBody>
+          <a:bodyPr rtlCol="0" anchor="ctr"/>
+          <a:lstStyle/>
+          <a:p>
+            <a:pPr algn="ctr"/>
+            <a:endParaRPr kumimoji="1" lang="ko-KR" altLang="en-US">
+              <a:latin typeface="Calibri" panose="020F0502020204030204" pitchFamily="34" charset="0"/>
+              <a:cs typeface="Calibri" panose="020F0502020204030204" pitchFamily="34" charset="0"/>
+            </a:endParaRPr>
+          </a:p>
+        </p:txBody>
+      </p:sp>
+      <p:sp>
+        <p:nvSpPr>
+          <p:cNvPr id="23" name="타원 22">
+            <a:extLst>
+              <a:ext uri="{FF2B5EF4-FFF2-40B4-BE49-F238E27FC236}">
+                <a16:creationId xmlns:a16="http://schemas.microsoft.com/office/drawing/2014/main" id="{EE7CAEA9-EEE8-2A6F-0D74-154130BDE892}"/>
+              </a:ext>
+            </a:extLst>
+          </p:cNvPr>
+          <p:cNvSpPr>
+            <a:spLocks noChangeAspect="1"/>
+          </p:cNvSpPr>
+          <p:nvPr/>
+        </p:nvSpPr>
+        <p:spPr>
+          <a:xfrm>
+            <a:off x="2891595" y="1943794"/>
+            <a:ext cx="216000" cy="216000"/>
+          </a:xfrm>
+          <a:prstGeom prst="ellipse">
+            <a:avLst/>
+          </a:prstGeom>
+          <a:solidFill>
+            <a:srgbClr val="71AD47"/>
+          </a:solidFill>
+          <a:ln w="19050"/>
+        </p:spPr>
+        <p:style>
+          <a:lnRef idx="2">
+            <a:schemeClr val="dk1">
+              <a:shade val="50000"/>
+            </a:schemeClr>
+          </a:lnRef>
+          <a:fillRef idx="1">
+            <a:schemeClr val="dk1"/>
+          </a:fillRef>
+          <a:effectRef idx="0">
+            <a:schemeClr val="dk1"/>
+          </a:effectRef>
+          <a:fontRef idx="minor">
+            <a:schemeClr val="lt1"/>
+          </a:fontRef>
+        </p:style>
+        <p:txBody>
+          <a:bodyPr rtlCol="0" anchor="ctr"/>
+          <a:lstStyle/>
+          <a:p>
+            <a:pPr algn="ctr"/>
+            <a:endParaRPr kumimoji="1" lang="ko-KR" altLang="en-US">
+              <a:latin typeface="Calibri" panose="020F0502020204030204" pitchFamily="34" charset="0"/>
+              <a:cs typeface="Calibri" panose="020F0502020204030204" pitchFamily="34" charset="0"/>
+            </a:endParaRPr>
+          </a:p>
+        </p:txBody>
+      </p:sp>
+      <p:sp>
+        <p:nvSpPr>
+          <p:cNvPr id="24" name="타원 23">
+            <a:extLst>
+              <a:ext uri="{FF2B5EF4-FFF2-40B4-BE49-F238E27FC236}">
+                <a16:creationId xmlns:a16="http://schemas.microsoft.com/office/drawing/2014/main" id="{C3D64C7F-C09C-DACF-09D3-5825E6063964}"/>
+              </a:ext>
+            </a:extLst>
+          </p:cNvPr>
+          <p:cNvSpPr>
+            <a:spLocks noChangeAspect="1"/>
+          </p:cNvSpPr>
+          <p:nvPr/>
+        </p:nvSpPr>
+        <p:spPr>
+          <a:xfrm>
+            <a:off x="3856053" y="1943794"/>
+            <a:ext cx="216000" cy="216000"/>
+          </a:xfrm>
+          <a:prstGeom prst="ellipse">
+            <a:avLst/>
+          </a:prstGeom>
+          <a:solidFill>
+            <a:srgbClr val="4472C4"/>
+          </a:solidFill>
+          <a:ln w="19050"/>
+        </p:spPr>
+        <p:style>
+          <a:lnRef idx="2">
+            <a:schemeClr val="dk1">
+              <a:shade val="50000"/>
+            </a:schemeClr>
+          </a:lnRef>
+          <a:fillRef idx="1">
+            <a:schemeClr val="dk1"/>
+          </a:fillRef>
+          <a:effectRef idx="0">
+            <a:schemeClr val="dk1"/>
+          </a:effectRef>
+          <a:fontRef idx="minor">
+            <a:schemeClr val="lt1"/>
+          </a:fontRef>
+        </p:style>
+        <p:txBody>
+          <a:bodyPr rtlCol="0" anchor="ctr"/>
+          <a:lstStyle/>
+          <a:p>
+            <a:pPr algn="ctr"/>
+            <a:endParaRPr kumimoji="1" lang="ko-KR" altLang="en-US">
+              <a:latin typeface="Calibri" panose="020F0502020204030204" pitchFamily="34" charset="0"/>
+              <a:cs typeface="Calibri" panose="020F0502020204030204" pitchFamily="34" charset="0"/>
+            </a:endParaRPr>
+          </a:p>
+        </p:txBody>
+      </p:sp>
+      <p:sp>
+        <p:nvSpPr>
+          <p:cNvPr id="25" name="타원 24">
+            <a:extLst>
+              <a:ext uri="{FF2B5EF4-FFF2-40B4-BE49-F238E27FC236}">
+                <a16:creationId xmlns:a16="http://schemas.microsoft.com/office/drawing/2014/main" id="{B130104D-92E6-F916-0DE7-4640C36F30CB}"/>
+              </a:ext>
+            </a:extLst>
+          </p:cNvPr>
+          <p:cNvSpPr>
+            <a:spLocks noChangeAspect="1"/>
+          </p:cNvSpPr>
+          <p:nvPr/>
+        </p:nvSpPr>
+        <p:spPr>
+          <a:xfrm>
+            <a:off x="4802386" y="1943794"/>
+            <a:ext cx="216000" cy="216000"/>
+          </a:xfrm>
+          <a:prstGeom prst="ellipse">
+            <a:avLst/>
+          </a:prstGeom>
+          <a:solidFill>
+            <a:srgbClr val="ED7D31"/>
+          </a:solidFill>
+          <a:ln w="19050"/>
+        </p:spPr>
+        <p:style>
+          <a:lnRef idx="2">
+            <a:schemeClr val="dk1">
+              <a:shade val="50000"/>
+            </a:schemeClr>
+          </a:lnRef>
+          <a:fillRef idx="1">
+            <a:schemeClr val="dk1"/>
+          </a:fillRef>
+          <a:effectRef idx="0">
+            <a:schemeClr val="dk1"/>
+          </a:effectRef>
+          <a:fontRef idx="minor">
+            <a:schemeClr val="lt1"/>
+          </a:fontRef>
+        </p:style>
+        <p:txBody>
+          <a:bodyPr rtlCol="0" anchor="ctr"/>
+          <a:lstStyle/>
+          <a:p>
+            <a:pPr algn="ctr"/>
+            <a:endParaRPr kumimoji="1" lang="ko-KR" altLang="en-US">
+              <a:latin typeface="Calibri" panose="020F0502020204030204" pitchFamily="34" charset="0"/>
+              <a:cs typeface="Calibri" panose="020F0502020204030204" pitchFamily="34" charset="0"/>
+            </a:endParaRPr>
+          </a:p>
+        </p:txBody>
+      </p:sp>
+      <p:sp>
+        <p:nvSpPr>
+          <p:cNvPr id="26" name="타원 25">
+            <a:extLst>
+              <a:ext uri="{FF2B5EF4-FFF2-40B4-BE49-F238E27FC236}">
+                <a16:creationId xmlns:a16="http://schemas.microsoft.com/office/drawing/2014/main" id="{55F8F6EE-905B-3FA9-94E1-254E3EFA4809}"/>
+              </a:ext>
+            </a:extLst>
+          </p:cNvPr>
+          <p:cNvSpPr>
+            <a:spLocks noChangeAspect="1"/>
+          </p:cNvSpPr>
+          <p:nvPr/>
+        </p:nvSpPr>
+        <p:spPr>
+          <a:xfrm>
+            <a:off x="5751504" y="1943794"/>
+            <a:ext cx="216000" cy="216000"/>
+          </a:xfrm>
+          <a:prstGeom prst="ellipse">
+            <a:avLst/>
+          </a:prstGeom>
+          <a:noFill/>
+          <a:ln w="19050"/>
+        </p:spPr>
+        <p:style>
+          <a:lnRef idx="2">
+            <a:schemeClr val="dk1">
+              <a:shade val="50000"/>
+            </a:schemeClr>
+          </a:lnRef>
+          <a:fillRef idx="1">
+            <a:schemeClr val="dk1"/>
+          </a:fillRef>
+          <a:effectRef idx="0">
+            <a:schemeClr val="dk1"/>
+          </a:effectRef>
+          <a:fontRef idx="minor">
+            <a:schemeClr val="lt1"/>
+          </a:fontRef>
+        </p:style>
+        <p:txBody>
+          <a:bodyPr rtlCol="0" anchor="ctr"/>
+          <a:lstStyle/>
+          <a:p>
+            <a:pPr algn="ctr"/>
+            <a:endParaRPr kumimoji="1" lang="ko-KR" altLang="en-US">
+              <a:latin typeface="Calibri" panose="020F0502020204030204" pitchFamily="34" charset="0"/>
+              <a:cs typeface="Calibri" panose="020F0502020204030204" pitchFamily="34" charset="0"/>
+            </a:endParaRPr>
+          </a:p>
+        </p:txBody>
+      </p:sp>
+      <p:cxnSp>
+        <p:nvCxnSpPr>
+          <p:cNvPr id="27" name="직선 화살표 연결선 26">
+            <a:extLst>
+              <a:ext uri="{FF2B5EF4-FFF2-40B4-BE49-F238E27FC236}">
+                <a16:creationId xmlns:a16="http://schemas.microsoft.com/office/drawing/2014/main" id="{BC80D198-3CE8-C0E1-6437-17431EE770D1}"/>
+              </a:ext>
+            </a:extLst>
+          </p:cNvPr>
+          <p:cNvCxnSpPr>
+            <a:cxnSpLocks/>
+            <a:stCxn id="22" idx="6"/>
+            <a:endCxn id="23" idx="2"/>
+          </p:cNvCxnSpPr>
+          <p:nvPr/>
+        </p:nvCxnSpPr>
+        <p:spPr>
+          <a:xfrm>
+            <a:off x="2143137" y="2051794"/>
+            <a:ext cx="748458" cy="0"/>
+          </a:xfrm>
+          <a:prstGeom prst="straightConnector1">
+            <a:avLst/>
+          </a:prstGeom>
+          <a:ln w="19050">
+            <a:solidFill>
+              <a:schemeClr val="tx1"/>
+            </a:solidFill>
+            <a:tailEnd type="triangle"/>
+          </a:ln>
+        </p:spPr>
+        <p:style>
+          <a:lnRef idx="1">
+            <a:schemeClr val="accent1"/>
+          </a:lnRef>
+          <a:fillRef idx="0">
+            <a:schemeClr val="accent1"/>
+          </a:fillRef>
+          <a:effectRef idx="0">
+            <a:schemeClr val="accent1"/>
+          </a:effectRef>
+          <a:fontRef idx="minor">
+            <a:schemeClr val="tx1"/>
+          </a:fontRef>
+        </p:style>
+      </p:cxnSp>
+      <p:cxnSp>
+        <p:nvCxnSpPr>
+          <p:cNvPr id="28" name="직선 화살표 연결선 27">
+            <a:extLst>
+              <a:ext uri="{FF2B5EF4-FFF2-40B4-BE49-F238E27FC236}">
+                <a16:creationId xmlns:a16="http://schemas.microsoft.com/office/drawing/2014/main" id="{F3E367BD-7512-ED88-8710-EBA9B9BA2837}"/>
+              </a:ext>
+            </a:extLst>
+          </p:cNvPr>
+          <p:cNvCxnSpPr>
+            <a:cxnSpLocks/>
+            <a:stCxn id="23" idx="6"/>
+            <a:endCxn id="24" idx="2"/>
+          </p:cNvCxnSpPr>
+          <p:nvPr/>
+        </p:nvCxnSpPr>
+        <p:spPr>
+          <a:xfrm>
+            <a:off x="3107595" y="2051794"/>
+            <a:ext cx="748458" cy="0"/>
+          </a:xfrm>
+          <a:prstGeom prst="straightConnector1">
+            <a:avLst/>
+          </a:prstGeom>
+          <a:ln w="19050">
+            <a:solidFill>
+              <a:schemeClr val="tx1"/>
+            </a:solidFill>
+            <a:tailEnd type="triangle"/>
+          </a:ln>
+        </p:spPr>
+        <p:style>
+          <a:lnRef idx="1">
+            <a:schemeClr val="accent1"/>
+          </a:lnRef>
+          <a:fillRef idx="0">
+            <a:schemeClr val="accent1"/>
+          </a:fillRef>
+          <a:effectRef idx="0">
+            <a:schemeClr val="accent1"/>
+          </a:effectRef>
+          <a:fontRef idx="minor">
+            <a:schemeClr val="tx1"/>
+          </a:fontRef>
+        </p:style>
+      </p:cxnSp>
+      <p:cxnSp>
+        <p:nvCxnSpPr>
+          <p:cNvPr id="29" name="직선 화살표 연결선 28">
+            <a:extLst>
+              <a:ext uri="{FF2B5EF4-FFF2-40B4-BE49-F238E27FC236}">
+                <a16:creationId xmlns:a16="http://schemas.microsoft.com/office/drawing/2014/main" id="{7EB099B0-E920-C2F4-A5F9-251B0C8798A9}"/>
+              </a:ext>
+            </a:extLst>
+          </p:cNvPr>
+          <p:cNvCxnSpPr>
+            <a:cxnSpLocks/>
+            <a:stCxn id="24" idx="6"/>
+            <a:endCxn id="25" idx="2"/>
+          </p:cNvCxnSpPr>
+          <p:nvPr/>
+        </p:nvCxnSpPr>
+        <p:spPr>
+          <a:xfrm>
+            <a:off x="4072053" y="2051794"/>
+            <a:ext cx="730333" cy="0"/>
+          </a:xfrm>
+          <a:prstGeom prst="straightConnector1">
+            <a:avLst/>
+          </a:prstGeom>
+          <a:ln w="19050">
+            <a:solidFill>
+              <a:schemeClr val="tx1"/>
+            </a:solidFill>
+            <a:tailEnd type="triangle"/>
+          </a:ln>
+        </p:spPr>
+        <p:style>
+          <a:lnRef idx="1">
+            <a:schemeClr val="accent1"/>
+          </a:lnRef>
+          <a:fillRef idx="0">
+            <a:schemeClr val="accent1"/>
+          </a:fillRef>
+          <a:effectRef idx="0">
+            <a:schemeClr val="accent1"/>
+          </a:effectRef>
+          <a:fontRef idx="minor">
+            <a:schemeClr val="tx1"/>
+          </a:fontRef>
+        </p:style>
+      </p:cxnSp>
+      <p:cxnSp>
+        <p:nvCxnSpPr>
+          <p:cNvPr id="30" name="직선 화살표 연결선 29">
+            <a:extLst>
+              <a:ext uri="{FF2B5EF4-FFF2-40B4-BE49-F238E27FC236}">
+                <a16:creationId xmlns:a16="http://schemas.microsoft.com/office/drawing/2014/main" id="{35C08425-8712-E411-B426-0D792A4C6E0F}"/>
+              </a:ext>
+            </a:extLst>
+          </p:cNvPr>
+          <p:cNvCxnSpPr>
+            <a:cxnSpLocks/>
+            <a:stCxn id="25" idx="6"/>
+            <a:endCxn id="26" idx="2"/>
+          </p:cNvCxnSpPr>
+          <p:nvPr/>
+        </p:nvCxnSpPr>
+        <p:spPr>
+          <a:xfrm>
+            <a:off x="5018386" y="2051794"/>
+            <a:ext cx="733118" cy="0"/>
+          </a:xfrm>
+          <a:prstGeom prst="straightConnector1">
+            <a:avLst/>
+          </a:prstGeom>
+          <a:ln w="19050">
+            <a:solidFill>
+              <a:schemeClr val="tx1"/>
+            </a:solidFill>
+            <a:tailEnd type="triangle"/>
+          </a:ln>
+        </p:spPr>
+        <p:style>
+          <a:lnRef idx="1">
+            <a:schemeClr val="accent1"/>
+          </a:lnRef>
+          <a:fillRef idx="0">
+            <a:schemeClr val="accent1"/>
+          </a:fillRef>
+          <a:effectRef idx="0">
+            <a:schemeClr val="accent1"/>
+          </a:effectRef>
+          <a:fontRef idx="minor">
+            <a:schemeClr val="tx1"/>
+          </a:fontRef>
+        </p:style>
+      </p:cxnSp>
+      <p:pic>
+        <p:nvPicPr>
+          <p:cNvPr id="31" name="그림 30" descr="스크린샷, 만화 영화, 그린, 애니메이션이(가) 표시된 사진&#10;&#10;자동 생성된 설명">
+            <a:extLst>
+              <a:ext uri="{FF2B5EF4-FFF2-40B4-BE49-F238E27FC236}">
+                <a16:creationId xmlns:a16="http://schemas.microsoft.com/office/drawing/2014/main" id="{08B02584-0306-3FE8-A7B1-7797DF14F92C}"/>
+              </a:ext>
+            </a:extLst>
+          </p:cNvPr>
+          <p:cNvPicPr>
+            <a:picLocks noChangeAspect="1"/>
+          </p:cNvPicPr>
+          <p:nvPr/>
+        </p:nvPicPr>
+        <p:blipFill>
+          <a:blip r:embed="rId4"/>
+          <a:stretch>
+            <a:fillRect/>
+          </a:stretch>
+        </p:blipFill>
+        <p:spPr>
+          <a:xfrm>
+            <a:off x="1722282" y="2947153"/>
+            <a:ext cx="576000" cy="576000"/>
+          </a:xfrm>
+          <a:prstGeom prst="rect">
+            <a:avLst/>
+          </a:prstGeom>
+        </p:spPr>
+      </p:pic>
+      <p:pic>
+        <p:nvPicPr>
+          <p:cNvPr id="32" name="그림 31" descr="스크린샷, 만화 영화, 그린, 픽셀이(가) 표시된 사진&#10;&#10;자동 생성된 설명">
+            <a:extLst>
+              <a:ext uri="{FF2B5EF4-FFF2-40B4-BE49-F238E27FC236}">
+                <a16:creationId xmlns:a16="http://schemas.microsoft.com/office/drawing/2014/main" id="{531A1C1C-CB29-065F-EA9D-9175BF8DEB1B}"/>
+              </a:ext>
+            </a:extLst>
+          </p:cNvPr>
+          <p:cNvPicPr>
+            <a:picLocks noChangeAspect="1"/>
+          </p:cNvPicPr>
+          <p:nvPr/>
+        </p:nvPicPr>
+        <p:blipFill>
+          <a:blip r:embed="rId5"/>
+          <a:stretch>
+            <a:fillRect/>
+          </a:stretch>
+        </p:blipFill>
+        <p:spPr>
+          <a:xfrm>
+            <a:off x="3630728" y="2391236"/>
+            <a:ext cx="576000" cy="576000"/>
+          </a:xfrm>
+          <a:prstGeom prst="rect">
+            <a:avLst/>
+          </a:prstGeom>
+        </p:spPr>
+      </p:pic>
+      <p:pic>
+        <p:nvPicPr>
+          <p:cNvPr id="33" name="그림 32" descr="픽셀, 스크린샷, 만화 영화, 그린이(가) 표시된 사진&#10;&#10;자동 생성된 설명">
+            <a:extLst>
+              <a:ext uri="{FF2B5EF4-FFF2-40B4-BE49-F238E27FC236}">
+                <a16:creationId xmlns:a16="http://schemas.microsoft.com/office/drawing/2014/main" id="{28D894B0-B58A-922D-A7B1-21CD97DC12FD}"/>
+              </a:ext>
+            </a:extLst>
+          </p:cNvPr>
+          <p:cNvPicPr>
+            <a:picLocks noChangeAspect="1"/>
+          </p:cNvPicPr>
+          <p:nvPr/>
+        </p:nvPicPr>
+        <p:blipFill>
+          <a:blip r:embed="rId7"/>
+          <a:stretch>
+            <a:fillRect/>
+          </a:stretch>
+        </p:blipFill>
+        <p:spPr>
+          <a:xfrm>
+            <a:off x="4309588" y="3292501"/>
+            <a:ext cx="584643" cy="584643"/>
+          </a:xfrm>
+          <a:prstGeom prst="rect">
+            <a:avLst/>
+          </a:prstGeom>
+        </p:spPr>
+      </p:pic>
     </p:spTree>
     <p:extLst>
       <p:ext uri="{BB962C8B-B14F-4D97-AF65-F5344CB8AC3E}">
@@ -19271,7 +19271,7 @@
           <p:nvPr>
             <p:extLst>
               <p:ext uri="{D42A27DB-BD31-4B8C-83A1-F6EECF244321}">
-                <p14:modId xmlns:p14="http://schemas.microsoft.com/office/powerpoint/2010/main" val="548740752"/>
+                <p14:modId xmlns:p14="http://schemas.microsoft.com/office/powerpoint/2010/main" val="3438993019"/>
               </p:ext>
             </p:extLst>
           </p:nvPr>
@@ -19328,8 +19328,8 @@
                           <a:solidFill>
                             <a:schemeClr val="tx1"/>
                           </a:solidFill>
-                          <a:latin typeface="Times New Roman" panose="02020603050405020304" pitchFamily="18" charset="0"/>
-                          <a:cs typeface="Times New Roman" panose="02020603050405020304" pitchFamily="18" charset="0"/>
+                          <a:latin typeface="Calibri" panose="020F0502020204030204" pitchFamily="34" charset="0"/>
+                          <a:cs typeface="Calibri" panose="020F0502020204030204" pitchFamily="34" charset="0"/>
                         </a:rPr>
                         <a:t>0.05</a:t>
                       </a:r>
@@ -19337,8 +19337,8 @@
                         <a:solidFill>
                           <a:schemeClr val="tx1"/>
                         </a:solidFill>
-                        <a:latin typeface="Times New Roman" panose="02020603050405020304" pitchFamily="18" charset="0"/>
-                        <a:cs typeface="Times New Roman" panose="02020603050405020304" pitchFamily="18" charset="0"/>
+                        <a:latin typeface="Calibri" panose="020F0502020204030204" pitchFamily="34" charset="0"/>
+                        <a:cs typeface="Calibri" panose="020F0502020204030204" pitchFamily="34" charset="0"/>
                       </a:endParaRPr>
                     </a:p>
                   </a:txBody>
@@ -19401,8 +19401,8 @@
                           <a:solidFill>
                             <a:schemeClr val="tx1"/>
                           </a:solidFill>
-                          <a:latin typeface="Times New Roman" panose="02020603050405020304" pitchFamily="18" charset="0"/>
-                          <a:cs typeface="Times New Roman" panose="02020603050405020304" pitchFamily="18" charset="0"/>
+                          <a:latin typeface="Calibri" panose="020F0502020204030204" pitchFamily="34" charset="0"/>
+                          <a:cs typeface="Calibri" panose="020F0502020204030204" pitchFamily="34" charset="0"/>
                         </a:rPr>
                         <a:t>0.29</a:t>
                       </a:r>
@@ -19410,8 +19410,8 @@
                         <a:solidFill>
                           <a:schemeClr val="tx1"/>
                         </a:solidFill>
-                        <a:latin typeface="Times New Roman" panose="02020603050405020304" pitchFamily="18" charset="0"/>
-                        <a:cs typeface="Times New Roman" panose="02020603050405020304" pitchFamily="18" charset="0"/>
+                        <a:latin typeface="Calibri" panose="020F0502020204030204" pitchFamily="34" charset="0"/>
+                        <a:cs typeface="Calibri" panose="020F0502020204030204" pitchFamily="34" charset="0"/>
                       </a:endParaRPr>
                     </a:p>
                   </a:txBody>
@@ -19474,8 +19474,8 @@
                           <a:solidFill>
                             <a:schemeClr val="tx1"/>
                           </a:solidFill>
-                          <a:latin typeface="Times New Roman" panose="02020603050405020304" pitchFamily="18" charset="0"/>
-                          <a:cs typeface="Times New Roman" panose="02020603050405020304" pitchFamily="18" charset="0"/>
+                          <a:latin typeface="Calibri" panose="020F0502020204030204" pitchFamily="34" charset="0"/>
+                          <a:cs typeface="Calibri" panose="020F0502020204030204" pitchFamily="34" charset="0"/>
                         </a:rPr>
                         <a:t>0.19</a:t>
                       </a:r>
@@ -19483,8 +19483,8 @@
                         <a:solidFill>
                           <a:schemeClr val="tx1"/>
                         </a:solidFill>
-                        <a:latin typeface="Times New Roman" panose="02020603050405020304" pitchFamily="18" charset="0"/>
-                        <a:cs typeface="Times New Roman" panose="02020603050405020304" pitchFamily="18" charset="0"/>
+                        <a:latin typeface="Calibri" panose="020F0502020204030204" pitchFamily="34" charset="0"/>
+                        <a:cs typeface="Calibri" panose="020F0502020204030204" pitchFamily="34" charset="0"/>
                       </a:endParaRPr>
                     </a:p>
                   </a:txBody>
@@ -19547,8 +19547,8 @@
                           <a:solidFill>
                             <a:schemeClr val="tx1"/>
                           </a:solidFill>
-                          <a:latin typeface="Times New Roman" panose="02020603050405020304" pitchFamily="18" charset="0"/>
-                          <a:cs typeface="Times New Roman" panose="02020603050405020304" pitchFamily="18" charset="0"/>
+                          <a:latin typeface="Calibri" panose="020F0502020204030204" pitchFamily="34" charset="0"/>
+                          <a:cs typeface="Calibri" panose="020F0502020204030204" pitchFamily="34" charset="0"/>
                         </a:rPr>
                         <a:t>0.38</a:t>
                       </a:r>
@@ -19556,8 +19556,8 @@
                         <a:solidFill>
                           <a:schemeClr val="tx1"/>
                         </a:solidFill>
-                        <a:latin typeface="Times New Roman" panose="02020603050405020304" pitchFamily="18" charset="0"/>
-                        <a:cs typeface="Times New Roman" panose="02020603050405020304" pitchFamily="18" charset="0"/>
+                        <a:latin typeface="Calibri" panose="020F0502020204030204" pitchFamily="34" charset="0"/>
+                        <a:cs typeface="Calibri" panose="020F0502020204030204" pitchFamily="34" charset="0"/>
                       </a:endParaRPr>
                     </a:p>
                   </a:txBody>
@@ -19627,8 +19627,8 @@
                           <a:solidFill>
                             <a:schemeClr val="tx1"/>
                           </a:solidFill>
-                          <a:latin typeface="Times New Roman" panose="02020603050405020304" pitchFamily="18" charset="0"/>
-                          <a:cs typeface="Times New Roman" panose="02020603050405020304" pitchFamily="18" charset="0"/>
+                          <a:latin typeface="Calibri" panose="020F0502020204030204" pitchFamily="34" charset="0"/>
+                          <a:cs typeface="Calibri" panose="020F0502020204030204" pitchFamily="34" charset="0"/>
                         </a:rPr>
                         <a:t>0.23</a:t>
                       </a:r>
@@ -19636,8 +19636,8 @@
                         <a:solidFill>
                           <a:schemeClr val="tx1"/>
                         </a:solidFill>
-                        <a:latin typeface="Times New Roman" panose="02020603050405020304" pitchFamily="18" charset="0"/>
-                        <a:cs typeface="Times New Roman" panose="02020603050405020304" pitchFamily="18" charset="0"/>
+                        <a:latin typeface="Calibri" panose="020F0502020204030204" pitchFamily="34" charset="0"/>
+                        <a:cs typeface="Calibri" panose="020F0502020204030204" pitchFamily="34" charset="0"/>
                       </a:endParaRPr>
                     </a:p>
                   </a:txBody>
@@ -19700,8 +19700,8 @@
                           <a:solidFill>
                             <a:schemeClr val="tx1"/>
                           </a:solidFill>
-                          <a:latin typeface="Times New Roman" panose="02020603050405020304" pitchFamily="18" charset="0"/>
-                          <a:cs typeface="Times New Roman" panose="02020603050405020304" pitchFamily="18" charset="0"/>
+                          <a:latin typeface="Calibri" panose="020F0502020204030204" pitchFamily="34" charset="0"/>
+                          <a:cs typeface="Calibri" panose="020F0502020204030204" pitchFamily="34" charset="0"/>
                         </a:rPr>
                         <a:t>0.10</a:t>
                       </a:r>
@@ -19709,8 +19709,8 @@
                         <a:solidFill>
                           <a:schemeClr val="tx1"/>
                         </a:solidFill>
-                        <a:latin typeface="Times New Roman" panose="02020603050405020304" pitchFamily="18" charset="0"/>
-                        <a:cs typeface="Times New Roman" panose="02020603050405020304" pitchFamily="18" charset="0"/>
+                        <a:latin typeface="Calibri" panose="020F0502020204030204" pitchFamily="34" charset="0"/>
+                        <a:cs typeface="Calibri" panose="020F0502020204030204" pitchFamily="34" charset="0"/>
                       </a:endParaRPr>
                     </a:p>
                   </a:txBody>
@@ -19773,8 +19773,8 @@
                           <a:solidFill>
                             <a:schemeClr val="tx1"/>
                           </a:solidFill>
-                          <a:latin typeface="Times New Roman" panose="02020603050405020304" pitchFamily="18" charset="0"/>
-                          <a:cs typeface="Times New Roman" panose="02020603050405020304" pitchFamily="18" charset="0"/>
+                          <a:latin typeface="Calibri" panose="020F0502020204030204" pitchFamily="34" charset="0"/>
+                          <a:cs typeface="Calibri" panose="020F0502020204030204" pitchFamily="34" charset="0"/>
                         </a:rPr>
                         <a:t>0.33</a:t>
                       </a:r>
@@ -19782,8 +19782,8 @@
                         <a:solidFill>
                           <a:schemeClr val="tx1"/>
                         </a:solidFill>
-                        <a:latin typeface="Times New Roman" panose="02020603050405020304" pitchFamily="18" charset="0"/>
-                        <a:cs typeface="Times New Roman" panose="02020603050405020304" pitchFamily="18" charset="0"/>
+                        <a:latin typeface="Calibri" panose="020F0502020204030204" pitchFamily="34" charset="0"/>
+                        <a:cs typeface="Calibri" panose="020F0502020204030204" pitchFamily="34" charset="0"/>
                       </a:endParaRPr>
                     </a:p>
                   </a:txBody>
@@ -19846,8 +19846,8 @@
                           <a:solidFill>
                             <a:schemeClr val="tx1"/>
                           </a:solidFill>
-                          <a:latin typeface="Times New Roman" panose="02020603050405020304" pitchFamily="18" charset="0"/>
-                          <a:cs typeface="Times New Roman" panose="02020603050405020304" pitchFamily="18" charset="0"/>
+                          <a:latin typeface="Calibri" panose="020F0502020204030204" pitchFamily="34" charset="0"/>
+                          <a:cs typeface="Calibri" panose="020F0502020204030204" pitchFamily="34" charset="0"/>
                         </a:rPr>
                         <a:t>0.15</a:t>
                       </a:r>
@@ -19855,8 +19855,8 @@
                         <a:solidFill>
                           <a:schemeClr val="tx1"/>
                         </a:solidFill>
-                        <a:latin typeface="Times New Roman" panose="02020603050405020304" pitchFamily="18" charset="0"/>
-                        <a:cs typeface="Times New Roman" panose="02020603050405020304" pitchFamily="18" charset="0"/>
+                        <a:latin typeface="Calibri" panose="020F0502020204030204" pitchFamily="34" charset="0"/>
+                        <a:cs typeface="Calibri" panose="020F0502020204030204" pitchFamily="34" charset="0"/>
                       </a:endParaRPr>
                     </a:p>
                   </a:txBody>
@@ -19926,8 +19926,8 @@
                           <a:solidFill>
                             <a:schemeClr val="tx1"/>
                           </a:solidFill>
-                          <a:latin typeface="Times New Roman" panose="02020603050405020304" pitchFamily="18" charset="0"/>
-                          <a:cs typeface="Times New Roman" panose="02020603050405020304" pitchFamily="18" charset="0"/>
+                          <a:latin typeface="Calibri" panose="020F0502020204030204" pitchFamily="34" charset="0"/>
+                          <a:cs typeface="Calibri" panose="020F0502020204030204" pitchFamily="34" charset="0"/>
                         </a:rPr>
                         <a:t>0.42</a:t>
                       </a:r>
@@ -19935,8 +19935,8 @@
                         <a:solidFill>
                           <a:schemeClr val="tx1"/>
                         </a:solidFill>
-                        <a:latin typeface="Times New Roman" panose="02020603050405020304" pitchFamily="18" charset="0"/>
-                        <a:cs typeface="Times New Roman" panose="02020603050405020304" pitchFamily="18" charset="0"/>
+                        <a:latin typeface="Calibri" panose="020F0502020204030204" pitchFamily="34" charset="0"/>
+                        <a:cs typeface="Calibri" panose="020F0502020204030204" pitchFamily="34" charset="0"/>
                       </a:endParaRPr>
                     </a:p>
                   </a:txBody>
@@ -19999,8 +19999,8 @@
                           <a:solidFill>
                             <a:schemeClr val="tx1"/>
                           </a:solidFill>
-                          <a:latin typeface="Times New Roman" panose="02020603050405020304" pitchFamily="18" charset="0"/>
-                          <a:cs typeface="Times New Roman" panose="02020603050405020304" pitchFamily="18" charset="0"/>
+                          <a:latin typeface="Calibri" panose="020F0502020204030204" pitchFamily="34" charset="0"/>
+                          <a:cs typeface="Calibri" panose="020F0502020204030204" pitchFamily="34" charset="0"/>
                         </a:rPr>
                         <a:t>0.58</a:t>
                       </a:r>
@@ -20008,8 +20008,8 @@
                         <a:solidFill>
                           <a:schemeClr val="tx1"/>
                         </a:solidFill>
-                        <a:latin typeface="Times New Roman" panose="02020603050405020304" pitchFamily="18" charset="0"/>
-                        <a:cs typeface="Times New Roman" panose="02020603050405020304" pitchFamily="18" charset="0"/>
+                        <a:latin typeface="Calibri" panose="020F0502020204030204" pitchFamily="34" charset="0"/>
+                        <a:cs typeface="Calibri" panose="020F0502020204030204" pitchFamily="34" charset="0"/>
                       </a:endParaRPr>
                     </a:p>
                   </a:txBody>
@@ -20072,8 +20072,8 @@
                           <a:solidFill>
                             <a:schemeClr val="tx1"/>
                           </a:solidFill>
-                          <a:latin typeface="Times New Roman" panose="02020603050405020304" pitchFamily="18" charset="0"/>
-                          <a:cs typeface="Times New Roman" panose="02020603050405020304" pitchFamily="18" charset="0"/>
+                          <a:latin typeface="Calibri" panose="020F0502020204030204" pitchFamily="34" charset="0"/>
+                          <a:cs typeface="Calibri" panose="020F0502020204030204" pitchFamily="34" charset="0"/>
                         </a:rPr>
                         <a:t>0.25</a:t>
                       </a:r>
@@ -20081,8 +20081,8 @@
                         <a:solidFill>
                           <a:schemeClr val="tx1"/>
                         </a:solidFill>
-                        <a:latin typeface="Times New Roman" panose="02020603050405020304" pitchFamily="18" charset="0"/>
-                        <a:cs typeface="Times New Roman" panose="02020603050405020304" pitchFamily="18" charset="0"/>
+                        <a:latin typeface="Calibri" panose="020F0502020204030204" pitchFamily="34" charset="0"/>
+                        <a:cs typeface="Calibri" panose="020F0502020204030204" pitchFamily="34" charset="0"/>
                       </a:endParaRPr>
                     </a:p>
                   </a:txBody>
@@ -20145,8 +20145,8 @@
                           <a:solidFill>
                             <a:schemeClr val="tx1"/>
                           </a:solidFill>
-                          <a:latin typeface="Times New Roman" panose="02020603050405020304" pitchFamily="18" charset="0"/>
-                          <a:cs typeface="Times New Roman" panose="02020603050405020304" pitchFamily="18" charset="0"/>
+                          <a:latin typeface="Calibri" panose="020F0502020204030204" pitchFamily="34" charset="0"/>
+                          <a:cs typeface="Calibri" panose="020F0502020204030204" pitchFamily="34" charset="0"/>
                         </a:rPr>
                         <a:t>0.06</a:t>
                       </a:r>
@@ -20154,8 +20154,8 @@
                         <a:solidFill>
                           <a:schemeClr val="tx1"/>
                         </a:solidFill>
-                        <a:latin typeface="Times New Roman" panose="02020603050405020304" pitchFamily="18" charset="0"/>
-                        <a:cs typeface="Times New Roman" panose="02020603050405020304" pitchFamily="18" charset="0"/>
+                        <a:latin typeface="Calibri" panose="020F0502020204030204" pitchFamily="34" charset="0"/>
+                        <a:cs typeface="Calibri" panose="020F0502020204030204" pitchFamily="34" charset="0"/>
                       </a:endParaRPr>
                     </a:p>
                   </a:txBody>
@@ -22142,7 +22142,7 @@
           <p:nvPr>
             <p:extLst>
               <p:ext uri="{D42A27DB-BD31-4B8C-83A1-F6EECF244321}">
-                <p14:modId xmlns:p14="http://schemas.microsoft.com/office/powerpoint/2010/main" val="4258729561"/>
+                <p14:modId xmlns:p14="http://schemas.microsoft.com/office/powerpoint/2010/main" val="3452295990"/>
               </p:ext>
             </p:extLst>
           </p:nvPr>
@@ -22199,8 +22199,8 @@
                           <a:solidFill>
                             <a:schemeClr val="tx1"/>
                           </a:solidFill>
-                          <a:latin typeface="Times New Roman" panose="02020603050405020304" pitchFamily="18" charset="0"/>
-                          <a:cs typeface="Times New Roman" panose="02020603050405020304" pitchFamily="18" charset="0"/>
+                          <a:latin typeface="Calibri" panose="020F0502020204030204" pitchFamily="34" charset="0"/>
+                          <a:cs typeface="Calibri" panose="020F0502020204030204" pitchFamily="34" charset="0"/>
                         </a:rPr>
                         <a:t>0.81</a:t>
                       </a:r>
@@ -22208,8 +22208,8 @@
                         <a:solidFill>
                           <a:schemeClr val="tx1"/>
                         </a:solidFill>
-                        <a:latin typeface="Times New Roman" panose="02020603050405020304" pitchFamily="18" charset="0"/>
-                        <a:cs typeface="Times New Roman" panose="02020603050405020304" pitchFamily="18" charset="0"/>
+                        <a:latin typeface="Calibri" panose="020F0502020204030204" pitchFamily="34" charset="0"/>
+                        <a:cs typeface="Calibri" panose="020F0502020204030204" pitchFamily="34" charset="0"/>
                       </a:endParaRPr>
                     </a:p>
                   </a:txBody>
@@ -22268,8 +22268,8 @@
                           <a:solidFill>
                             <a:schemeClr val="tx1"/>
                           </a:solidFill>
-                          <a:latin typeface="Times New Roman" panose="02020603050405020304" pitchFamily="18" charset="0"/>
-                          <a:cs typeface="Times New Roman" panose="02020603050405020304" pitchFamily="18" charset="0"/>
+                          <a:latin typeface="Calibri" panose="020F0502020204030204" pitchFamily="34" charset="0"/>
+                          <a:cs typeface="Calibri" panose="020F0502020204030204" pitchFamily="34" charset="0"/>
                         </a:rPr>
                         <a:t>0.05</a:t>
                       </a:r>
@@ -22277,8 +22277,8 @@
                         <a:solidFill>
                           <a:schemeClr val="tx1"/>
                         </a:solidFill>
-                        <a:latin typeface="Times New Roman" panose="02020603050405020304" pitchFamily="18" charset="0"/>
-                        <a:cs typeface="Times New Roman" panose="02020603050405020304" pitchFamily="18" charset="0"/>
+                        <a:latin typeface="Calibri" panose="020F0502020204030204" pitchFamily="34" charset="0"/>
+                        <a:cs typeface="Calibri" panose="020F0502020204030204" pitchFamily="34" charset="0"/>
                       </a:endParaRPr>
                     </a:p>
                   </a:txBody>
@@ -22337,8 +22337,8 @@
                           <a:solidFill>
                             <a:schemeClr val="tx1"/>
                           </a:solidFill>
-                          <a:latin typeface="Times New Roman" panose="02020603050405020304" pitchFamily="18" charset="0"/>
-                          <a:cs typeface="Times New Roman" panose="02020603050405020304" pitchFamily="18" charset="0"/>
+                          <a:latin typeface="Calibri" panose="020F0502020204030204" pitchFamily="34" charset="0"/>
+                          <a:cs typeface="Calibri" panose="020F0502020204030204" pitchFamily="34" charset="0"/>
                         </a:rPr>
                         <a:t>0.11</a:t>
                       </a:r>
@@ -22346,8 +22346,8 @@
                         <a:solidFill>
                           <a:schemeClr val="tx1"/>
                         </a:solidFill>
-                        <a:latin typeface="Times New Roman" panose="02020603050405020304" pitchFamily="18" charset="0"/>
-                        <a:cs typeface="Times New Roman" panose="02020603050405020304" pitchFamily="18" charset="0"/>
+                        <a:latin typeface="Calibri" panose="020F0502020204030204" pitchFamily="34" charset="0"/>
+                        <a:cs typeface="Calibri" panose="020F0502020204030204" pitchFamily="34" charset="0"/>
                       </a:endParaRPr>
                     </a:p>
                   </a:txBody>
@@ -22406,8 +22406,8 @@
                           <a:solidFill>
                             <a:schemeClr val="tx1"/>
                           </a:solidFill>
-                          <a:latin typeface="Times New Roman" panose="02020603050405020304" pitchFamily="18" charset="0"/>
-                          <a:cs typeface="Times New Roman" panose="02020603050405020304" pitchFamily="18" charset="0"/>
+                          <a:latin typeface="Calibri" panose="020F0502020204030204" pitchFamily="34" charset="0"/>
+                          <a:cs typeface="Calibri" panose="020F0502020204030204" pitchFamily="34" charset="0"/>
                         </a:rPr>
                         <a:t>0.03</a:t>
                       </a:r>
@@ -22415,8 +22415,8 @@
                         <a:solidFill>
                           <a:schemeClr val="tx1"/>
                         </a:solidFill>
-                        <a:latin typeface="Times New Roman" panose="02020603050405020304" pitchFamily="18" charset="0"/>
-                        <a:cs typeface="Times New Roman" panose="02020603050405020304" pitchFamily="18" charset="0"/>
+                        <a:latin typeface="Calibri" panose="020F0502020204030204" pitchFamily="34" charset="0"/>
+                        <a:cs typeface="Calibri" panose="020F0502020204030204" pitchFamily="34" charset="0"/>
                       </a:endParaRPr>
                     </a:p>
                   </a:txBody>
@@ -22482,8 +22482,8 @@
                           <a:solidFill>
                             <a:schemeClr val="tx1"/>
                           </a:solidFill>
-                          <a:latin typeface="Times New Roman" panose="02020603050405020304" pitchFamily="18" charset="0"/>
-                          <a:cs typeface="Times New Roman" panose="02020603050405020304" pitchFamily="18" charset="0"/>
+                          <a:latin typeface="Calibri" panose="020F0502020204030204" pitchFamily="34" charset="0"/>
+                          <a:cs typeface="Calibri" panose="020F0502020204030204" pitchFamily="34" charset="0"/>
                         </a:rPr>
                         <a:t>0.07</a:t>
                       </a:r>
@@ -22491,8 +22491,8 @@
                         <a:solidFill>
                           <a:schemeClr val="tx1"/>
                         </a:solidFill>
-                        <a:latin typeface="Times New Roman" panose="02020603050405020304" pitchFamily="18" charset="0"/>
-                        <a:cs typeface="Times New Roman" panose="02020603050405020304" pitchFamily="18" charset="0"/>
+                        <a:latin typeface="Calibri" panose="020F0502020204030204" pitchFamily="34" charset="0"/>
+                        <a:cs typeface="Calibri" panose="020F0502020204030204" pitchFamily="34" charset="0"/>
                       </a:endParaRPr>
                     </a:p>
                   </a:txBody>
@@ -22551,8 +22551,8 @@
                           <a:solidFill>
                             <a:schemeClr val="tx1"/>
                           </a:solidFill>
-                          <a:latin typeface="Times New Roman" panose="02020603050405020304" pitchFamily="18" charset="0"/>
-                          <a:cs typeface="Times New Roman" panose="02020603050405020304" pitchFamily="18" charset="0"/>
+                          <a:latin typeface="Calibri" panose="020F0502020204030204" pitchFamily="34" charset="0"/>
+                          <a:cs typeface="Calibri" panose="020F0502020204030204" pitchFamily="34" charset="0"/>
                         </a:rPr>
                         <a:t>0.57</a:t>
                       </a:r>
@@ -22560,8 +22560,8 @@
                         <a:solidFill>
                           <a:schemeClr val="tx1"/>
                         </a:solidFill>
-                        <a:latin typeface="Times New Roman" panose="02020603050405020304" pitchFamily="18" charset="0"/>
-                        <a:cs typeface="Times New Roman" panose="02020603050405020304" pitchFamily="18" charset="0"/>
+                        <a:latin typeface="Calibri" panose="020F0502020204030204" pitchFamily="34" charset="0"/>
+                        <a:cs typeface="Calibri" panose="020F0502020204030204" pitchFamily="34" charset="0"/>
                       </a:endParaRPr>
                     </a:p>
                   </a:txBody>
@@ -22620,8 +22620,8 @@
                           <a:solidFill>
                             <a:schemeClr val="tx1"/>
                           </a:solidFill>
-                          <a:latin typeface="Times New Roman" panose="02020603050405020304" pitchFamily="18" charset="0"/>
-                          <a:cs typeface="Times New Roman" panose="02020603050405020304" pitchFamily="18" charset="0"/>
+                          <a:latin typeface="Calibri" panose="020F0502020204030204" pitchFamily="34" charset="0"/>
+                          <a:cs typeface="Calibri" panose="020F0502020204030204" pitchFamily="34" charset="0"/>
                         </a:rPr>
                         <a:t>0.05</a:t>
                       </a:r>
@@ -22629,8 +22629,8 @@
                         <a:solidFill>
                           <a:schemeClr val="tx1"/>
                         </a:solidFill>
-                        <a:latin typeface="Times New Roman" panose="02020603050405020304" pitchFamily="18" charset="0"/>
-                        <a:cs typeface="Times New Roman" panose="02020603050405020304" pitchFamily="18" charset="0"/>
+                        <a:latin typeface="Calibri" panose="020F0502020204030204" pitchFamily="34" charset="0"/>
+                        <a:cs typeface="Calibri" panose="020F0502020204030204" pitchFamily="34" charset="0"/>
                       </a:endParaRPr>
                     </a:p>
                   </a:txBody>
@@ -22689,8 +22689,8 @@
                           <a:solidFill>
                             <a:schemeClr val="tx1"/>
                           </a:solidFill>
-                          <a:latin typeface="Times New Roman" panose="02020603050405020304" pitchFamily="18" charset="0"/>
-                          <a:cs typeface="Times New Roman" panose="02020603050405020304" pitchFamily="18" charset="0"/>
+                          <a:latin typeface="Calibri" panose="020F0502020204030204" pitchFamily="34" charset="0"/>
+                          <a:cs typeface="Calibri" panose="020F0502020204030204" pitchFamily="34" charset="0"/>
                         </a:rPr>
                         <a:t>0.31</a:t>
                       </a:r>
@@ -22698,8 +22698,8 @@
                         <a:solidFill>
                           <a:schemeClr val="tx1"/>
                         </a:solidFill>
-                        <a:latin typeface="Times New Roman" panose="02020603050405020304" pitchFamily="18" charset="0"/>
-                        <a:cs typeface="Times New Roman" panose="02020603050405020304" pitchFamily="18" charset="0"/>
+                        <a:latin typeface="Calibri" panose="020F0502020204030204" pitchFamily="34" charset="0"/>
+                        <a:cs typeface="Calibri" panose="020F0502020204030204" pitchFamily="34" charset="0"/>
                       </a:endParaRPr>
                     </a:p>
                   </a:txBody>
@@ -22765,8 +22765,8 @@
                           <a:solidFill>
                             <a:schemeClr val="tx1"/>
                           </a:solidFill>
-                          <a:latin typeface="Times New Roman" panose="02020603050405020304" pitchFamily="18" charset="0"/>
-                          <a:cs typeface="Times New Roman" panose="02020603050405020304" pitchFamily="18" charset="0"/>
+                          <a:latin typeface="Calibri" panose="020F0502020204030204" pitchFamily="34" charset="0"/>
+                          <a:cs typeface="Calibri" panose="020F0502020204030204" pitchFamily="34" charset="0"/>
                         </a:rPr>
                         <a:t>0.05</a:t>
                       </a:r>
@@ -22774,8 +22774,8 @@
                         <a:solidFill>
                           <a:schemeClr val="tx1"/>
                         </a:solidFill>
-                        <a:latin typeface="Times New Roman" panose="02020603050405020304" pitchFamily="18" charset="0"/>
-                        <a:cs typeface="Times New Roman" panose="02020603050405020304" pitchFamily="18" charset="0"/>
+                        <a:latin typeface="Calibri" panose="020F0502020204030204" pitchFamily="34" charset="0"/>
+                        <a:cs typeface="Calibri" panose="020F0502020204030204" pitchFamily="34" charset="0"/>
                       </a:endParaRPr>
                     </a:p>
                   </a:txBody>
@@ -22834,8 +22834,8 @@
                           <a:solidFill>
                             <a:schemeClr val="tx1"/>
                           </a:solidFill>
-                          <a:latin typeface="Times New Roman" panose="02020603050405020304" pitchFamily="18" charset="0"/>
-                          <a:cs typeface="Times New Roman" panose="02020603050405020304" pitchFamily="18" charset="0"/>
+                          <a:latin typeface="Calibri" panose="020F0502020204030204" pitchFamily="34" charset="0"/>
+                          <a:cs typeface="Calibri" panose="020F0502020204030204" pitchFamily="34" charset="0"/>
                         </a:rPr>
                         <a:t>0.03</a:t>
                       </a:r>
@@ -22843,8 +22843,8 @@
                         <a:solidFill>
                           <a:schemeClr val="tx1"/>
                         </a:solidFill>
-                        <a:latin typeface="Times New Roman" panose="02020603050405020304" pitchFamily="18" charset="0"/>
-                        <a:cs typeface="Times New Roman" panose="02020603050405020304" pitchFamily="18" charset="0"/>
+                        <a:latin typeface="Calibri" panose="020F0502020204030204" pitchFamily="34" charset="0"/>
+                        <a:cs typeface="Calibri" panose="020F0502020204030204" pitchFamily="34" charset="0"/>
                       </a:endParaRPr>
                     </a:p>
                   </a:txBody>
@@ -22903,8 +22903,8 @@
                           <a:solidFill>
                             <a:schemeClr val="tx1"/>
                           </a:solidFill>
-                          <a:latin typeface="Times New Roman" panose="02020603050405020304" pitchFamily="18" charset="0"/>
-                          <a:cs typeface="Times New Roman" panose="02020603050405020304" pitchFamily="18" charset="0"/>
+                          <a:latin typeface="Calibri" panose="020F0502020204030204" pitchFamily="34" charset="0"/>
+                          <a:cs typeface="Calibri" panose="020F0502020204030204" pitchFamily="34" charset="0"/>
                         </a:rPr>
                         <a:t>0.08</a:t>
                       </a:r>
@@ -22912,8 +22912,8 @@
                         <a:solidFill>
                           <a:schemeClr val="tx1"/>
                         </a:solidFill>
-                        <a:latin typeface="Times New Roman" panose="02020603050405020304" pitchFamily="18" charset="0"/>
-                        <a:cs typeface="Times New Roman" panose="02020603050405020304" pitchFamily="18" charset="0"/>
+                        <a:latin typeface="Calibri" panose="020F0502020204030204" pitchFamily="34" charset="0"/>
+                        <a:cs typeface="Calibri" panose="020F0502020204030204" pitchFamily="34" charset="0"/>
                       </a:endParaRPr>
                     </a:p>
                   </a:txBody>
@@ -22972,8 +22972,8 @@
                           <a:solidFill>
                             <a:schemeClr val="tx1"/>
                           </a:solidFill>
-                          <a:latin typeface="Times New Roman" panose="02020603050405020304" pitchFamily="18" charset="0"/>
-                          <a:cs typeface="Times New Roman" panose="02020603050405020304" pitchFamily="18" charset="0"/>
+                          <a:latin typeface="Calibri" panose="020F0502020204030204" pitchFamily="34" charset="0"/>
+                          <a:cs typeface="Calibri" panose="020F0502020204030204" pitchFamily="34" charset="0"/>
                         </a:rPr>
                         <a:t>0.84</a:t>
                       </a:r>
@@ -22981,8 +22981,8 @@
                         <a:solidFill>
                           <a:schemeClr val="tx1"/>
                         </a:solidFill>
-                        <a:latin typeface="Times New Roman" panose="02020603050405020304" pitchFamily="18" charset="0"/>
-                        <a:cs typeface="Times New Roman" panose="02020603050405020304" pitchFamily="18" charset="0"/>
+                        <a:latin typeface="Calibri" panose="020F0502020204030204" pitchFamily="34" charset="0"/>
+                        <a:cs typeface="Calibri" panose="020F0502020204030204" pitchFamily="34" charset="0"/>
                       </a:endParaRPr>
                     </a:p>
                   </a:txBody>
